--- a/persentasi/Project Individu.pptx
+++ b/persentasi/Project Individu.pptx
@@ -10110,6 +10110,96 @@
           </a:p>
         </p:txBody>
       </p:sp>
+      <p:pic>
+        <p:nvPicPr>
+          <p:cNvPr id="3" name="Picture 2">
+            <a:extLst>
+              <a:ext uri="{FF2B5EF4-FFF2-40B4-BE49-F238E27FC236}">
+                <a16:creationId xmlns:a16="http://schemas.microsoft.com/office/drawing/2014/main" id="{0485D992-9362-4B90-AB89-0B7AC63E27FF}"/>
+              </a:ext>
+            </a:extLst>
+          </p:cNvPr>
+          <p:cNvPicPr>
+            <a:picLocks noChangeAspect="1"/>
+          </p:cNvPicPr>
+          <p:nvPr/>
+        </p:nvPicPr>
+        <p:blipFill>
+          <a:blip r:embed="rId2"/>
+          <a:stretch>
+            <a:fillRect/>
+          </a:stretch>
+        </p:blipFill>
+        <p:spPr>
+          <a:xfrm>
+            <a:off x="967079" y="1150979"/>
+            <a:ext cx="2729408" cy="4795740"/>
+          </a:xfrm>
+          <a:prstGeom prst="rect">
+            <a:avLst/>
+          </a:prstGeom>
+        </p:spPr>
+      </p:pic>
+      <p:pic>
+        <p:nvPicPr>
+          <p:cNvPr id="5" name="Picture 4">
+            <a:extLst>
+              <a:ext uri="{FF2B5EF4-FFF2-40B4-BE49-F238E27FC236}">
+                <a16:creationId xmlns:a16="http://schemas.microsoft.com/office/drawing/2014/main" id="{963BA03D-0607-44D5-B4D6-FE01791A4CC3}"/>
+              </a:ext>
+            </a:extLst>
+          </p:cNvPr>
+          <p:cNvPicPr>
+            <a:picLocks noChangeAspect="1"/>
+          </p:cNvPicPr>
+          <p:nvPr/>
+        </p:nvPicPr>
+        <p:blipFill>
+          <a:blip r:embed="rId3"/>
+          <a:stretch>
+            <a:fillRect/>
+          </a:stretch>
+        </p:blipFill>
+        <p:spPr>
+          <a:xfrm>
+            <a:off x="4416949" y="1150979"/>
+            <a:ext cx="2729408" cy="4828953"/>
+          </a:xfrm>
+          <a:prstGeom prst="rect">
+            <a:avLst/>
+          </a:prstGeom>
+        </p:spPr>
+      </p:pic>
+      <p:pic>
+        <p:nvPicPr>
+          <p:cNvPr id="7" name="Picture 6">
+            <a:extLst>
+              <a:ext uri="{FF2B5EF4-FFF2-40B4-BE49-F238E27FC236}">
+                <a16:creationId xmlns:a16="http://schemas.microsoft.com/office/drawing/2014/main" id="{2F996D23-0405-4977-B911-22FC29B453F5}"/>
+              </a:ext>
+            </a:extLst>
+          </p:cNvPr>
+          <p:cNvPicPr>
+            <a:picLocks noChangeAspect="1"/>
+          </p:cNvPicPr>
+          <p:nvPr/>
+        </p:nvPicPr>
+        <p:blipFill>
+          <a:blip r:embed="rId4"/>
+          <a:stretch>
+            <a:fillRect/>
+          </a:stretch>
+        </p:blipFill>
+        <p:spPr>
+          <a:xfrm>
+            <a:off x="7864169" y="1137355"/>
+            <a:ext cx="2729408" cy="4822987"/>
+          </a:xfrm>
+          <a:prstGeom prst="rect">
+            <a:avLst/>
+          </a:prstGeom>
+        </p:spPr>
+      </p:pic>
     </p:spTree>
     <p:extLst>
       <p:ext uri="{BB962C8B-B14F-4D97-AF65-F5344CB8AC3E}">
@@ -10607,6 +10697,96 @@
           </a:p>
         </p:txBody>
       </p:sp>
+      <p:pic>
+        <p:nvPicPr>
+          <p:cNvPr id="3" name="Picture 2">
+            <a:extLst>
+              <a:ext uri="{FF2B5EF4-FFF2-40B4-BE49-F238E27FC236}">
+                <a16:creationId xmlns:a16="http://schemas.microsoft.com/office/drawing/2014/main" id="{1DD3F027-E9AE-4168-A2C0-F45357799518}"/>
+              </a:ext>
+            </a:extLst>
+          </p:cNvPr>
+          <p:cNvPicPr>
+            <a:picLocks noChangeAspect="1"/>
+          </p:cNvPicPr>
+          <p:nvPr/>
+        </p:nvPicPr>
+        <p:blipFill>
+          <a:blip r:embed="rId2"/>
+          <a:stretch>
+            <a:fillRect/>
+          </a:stretch>
+        </p:blipFill>
+        <p:spPr>
+          <a:xfrm>
+            <a:off x="1069911" y="1126817"/>
+            <a:ext cx="2609882" cy="4604365"/>
+          </a:xfrm>
+          <a:prstGeom prst="rect">
+            <a:avLst/>
+          </a:prstGeom>
+        </p:spPr>
+      </p:pic>
+      <p:pic>
+        <p:nvPicPr>
+          <p:cNvPr id="5" name="Picture 4">
+            <a:extLst>
+              <a:ext uri="{FF2B5EF4-FFF2-40B4-BE49-F238E27FC236}">
+                <a16:creationId xmlns:a16="http://schemas.microsoft.com/office/drawing/2014/main" id="{55C4A8D5-8126-47CD-A2D1-562D02767897}"/>
+              </a:ext>
+            </a:extLst>
+          </p:cNvPr>
+          <p:cNvPicPr>
+            <a:picLocks noChangeAspect="1"/>
+          </p:cNvPicPr>
+          <p:nvPr/>
+        </p:nvPicPr>
+        <p:blipFill>
+          <a:blip r:embed="rId3"/>
+          <a:stretch>
+            <a:fillRect/>
+          </a:stretch>
+        </p:blipFill>
+        <p:spPr>
+          <a:xfrm>
+            <a:off x="4476215" y="1126816"/>
+            <a:ext cx="2610876" cy="4604365"/>
+          </a:xfrm>
+          <a:prstGeom prst="rect">
+            <a:avLst/>
+          </a:prstGeom>
+        </p:spPr>
+      </p:pic>
+      <p:pic>
+        <p:nvPicPr>
+          <p:cNvPr id="7" name="Picture 6">
+            <a:extLst>
+              <a:ext uri="{FF2B5EF4-FFF2-40B4-BE49-F238E27FC236}">
+                <a16:creationId xmlns:a16="http://schemas.microsoft.com/office/drawing/2014/main" id="{1FBFDA19-A115-4F31-A3B2-86F959822411}"/>
+              </a:ext>
+            </a:extLst>
+          </p:cNvPr>
+          <p:cNvPicPr>
+            <a:picLocks noChangeAspect="1"/>
+          </p:cNvPicPr>
+          <p:nvPr/>
+        </p:nvPicPr>
+        <p:blipFill>
+          <a:blip r:embed="rId4"/>
+          <a:stretch>
+            <a:fillRect/>
+          </a:stretch>
+        </p:blipFill>
+        <p:spPr>
+          <a:xfrm>
+            <a:off x="7883513" y="1139489"/>
+            <a:ext cx="2632275" cy="4591693"/>
+          </a:xfrm>
+          <a:prstGeom prst="rect">
+            <a:avLst/>
+          </a:prstGeom>
+        </p:spPr>
+      </p:pic>
     </p:spTree>
     <p:extLst>
       <p:ext uri="{BB962C8B-B14F-4D97-AF65-F5344CB8AC3E}">
@@ -11104,6 +11284,96 @@
           </a:p>
         </p:txBody>
       </p:sp>
+      <p:pic>
+        <p:nvPicPr>
+          <p:cNvPr id="3" name="Picture 2">
+            <a:extLst>
+              <a:ext uri="{FF2B5EF4-FFF2-40B4-BE49-F238E27FC236}">
+                <a16:creationId xmlns:a16="http://schemas.microsoft.com/office/drawing/2014/main" id="{40B76567-1CF2-4026-85D6-1EC357855527}"/>
+              </a:ext>
+            </a:extLst>
+          </p:cNvPr>
+          <p:cNvPicPr>
+            <a:picLocks noChangeAspect="1"/>
+          </p:cNvPicPr>
+          <p:nvPr/>
+        </p:nvPicPr>
+        <p:blipFill>
+          <a:blip r:embed="rId2"/>
+          <a:stretch>
+            <a:fillRect/>
+          </a:stretch>
+        </p:blipFill>
+        <p:spPr>
+          <a:xfrm>
+            <a:off x="1046681" y="1290938"/>
+            <a:ext cx="2548318" cy="4515822"/>
+          </a:xfrm>
+          <a:prstGeom prst="rect">
+            <a:avLst/>
+          </a:prstGeom>
+        </p:spPr>
+      </p:pic>
+      <p:pic>
+        <p:nvPicPr>
+          <p:cNvPr id="5" name="Picture 4">
+            <a:extLst>
+              <a:ext uri="{FF2B5EF4-FFF2-40B4-BE49-F238E27FC236}">
+                <a16:creationId xmlns:a16="http://schemas.microsoft.com/office/drawing/2014/main" id="{C80D681D-BD7C-43F9-8AA2-BFFD62468EC0}"/>
+              </a:ext>
+            </a:extLst>
+          </p:cNvPr>
+          <p:cNvPicPr>
+            <a:picLocks noChangeAspect="1"/>
+          </p:cNvPicPr>
+          <p:nvPr/>
+        </p:nvPicPr>
+        <p:blipFill>
+          <a:blip r:embed="rId3"/>
+          <a:stretch>
+            <a:fillRect/>
+          </a:stretch>
+        </p:blipFill>
+        <p:spPr>
+          <a:xfrm>
+            <a:off x="4496882" y="1290938"/>
+            <a:ext cx="2578388" cy="4515822"/>
+          </a:xfrm>
+          <a:prstGeom prst="rect">
+            <a:avLst/>
+          </a:prstGeom>
+        </p:spPr>
+      </p:pic>
+      <p:pic>
+        <p:nvPicPr>
+          <p:cNvPr id="7" name="Picture 6">
+            <a:extLst>
+              <a:ext uri="{FF2B5EF4-FFF2-40B4-BE49-F238E27FC236}">
+                <a16:creationId xmlns:a16="http://schemas.microsoft.com/office/drawing/2014/main" id="{6EDD692A-E079-4F8A-9845-4417EB1B8CDA}"/>
+              </a:ext>
+            </a:extLst>
+          </p:cNvPr>
+          <p:cNvPicPr>
+            <a:picLocks noChangeAspect="1"/>
+          </p:cNvPicPr>
+          <p:nvPr/>
+        </p:nvPicPr>
+        <p:blipFill>
+          <a:blip r:embed="rId4"/>
+          <a:stretch>
+            <a:fillRect/>
+          </a:stretch>
+        </p:blipFill>
+        <p:spPr>
+          <a:xfrm>
+            <a:off x="7977154" y="1264305"/>
+            <a:ext cx="2604601" cy="4569088"/>
+          </a:xfrm>
+          <a:prstGeom prst="rect">
+            <a:avLst/>
+          </a:prstGeom>
+        </p:spPr>
+      </p:pic>
     </p:spTree>
     <p:extLst>
       <p:ext uri="{BB962C8B-B14F-4D97-AF65-F5344CB8AC3E}">
@@ -11601,6 +11871,96 @@
           </a:p>
         </p:txBody>
       </p:sp>
+      <p:pic>
+        <p:nvPicPr>
+          <p:cNvPr id="3" name="Picture 2">
+            <a:extLst>
+              <a:ext uri="{FF2B5EF4-FFF2-40B4-BE49-F238E27FC236}">
+                <a16:creationId xmlns:a16="http://schemas.microsoft.com/office/drawing/2014/main" id="{2C77C372-106A-4D9B-B48A-37598CD88CA9}"/>
+              </a:ext>
+            </a:extLst>
+          </p:cNvPr>
+          <p:cNvPicPr>
+            <a:picLocks noChangeAspect="1"/>
+          </p:cNvPicPr>
+          <p:nvPr/>
+        </p:nvPicPr>
+        <p:blipFill>
+          <a:blip r:embed="rId2"/>
+          <a:stretch>
+            <a:fillRect/>
+          </a:stretch>
+        </p:blipFill>
+        <p:spPr>
+          <a:xfrm>
+            <a:off x="1192308" y="1229702"/>
+            <a:ext cx="2630115" cy="4638294"/>
+          </a:xfrm>
+          <a:prstGeom prst="rect">
+            <a:avLst/>
+          </a:prstGeom>
+        </p:spPr>
+      </p:pic>
+      <p:pic>
+        <p:nvPicPr>
+          <p:cNvPr id="5" name="Picture 4">
+            <a:extLst>
+              <a:ext uri="{FF2B5EF4-FFF2-40B4-BE49-F238E27FC236}">
+                <a16:creationId xmlns:a16="http://schemas.microsoft.com/office/drawing/2014/main" id="{4589F89F-149D-40C9-AF2D-47B12600E47F}"/>
+              </a:ext>
+            </a:extLst>
+          </p:cNvPr>
+          <p:cNvPicPr>
+            <a:picLocks noChangeAspect="1"/>
+          </p:cNvPicPr>
+          <p:nvPr/>
+        </p:nvPicPr>
+        <p:blipFill>
+          <a:blip r:embed="rId3"/>
+          <a:stretch>
+            <a:fillRect/>
+          </a:stretch>
+        </p:blipFill>
+        <p:spPr>
+          <a:xfrm>
+            <a:off x="4399330" y="1225955"/>
+            <a:ext cx="2630115" cy="4638294"/>
+          </a:xfrm>
+          <a:prstGeom prst="rect">
+            <a:avLst/>
+          </a:prstGeom>
+        </p:spPr>
+      </p:pic>
+      <p:pic>
+        <p:nvPicPr>
+          <p:cNvPr id="7" name="Picture 6">
+            <a:extLst>
+              <a:ext uri="{FF2B5EF4-FFF2-40B4-BE49-F238E27FC236}">
+                <a16:creationId xmlns:a16="http://schemas.microsoft.com/office/drawing/2014/main" id="{F1E297AA-13A1-4C36-A254-0D818D0E9334}"/>
+              </a:ext>
+            </a:extLst>
+          </p:cNvPr>
+          <p:cNvPicPr>
+            <a:picLocks noChangeAspect="1"/>
+          </p:cNvPicPr>
+          <p:nvPr/>
+        </p:nvPicPr>
+        <p:blipFill>
+          <a:blip r:embed="rId4"/>
+          <a:stretch>
+            <a:fillRect/>
+          </a:stretch>
+        </p:blipFill>
+        <p:spPr>
+          <a:xfrm>
+            <a:off x="7650616" y="1233448"/>
+            <a:ext cx="2637608" cy="4630801"/>
+          </a:xfrm>
+          <a:prstGeom prst="rect">
+            <a:avLst/>
+          </a:prstGeom>
+        </p:spPr>
+      </p:pic>
     </p:spTree>
     <p:extLst>
       <p:ext uri="{BB962C8B-B14F-4D97-AF65-F5344CB8AC3E}">
@@ -11701,35 +12061,212 @@
           <a:chExt cx="0" cy="0"/>
         </a:xfrm>
       </p:grpSpPr>
-      <p:pic>
-        <p:nvPicPr>
-          <p:cNvPr id="3" name="Picture 2">
-            <a:extLst>
-              <a:ext uri="{FF2B5EF4-FFF2-40B4-BE49-F238E27FC236}">
-                <a16:creationId xmlns:a16="http://schemas.microsoft.com/office/drawing/2014/main" id="{5C0DBEB5-5C17-4C75-8A1C-FC0BBB919ED7}"/>
-              </a:ext>
-            </a:extLst>
-          </p:cNvPr>
-          <p:cNvPicPr>
-            <a:picLocks noChangeAspect="1"/>
-          </p:cNvPicPr>
+      <p:sp>
+        <p:nvSpPr>
+          <p:cNvPr id="4" name="Text Placeholder 1">
+            <a:extLst>
+              <a:ext uri="{FF2B5EF4-FFF2-40B4-BE49-F238E27FC236}">
+                <a16:creationId xmlns:a16="http://schemas.microsoft.com/office/drawing/2014/main" id="{1D3F3A73-81D0-469F-A600-2B191AED6FF2}"/>
+              </a:ext>
+            </a:extLst>
+          </p:cNvPr>
+          <p:cNvSpPr txBox="1">
+            <a:spLocks/>
+          </p:cNvSpPr>
           <p:nvPr/>
-        </p:nvPicPr>
-        <p:blipFill rotWithShape="1">
-          <a:blip r:embed="rId2"/>
-          <a:srcRect t="44558" b="43252"/>
-          <a:stretch/>
-        </p:blipFill>
+        </p:nvSpPr>
         <p:spPr>
           <a:xfrm>
-            <a:off x="3145144" y="2709554"/>
-            <a:ext cx="5901711" cy="719446"/>
+            <a:off x="3885811" y="2503438"/>
+            <a:ext cx="6135688" cy="1389063"/>
           </a:xfrm>
           <a:prstGeom prst="rect">
             <a:avLst/>
           </a:prstGeom>
         </p:spPr>
-      </p:pic>
+        <p:txBody>
+          <a:bodyPr>
+            <a:normAutofit/>
+          </a:bodyPr>
+          <a:lstStyle>
+            <a:lvl1pPr marL="228600" indent="-228600" algn="l" defTabSz="914400" rtl="0" eaLnBrk="1" latinLnBrk="0" hangingPunct="1">
+              <a:lnSpc>
+                <a:spcPct val="90000"/>
+              </a:lnSpc>
+              <a:spcBef>
+                <a:spcPts val="1000"/>
+              </a:spcBef>
+              <a:buFont typeface="Arial" panose="020B0604020202020204" pitchFamily="34" charset="0"/>
+              <a:buChar char="•"/>
+              <a:defRPr sz="2800" kern="1200">
+                <a:solidFill>
+                  <a:schemeClr val="tx1"/>
+                </a:solidFill>
+                <a:latin typeface="+mn-lt"/>
+                <a:ea typeface="+mn-ea"/>
+                <a:cs typeface="+mn-cs"/>
+              </a:defRPr>
+            </a:lvl1pPr>
+            <a:lvl2pPr marL="685800" indent="-228600" algn="l" defTabSz="914400" rtl="0" eaLnBrk="1" latinLnBrk="0" hangingPunct="1">
+              <a:lnSpc>
+                <a:spcPct val="90000"/>
+              </a:lnSpc>
+              <a:spcBef>
+                <a:spcPts val="500"/>
+              </a:spcBef>
+              <a:buFont typeface="Arial" panose="020B0604020202020204" pitchFamily="34" charset="0"/>
+              <a:buChar char="•"/>
+              <a:defRPr sz="2800" kern="1200">
+                <a:solidFill>
+                  <a:schemeClr val="tx1"/>
+                </a:solidFill>
+                <a:latin typeface="+mn-lt"/>
+                <a:ea typeface="+mn-ea"/>
+                <a:cs typeface="+mn-cs"/>
+              </a:defRPr>
+            </a:lvl2pPr>
+            <a:lvl3pPr marL="1143000" indent="-228600" algn="l" defTabSz="914400" rtl="0" eaLnBrk="1" latinLnBrk="0" hangingPunct="1">
+              <a:lnSpc>
+                <a:spcPct val="90000"/>
+              </a:lnSpc>
+              <a:spcBef>
+                <a:spcPts val="500"/>
+              </a:spcBef>
+              <a:buFont typeface="Arial" panose="020B0604020202020204" pitchFamily="34" charset="0"/>
+              <a:buChar char="•"/>
+              <a:defRPr sz="2800" kern="1200">
+                <a:solidFill>
+                  <a:schemeClr val="tx1"/>
+                </a:solidFill>
+                <a:latin typeface="+mn-lt"/>
+                <a:ea typeface="+mn-ea"/>
+                <a:cs typeface="+mn-cs"/>
+              </a:defRPr>
+            </a:lvl3pPr>
+            <a:lvl4pPr marL="1600200" indent="-228600" algn="l" defTabSz="914400" rtl="0" eaLnBrk="1" latinLnBrk="0" hangingPunct="1">
+              <a:lnSpc>
+                <a:spcPct val="90000"/>
+              </a:lnSpc>
+              <a:spcBef>
+                <a:spcPts val="500"/>
+              </a:spcBef>
+              <a:buFont typeface="Arial" panose="020B0604020202020204" pitchFamily="34" charset="0"/>
+              <a:buChar char="•"/>
+              <a:defRPr sz="2800" kern="1200">
+                <a:solidFill>
+                  <a:schemeClr val="tx1"/>
+                </a:solidFill>
+                <a:latin typeface="+mn-lt"/>
+                <a:ea typeface="+mn-ea"/>
+                <a:cs typeface="+mn-cs"/>
+              </a:defRPr>
+            </a:lvl4pPr>
+            <a:lvl5pPr marL="2057400" indent="-228600" algn="l" defTabSz="914400" rtl="0" eaLnBrk="1" latinLnBrk="0" hangingPunct="1">
+              <a:lnSpc>
+                <a:spcPct val="90000"/>
+              </a:lnSpc>
+              <a:spcBef>
+                <a:spcPts val="500"/>
+              </a:spcBef>
+              <a:buFont typeface="Arial" panose="020B0604020202020204" pitchFamily="34" charset="0"/>
+              <a:buChar char="•"/>
+              <a:defRPr sz="2800" kern="1200">
+                <a:solidFill>
+                  <a:schemeClr val="tx1"/>
+                </a:solidFill>
+                <a:latin typeface="+mn-lt"/>
+                <a:ea typeface="+mn-ea"/>
+                <a:cs typeface="+mn-cs"/>
+              </a:defRPr>
+            </a:lvl5pPr>
+            <a:lvl6pPr marL="2514600" indent="-228600" algn="l" defTabSz="914400" rtl="0" eaLnBrk="1" latinLnBrk="0" hangingPunct="1">
+              <a:lnSpc>
+                <a:spcPct val="90000"/>
+              </a:lnSpc>
+              <a:spcBef>
+                <a:spcPts val="500"/>
+              </a:spcBef>
+              <a:buFont typeface="Arial" panose="020B0604020202020204" pitchFamily="34" charset="0"/>
+              <a:buChar char="•"/>
+              <a:defRPr sz="1800" kern="1200">
+                <a:solidFill>
+                  <a:schemeClr val="tx1"/>
+                </a:solidFill>
+                <a:latin typeface="+mn-lt"/>
+                <a:ea typeface="+mn-ea"/>
+                <a:cs typeface="+mn-cs"/>
+              </a:defRPr>
+            </a:lvl6pPr>
+            <a:lvl7pPr marL="2971800" indent="-228600" algn="l" defTabSz="914400" rtl="0" eaLnBrk="1" latinLnBrk="0" hangingPunct="1">
+              <a:lnSpc>
+                <a:spcPct val="90000"/>
+              </a:lnSpc>
+              <a:spcBef>
+                <a:spcPts val="500"/>
+              </a:spcBef>
+              <a:buFont typeface="Arial" panose="020B0604020202020204" pitchFamily="34" charset="0"/>
+              <a:buChar char="•"/>
+              <a:defRPr sz="1800" kern="1200">
+                <a:solidFill>
+                  <a:schemeClr val="tx1"/>
+                </a:solidFill>
+                <a:latin typeface="+mn-lt"/>
+                <a:ea typeface="+mn-ea"/>
+                <a:cs typeface="+mn-cs"/>
+              </a:defRPr>
+            </a:lvl7pPr>
+            <a:lvl8pPr marL="3429000" indent="-228600" algn="l" defTabSz="914400" rtl="0" eaLnBrk="1" latinLnBrk="0" hangingPunct="1">
+              <a:lnSpc>
+                <a:spcPct val="90000"/>
+              </a:lnSpc>
+              <a:spcBef>
+                <a:spcPts val="500"/>
+              </a:spcBef>
+              <a:buFont typeface="Arial" panose="020B0604020202020204" pitchFamily="34" charset="0"/>
+              <a:buChar char="•"/>
+              <a:defRPr sz="1800" kern="1200">
+                <a:solidFill>
+                  <a:schemeClr val="tx1"/>
+                </a:solidFill>
+                <a:latin typeface="+mn-lt"/>
+                <a:ea typeface="+mn-ea"/>
+                <a:cs typeface="+mn-cs"/>
+              </a:defRPr>
+            </a:lvl8pPr>
+            <a:lvl9pPr marL="3886200" indent="-228600" algn="l" defTabSz="914400" rtl="0" eaLnBrk="1" latinLnBrk="0" hangingPunct="1">
+              <a:lnSpc>
+                <a:spcPct val="90000"/>
+              </a:lnSpc>
+              <a:spcBef>
+                <a:spcPts val="500"/>
+              </a:spcBef>
+              <a:buFont typeface="Arial" panose="020B0604020202020204" pitchFamily="34" charset="0"/>
+              <a:buChar char="•"/>
+              <a:defRPr sz="1800" kern="1200">
+                <a:solidFill>
+                  <a:schemeClr val="tx1"/>
+                </a:solidFill>
+                <a:latin typeface="+mn-lt"/>
+                <a:ea typeface="+mn-ea"/>
+                <a:cs typeface="+mn-cs"/>
+              </a:defRPr>
+            </a:lvl9pPr>
+          </a:lstStyle>
+          <a:p>
+            <a:pPr marL="0" indent="0">
+              <a:buNone/>
+            </a:pPr>
+            <a:r>
+              <a:rPr lang="en-US" sz="4800" b="1" dirty="0" err="1"/>
+              <a:t>Terima</a:t>
+            </a:r>
+            <a:r>
+              <a:rPr lang="en-US" sz="4800" b="1" dirty="0"/>
+              <a:t> Kasih</a:t>
+            </a:r>
+          </a:p>
+        </p:txBody>
+      </p:sp>
     </p:spTree>
     <p:extLst>
       <p:ext uri="{BB962C8B-B14F-4D97-AF65-F5344CB8AC3E}">
@@ -12611,6 +13148,96 @@
           </a:p>
         </p:txBody>
       </p:sp>
+      <p:pic>
+        <p:nvPicPr>
+          <p:cNvPr id="3" name="Picture 2">
+            <a:extLst>
+              <a:ext uri="{FF2B5EF4-FFF2-40B4-BE49-F238E27FC236}">
+                <a16:creationId xmlns:a16="http://schemas.microsoft.com/office/drawing/2014/main" id="{FC4BE248-FA49-473E-B673-760095D200A1}"/>
+              </a:ext>
+            </a:extLst>
+          </p:cNvPr>
+          <p:cNvPicPr>
+            <a:picLocks noChangeAspect="1"/>
+          </p:cNvPicPr>
+          <p:nvPr/>
+        </p:nvPicPr>
+        <p:blipFill>
+          <a:blip r:embed="rId2"/>
+          <a:stretch>
+            <a:fillRect/>
+          </a:stretch>
+        </p:blipFill>
+        <p:spPr>
+          <a:xfrm>
+            <a:off x="1192308" y="1143898"/>
+            <a:ext cx="2559892" cy="4570203"/>
+          </a:xfrm>
+          <a:prstGeom prst="rect">
+            <a:avLst/>
+          </a:prstGeom>
+        </p:spPr>
+      </p:pic>
+      <p:pic>
+        <p:nvPicPr>
+          <p:cNvPr id="5" name="Picture 4">
+            <a:extLst>
+              <a:ext uri="{FF2B5EF4-FFF2-40B4-BE49-F238E27FC236}">
+                <a16:creationId xmlns:a16="http://schemas.microsoft.com/office/drawing/2014/main" id="{9BEAD115-B08E-43DD-9D95-F49EDDFEDB54}"/>
+              </a:ext>
+            </a:extLst>
+          </p:cNvPr>
+          <p:cNvPicPr>
+            <a:picLocks noChangeAspect="1"/>
+          </p:cNvPicPr>
+          <p:nvPr/>
+        </p:nvPicPr>
+        <p:blipFill>
+          <a:blip r:embed="rId3"/>
+          <a:stretch>
+            <a:fillRect/>
+          </a:stretch>
+        </p:blipFill>
+        <p:spPr>
+          <a:xfrm>
+            <a:off x="4380894" y="1143898"/>
+            <a:ext cx="2579592" cy="4570203"/>
+          </a:xfrm>
+          <a:prstGeom prst="rect">
+            <a:avLst/>
+          </a:prstGeom>
+        </p:spPr>
+      </p:pic>
+      <p:pic>
+        <p:nvPicPr>
+          <p:cNvPr id="10" name="Picture 9">
+            <a:extLst>
+              <a:ext uri="{FF2B5EF4-FFF2-40B4-BE49-F238E27FC236}">
+                <a16:creationId xmlns:a16="http://schemas.microsoft.com/office/drawing/2014/main" id="{664A0051-891A-483C-A0E9-9B81A2DA1876}"/>
+              </a:ext>
+            </a:extLst>
+          </p:cNvPr>
+          <p:cNvPicPr>
+            <a:picLocks noChangeAspect="1"/>
+          </p:cNvPicPr>
+          <p:nvPr/>
+        </p:nvPicPr>
+        <p:blipFill>
+          <a:blip r:embed="rId4"/>
+          <a:stretch>
+            <a:fillRect/>
+          </a:stretch>
+        </p:blipFill>
+        <p:spPr>
+          <a:xfrm>
+            <a:off x="7681150" y="1143897"/>
+            <a:ext cx="2597877" cy="4570203"/>
+          </a:xfrm>
+          <a:prstGeom prst="rect">
+            <a:avLst/>
+          </a:prstGeom>
+        </p:spPr>
+      </p:pic>
     </p:spTree>
     <p:extLst>
       <p:ext uri="{BB962C8B-B14F-4D97-AF65-F5344CB8AC3E}">
@@ -13112,6 +13739,96 @@
           </a:p>
         </p:txBody>
       </p:sp>
+      <p:pic>
+        <p:nvPicPr>
+          <p:cNvPr id="3" name="Picture 2">
+            <a:extLst>
+              <a:ext uri="{FF2B5EF4-FFF2-40B4-BE49-F238E27FC236}">
+                <a16:creationId xmlns:a16="http://schemas.microsoft.com/office/drawing/2014/main" id="{7EE27497-4BC0-415D-A020-B3E60CE69111}"/>
+              </a:ext>
+            </a:extLst>
+          </p:cNvPr>
+          <p:cNvPicPr>
+            <a:picLocks noChangeAspect="1"/>
+          </p:cNvPicPr>
+          <p:nvPr/>
+        </p:nvPicPr>
+        <p:blipFill>
+          <a:blip r:embed="rId2"/>
+          <a:stretch>
+            <a:fillRect/>
+          </a:stretch>
+        </p:blipFill>
+        <p:spPr>
+          <a:xfrm>
+            <a:off x="895434" y="1048768"/>
+            <a:ext cx="2797337" cy="4969481"/>
+          </a:xfrm>
+          <a:prstGeom prst="rect">
+            <a:avLst/>
+          </a:prstGeom>
+        </p:spPr>
+      </p:pic>
+      <p:pic>
+        <p:nvPicPr>
+          <p:cNvPr id="5" name="Picture 4">
+            <a:extLst>
+              <a:ext uri="{FF2B5EF4-FFF2-40B4-BE49-F238E27FC236}">
+                <a16:creationId xmlns:a16="http://schemas.microsoft.com/office/drawing/2014/main" id="{26E7C080-7B0D-4C26-9552-CA615E9CA18F}"/>
+              </a:ext>
+            </a:extLst>
+          </p:cNvPr>
+          <p:cNvPicPr>
+            <a:picLocks noChangeAspect="1"/>
+          </p:cNvPicPr>
+          <p:nvPr/>
+        </p:nvPicPr>
+        <p:blipFill>
+          <a:blip r:embed="rId3"/>
+          <a:stretch>
+            <a:fillRect/>
+          </a:stretch>
+        </p:blipFill>
+        <p:spPr>
+          <a:xfrm>
+            <a:off x="4396450" y="1048767"/>
+            <a:ext cx="2805352" cy="4969481"/>
+          </a:xfrm>
+          <a:prstGeom prst="rect">
+            <a:avLst/>
+          </a:prstGeom>
+        </p:spPr>
+      </p:pic>
+      <p:pic>
+        <p:nvPicPr>
+          <p:cNvPr id="7" name="Picture 6">
+            <a:extLst>
+              <a:ext uri="{FF2B5EF4-FFF2-40B4-BE49-F238E27FC236}">
+                <a16:creationId xmlns:a16="http://schemas.microsoft.com/office/drawing/2014/main" id="{A6719413-BFD8-41A4-A192-D0C845052F4F}"/>
+              </a:ext>
+            </a:extLst>
+          </p:cNvPr>
+          <p:cNvPicPr>
+            <a:picLocks noChangeAspect="1"/>
+          </p:cNvPicPr>
+          <p:nvPr/>
+        </p:nvPicPr>
+        <p:blipFill>
+          <a:blip r:embed="rId4"/>
+          <a:stretch>
+            <a:fillRect/>
+          </a:stretch>
+        </p:blipFill>
+        <p:spPr>
+          <a:xfrm>
+            <a:off x="7905481" y="1079448"/>
+            <a:ext cx="2797337" cy="4938801"/>
+          </a:xfrm>
+          <a:prstGeom prst="rect">
+            <a:avLst/>
+          </a:prstGeom>
+        </p:spPr>
+      </p:pic>
     </p:spTree>
     <p:extLst>
       <p:ext uri="{BB962C8B-B14F-4D97-AF65-F5344CB8AC3E}">
@@ -13613,6 +14330,96 @@
           </a:p>
         </p:txBody>
       </p:sp>
+      <p:pic>
+        <p:nvPicPr>
+          <p:cNvPr id="3" name="Picture 2">
+            <a:extLst>
+              <a:ext uri="{FF2B5EF4-FFF2-40B4-BE49-F238E27FC236}">
+                <a16:creationId xmlns:a16="http://schemas.microsoft.com/office/drawing/2014/main" id="{C8F2C09E-6C09-4105-94AB-B0A98BEA0E78}"/>
+              </a:ext>
+            </a:extLst>
+          </p:cNvPr>
+          <p:cNvPicPr>
+            <a:picLocks noChangeAspect="1"/>
+          </p:cNvPicPr>
+          <p:nvPr/>
+        </p:nvPicPr>
+        <p:blipFill>
+          <a:blip r:embed="rId2"/>
+          <a:stretch>
+            <a:fillRect/>
+          </a:stretch>
+        </p:blipFill>
+        <p:spPr>
+          <a:xfrm>
+            <a:off x="850738" y="966486"/>
+            <a:ext cx="2788201" cy="4925027"/>
+          </a:xfrm>
+          <a:prstGeom prst="rect">
+            <a:avLst/>
+          </a:prstGeom>
+        </p:spPr>
+      </p:pic>
+      <p:pic>
+        <p:nvPicPr>
+          <p:cNvPr id="5" name="Picture 4">
+            <a:extLst>
+              <a:ext uri="{FF2B5EF4-FFF2-40B4-BE49-F238E27FC236}">
+                <a16:creationId xmlns:a16="http://schemas.microsoft.com/office/drawing/2014/main" id="{23E92809-9576-4DE7-882B-B1CD9A0E690A}"/>
+              </a:ext>
+            </a:extLst>
+          </p:cNvPr>
+          <p:cNvPicPr>
+            <a:picLocks noChangeAspect="1"/>
+          </p:cNvPicPr>
+          <p:nvPr/>
+        </p:nvPicPr>
+        <p:blipFill>
+          <a:blip r:embed="rId3"/>
+          <a:stretch>
+            <a:fillRect/>
+          </a:stretch>
+        </p:blipFill>
+        <p:spPr>
+          <a:xfrm>
+            <a:off x="4387552" y="970424"/>
+            <a:ext cx="2788201" cy="4899042"/>
+          </a:xfrm>
+          <a:prstGeom prst="rect">
+            <a:avLst/>
+          </a:prstGeom>
+        </p:spPr>
+      </p:pic>
+      <p:pic>
+        <p:nvPicPr>
+          <p:cNvPr id="7" name="Picture 6">
+            <a:extLst>
+              <a:ext uri="{FF2B5EF4-FFF2-40B4-BE49-F238E27FC236}">
+                <a16:creationId xmlns:a16="http://schemas.microsoft.com/office/drawing/2014/main" id="{E5B21EF5-BC0B-43EC-8E13-3F76949BDC65}"/>
+              </a:ext>
+            </a:extLst>
+          </p:cNvPr>
+          <p:cNvPicPr>
+            <a:picLocks noChangeAspect="1"/>
+          </p:cNvPicPr>
+          <p:nvPr/>
+        </p:nvPicPr>
+        <p:blipFill>
+          <a:blip r:embed="rId4"/>
+          <a:stretch>
+            <a:fillRect/>
+          </a:stretch>
+        </p:blipFill>
+        <p:spPr>
+          <a:xfrm>
+            <a:off x="7938738" y="966486"/>
+            <a:ext cx="2788201" cy="4906919"/>
+          </a:xfrm>
+          <a:prstGeom prst="rect">
+            <a:avLst/>
+          </a:prstGeom>
+        </p:spPr>
+      </p:pic>
     </p:spTree>
     <p:extLst>
       <p:ext uri="{BB962C8B-B14F-4D97-AF65-F5344CB8AC3E}">

--- a/persentasi/Project Individu.pptx
+++ b/persentasi/Project Individu.pptx
@@ -6,31 +6,37 @@
     <p:sldMasterId id="2147483673" r:id="rId2"/>
   </p:sldMasterIdLst>
   <p:notesMasterIdLst>
-    <p:notesMasterId r:id="rId22"/>
+    <p:notesMasterId r:id="rId28"/>
   </p:notesMasterIdLst>
   <p:handoutMasterIdLst>
-    <p:handoutMasterId r:id="rId23"/>
+    <p:handoutMasterId r:id="rId29"/>
   </p:handoutMasterIdLst>
   <p:sldIdLst>
     <p:sldId id="328" r:id="rId3"/>
     <p:sldId id="1259" r:id="rId4"/>
     <p:sldId id="1258" r:id="rId5"/>
-    <p:sldId id="1260" r:id="rId6"/>
-    <p:sldId id="1257" r:id="rId7"/>
-    <p:sldId id="1261" r:id="rId8"/>
-    <p:sldId id="1262" r:id="rId9"/>
-    <p:sldId id="1263" r:id="rId10"/>
-    <p:sldId id="1264" r:id="rId11"/>
-    <p:sldId id="1265" r:id="rId12"/>
-    <p:sldId id="1266" r:id="rId13"/>
-    <p:sldId id="1267" r:id="rId14"/>
-    <p:sldId id="1268" r:id="rId15"/>
-    <p:sldId id="1269" r:id="rId16"/>
-    <p:sldId id="1270" r:id="rId17"/>
-    <p:sldId id="1271" r:id="rId18"/>
-    <p:sldId id="1272" r:id="rId19"/>
-    <p:sldId id="1273" r:id="rId20"/>
-    <p:sldId id="313" r:id="rId21"/>
+    <p:sldId id="1274" r:id="rId6"/>
+    <p:sldId id="1275" r:id="rId7"/>
+    <p:sldId id="1277" r:id="rId8"/>
+    <p:sldId id="1278" r:id="rId9"/>
+    <p:sldId id="1276" r:id="rId10"/>
+    <p:sldId id="1279" r:id="rId11"/>
+    <p:sldId id="1260" r:id="rId12"/>
+    <p:sldId id="1257" r:id="rId13"/>
+    <p:sldId id="1261" r:id="rId14"/>
+    <p:sldId id="1262" r:id="rId15"/>
+    <p:sldId id="1263" r:id="rId16"/>
+    <p:sldId id="1264" r:id="rId17"/>
+    <p:sldId id="1265" r:id="rId18"/>
+    <p:sldId id="1266" r:id="rId19"/>
+    <p:sldId id="1267" r:id="rId20"/>
+    <p:sldId id="1268" r:id="rId21"/>
+    <p:sldId id="1269" r:id="rId22"/>
+    <p:sldId id="1270" r:id="rId23"/>
+    <p:sldId id="1271" r:id="rId24"/>
+    <p:sldId id="1272" r:id="rId25"/>
+    <p:sldId id="1273" r:id="rId26"/>
+    <p:sldId id="313" r:id="rId27"/>
   </p:sldIdLst>
   <p:sldSz cx="12192000" cy="6858000"/>
   <p:notesSz cx="6858000" cy="9144000"/>
@@ -233,7 +239,7 @@
           <a:p>
             <a:fld id="{44B27A76-0DF1-4948-BB5B-3F67A7CF0A48}" type="datetimeFigureOut">
               <a:rPr lang="en-US" smtClean="0"/>
-              <a:t>2/13/2022</a:t>
+              <a:t>2/14/2022</a:t>
             </a:fld>
             <a:endParaRPr lang="en-US"/>
           </a:p>
@@ -399,7 +405,7 @@
             <a:fld id="{02FA215D-F816-814E-9365-4A907CD0BFDE}" type="datetimeFigureOut">
               <a:rPr lang="en-US" smtClean="0"/>
               <a:pPr/>
-              <a:t>2/13/2022</a:t>
+              <a:t>2/14/2022</a:t>
             </a:fld>
             <a:endParaRPr lang="en-US"/>
           </a:p>
@@ -3051,7 +3057,7 @@
                 </a:solidFill>
               </a:rPr>
               <a:pPr/>
-              <a:t>2/13/2022</a:t>
+              <a:t>2/14/2022</a:t>
             </a:fld>
             <a:endParaRPr lang="en-US">
               <a:solidFill>
@@ -8754,7 +8760,7 @@
                 </a:solidFill>
               </a:rPr>
               <a:pPr/>
-              <a:t>2/13/2022</a:t>
+              <a:t>2/14/2022</a:t>
             </a:fld>
             <a:endParaRPr lang="en-US">
               <a:solidFill>
@@ -9668,17 +9674,16 @@
           <a:lstStyle/>
           <a:p>
             <a:r>
-              <a:rPr lang="en-US" sz="4800" b="1" dirty="0" err="1"/>
-              <a:t>Peserta</a:t>
-            </a:r>
-            <a:endParaRPr lang="en-US" sz="4800" b="1" dirty="0"/>
+              <a:rPr lang="en-US" sz="4800" b="1" dirty="0"/>
+              <a:t>Home</a:t>
+            </a:r>
           </a:p>
         </p:txBody>
       </p:sp>
     </p:spTree>
     <p:extLst>
       <p:ext uri="{BB962C8B-B14F-4D97-AF65-F5344CB8AC3E}">
-        <p14:creationId xmlns:p14="http://schemas.microsoft.com/office/powerpoint/2010/main" val="502033136"/>
+        <p14:creationId xmlns:p14="http://schemas.microsoft.com/office/powerpoint/2010/main" val="283822803"/>
       </p:ext>
     </p:extLst>
   </p:cSld>
@@ -9713,7 +9718,7 @@
         </p:nvSpPr>
         <p:spPr>
           <a:xfrm>
-            <a:off x="563614" y="312564"/>
+            <a:off x="563614" y="339197"/>
             <a:ext cx="10436079" cy="430887"/>
           </a:xfrm>
           <a:prstGeom prst="rect">
@@ -9735,14 +9740,11 @@
               </a:spcAft>
             </a:pPr>
             <a:r>
-              <a:rPr lang="en-US" sz="1600" b="1" dirty="0" err="1">
+              <a:rPr lang="en-US" sz="1600" b="1" dirty="0">
                 <a:latin typeface="Trebuchet MS" panose="020B0603020202020204" pitchFamily="34" charset="0"/>
               </a:rPr>
-              <a:t>Peserta</a:t>
-            </a:r>
-            <a:endParaRPr lang="en-US" sz="1600" b="1" dirty="0">
-              <a:latin typeface="Trebuchet MS" panose="020B0603020202020204" pitchFamily="34" charset="0"/>
-            </a:endParaRPr>
+              <a:t>Home</a:t>
+            </a:r>
           </a:p>
         </p:txBody>
       </p:sp>
@@ -10115,7 +10117,7 @@
           <p:cNvPr id="3" name="Picture 2">
             <a:extLst>
               <a:ext uri="{FF2B5EF4-FFF2-40B4-BE49-F238E27FC236}">
-                <a16:creationId xmlns:a16="http://schemas.microsoft.com/office/drawing/2014/main" id="{0485D992-9362-4B90-AB89-0B7AC63E27FF}"/>
+                <a16:creationId xmlns:a16="http://schemas.microsoft.com/office/drawing/2014/main" id="{FC4BE248-FA49-473E-B673-760095D200A1}"/>
               </a:ext>
             </a:extLst>
           </p:cNvPr>
@@ -10132,8 +10134,8 @@
         </p:blipFill>
         <p:spPr>
           <a:xfrm>
-            <a:off x="967079" y="1150979"/>
-            <a:ext cx="2729408" cy="4795740"/>
+            <a:off x="1192308" y="1143898"/>
+            <a:ext cx="2559892" cy="4570203"/>
           </a:xfrm>
           <a:prstGeom prst="rect">
             <a:avLst/>
@@ -10145,7 +10147,7 @@
           <p:cNvPr id="5" name="Picture 4">
             <a:extLst>
               <a:ext uri="{FF2B5EF4-FFF2-40B4-BE49-F238E27FC236}">
-                <a16:creationId xmlns:a16="http://schemas.microsoft.com/office/drawing/2014/main" id="{963BA03D-0607-44D5-B4D6-FE01791A4CC3}"/>
+                <a16:creationId xmlns:a16="http://schemas.microsoft.com/office/drawing/2014/main" id="{9BEAD115-B08E-43DD-9D95-F49EDDFEDB54}"/>
               </a:ext>
             </a:extLst>
           </p:cNvPr>
@@ -10162,8 +10164,8 @@
         </p:blipFill>
         <p:spPr>
           <a:xfrm>
-            <a:off x="4416949" y="1150979"/>
-            <a:ext cx="2729408" cy="4828953"/>
+            <a:off x="4380894" y="1143898"/>
+            <a:ext cx="2579592" cy="4570203"/>
           </a:xfrm>
           <a:prstGeom prst="rect">
             <a:avLst/>
@@ -10172,10 +10174,10 @@
       </p:pic>
       <p:pic>
         <p:nvPicPr>
-          <p:cNvPr id="7" name="Picture 6">
-            <a:extLst>
-              <a:ext uri="{FF2B5EF4-FFF2-40B4-BE49-F238E27FC236}">
-                <a16:creationId xmlns:a16="http://schemas.microsoft.com/office/drawing/2014/main" id="{2F996D23-0405-4977-B911-22FC29B453F5}"/>
+          <p:cNvPr id="10" name="Picture 9">
+            <a:extLst>
+              <a:ext uri="{FF2B5EF4-FFF2-40B4-BE49-F238E27FC236}">
+                <a16:creationId xmlns:a16="http://schemas.microsoft.com/office/drawing/2014/main" id="{664A0051-891A-483C-A0E9-9B81A2DA1876}"/>
               </a:ext>
             </a:extLst>
           </p:cNvPr>
@@ -10192,8 +10194,8 @@
         </p:blipFill>
         <p:spPr>
           <a:xfrm>
-            <a:off x="7864169" y="1137355"/>
-            <a:ext cx="2729408" cy="4822987"/>
+            <a:off x="7681150" y="1143897"/>
+            <a:ext cx="2597877" cy="4570203"/>
           </a:xfrm>
           <a:prstGeom prst="rect">
             <a:avLst/>
@@ -10203,7 +10205,7 @@
     </p:spTree>
     <p:extLst>
       <p:ext uri="{BB962C8B-B14F-4D97-AF65-F5344CB8AC3E}">
-        <p14:creationId xmlns:p14="http://schemas.microsoft.com/office/powerpoint/2010/main" val="1370146067"/>
+        <p14:creationId xmlns:p14="http://schemas.microsoft.com/office/powerpoint/2010/main" val="101422534"/>
       </p:ext>
     </p:extLst>
   </p:cSld>
@@ -10259,16 +10261,17 @@
           <a:lstStyle/>
           <a:p>
             <a:r>
-              <a:rPr lang="en-US" sz="4800" b="1" dirty="0"/>
-              <a:t>Kelas</a:t>
-            </a:r>
+              <a:rPr lang="en-US" sz="4800" b="1" dirty="0" err="1"/>
+              <a:t>Instruktur</a:t>
+            </a:r>
+            <a:endParaRPr lang="en-US" sz="4800" b="1" dirty="0"/>
           </a:p>
         </p:txBody>
       </p:sp>
     </p:spTree>
     <p:extLst>
       <p:ext uri="{BB962C8B-B14F-4D97-AF65-F5344CB8AC3E}">
-        <p14:creationId xmlns:p14="http://schemas.microsoft.com/office/powerpoint/2010/main" val="1315025918"/>
+        <p14:creationId xmlns:p14="http://schemas.microsoft.com/office/powerpoint/2010/main" val="4213343761"/>
       </p:ext>
     </p:extLst>
   </p:cSld>
@@ -10325,11 +10328,14 @@
               </a:spcAft>
             </a:pPr>
             <a:r>
-              <a:rPr lang="en-US" sz="1600" b="1" dirty="0">
+              <a:rPr lang="en-US" sz="1600" b="1" dirty="0" err="1">
                 <a:latin typeface="Trebuchet MS" panose="020B0603020202020204" pitchFamily="34" charset="0"/>
               </a:rPr>
-              <a:t>Kelas</a:t>
-            </a:r>
+              <a:t>Instruktur</a:t>
+            </a:r>
+            <a:endParaRPr lang="en-US" sz="1600" b="1" dirty="0">
+              <a:latin typeface="Trebuchet MS" panose="020B0603020202020204" pitchFamily="34" charset="0"/>
+            </a:endParaRPr>
           </a:p>
         </p:txBody>
       </p:sp>
@@ -10702,7 +10708,7 @@
           <p:cNvPr id="3" name="Picture 2">
             <a:extLst>
               <a:ext uri="{FF2B5EF4-FFF2-40B4-BE49-F238E27FC236}">
-                <a16:creationId xmlns:a16="http://schemas.microsoft.com/office/drawing/2014/main" id="{1DD3F027-E9AE-4168-A2C0-F45357799518}"/>
+                <a16:creationId xmlns:a16="http://schemas.microsoft.com/office/drawing/2014/main" id="{7EE27497-4BC0-415D-A020-B3E60CE69111}"/>
               </a:ext>
             </a:extLst>
           </p:cNvPr>
@@ -10719,8 +10725,8 @@
         </p:blipFill>
         <p:spPr>
           <a:xfrm>
-            <a:off x="1069911" y="1126817"/>
-            <a:ext cx="2609882" cy="4604365"/>
+            <a:off x="895434" y="1048768"/>
+            <a:ext cx="2797337" cy="4969481"/>
           </a:xfrm>
           <a:prstGeom prst="rect">
             <a:avLst/>
@@ -10732,7 +10738,7 @@
           <p:cNvPr id="5" name="Picture 4">
             <a:extLst>
               <a:ext uri="{FF2B5EF4-FFF2-40B4-BE49-F238E27FC236}">
-                <a16:creationId xmlns:a16="http://schemas.microsoft.com/office/drawing/2014/main" id="{55C4A8D5-8126-47CD-A2D1-562D02767897}"/>
+                <a16:creationId xmlns:a16="http://schemas.microsoft.com/office/drawing/2014/main" id="{26E7C080-7B0D-4C26-9552-CA615E9CA18F}"/>
               </a:ext>
             </a:extLst>
           </p:cNvPr>
@@ -10749,8 +10755,8 @@
         </p:blipFill>
         <p:spPr>
           <a:xfrm>
-            <a:off x="4476215" y="1126816"/>
-            <a:ext cx="2610876" cy="4604365"/>
+            <a:off x="4396450" y="1048767"/>
+            <a:ext cx="2805352" cy="4969481"/>
           </a:xfrm>
           <a:prstGeom prst="rect">
             <a:avLst/>
@@ -10762,7 +10768,7 @@
           <p:cNvPr id="7" name="Picture 6">
             <a:extLst>
               <a:ext uri="{FF2B5EF4-FFF2-40B4-BE49-F238E27FC236}">
-                <a16:creationId xmlns:a16="http://schemas.microsoft.com/office/drawing/2014/main" id="{1FBFDA19-A115-4F31-A3B2-86F959822411}"/>
+                <a16:creationId xmlns:a16="http://schemas.microsoft.com/office/drawing/2014/main" id="{A6719413-BFD8-41A4-A192-D0C845052F4F}"/>
               </a:ext>
             </a:extLst>
           </p:cNvPr>
@@ -10779,8 +10785,8 @@
         </p:blipFill>
         <p:spPr>
           <a:xfrm>
-            <a:off x="7883513" y="1139489"/>
-            <a:ext cx="2632275" cy="4591693"/>
+            <a:off x="7905481" y="1079448"/>
+            <a:ext cx="2797337" cy="4938801"/>
           </a:xfrm>
           <a:prstGeom prst="rect">
             <a:avLst/>
@@ -10790,7 +10796,7 @@
     </p:spTree>
     <p:extLst>
       <p:ext uri="{BB962C8B-B14F-4D97-AF65-F5344CB8AC3E}">
-        <p14:creationId xmlns:p14="http://schemas.microsoft.com/office/powerpoint/2010/main" val="1721281920"/>
+        <p14:creationId xmlns:p14="http://schemas.microsoft.com/office/powerpoint/2010/main" val="2471429869"/>
       </p:ext>
     </p:extLst>
   </p:cSld>
@@ -10846,16 +10852,17 @@
           <a:lstStyle/>
           <a:p>
             <a:r>
-              <a:rPr lang="en-US" sz="4800" b="1" dirty="0"/>
-              <a:t>Detail Kelas</a:t>
-            </a:r>
+              <a:rPr lang="en-US" sz="4800" b="1" dirty="0" err="1"/>
+              <a:t>Materi</a:t>
+            </a:r>
+            <a:endParaRPr lang="en-US" sz="4800" b="1" dirty="0"/>
           </a:p>
         </p:txBody>
       </p:sp>
     </p:spTree>
     <p:extLst>
       <p:ext uri="{BB962C8B-B14F-4D97-AF65-F5344CB8AC3E}">
-        <p14:creationId xmlns:p14="http://schemas.microsoft.com/office/powerpoint/2010/main" val="1344809133"/>
+        <p14:creationId xmlns:p14="http://schemas.microsoft.com/office/powerpoint/2010/main" val="1274640186"/>
       </p:ext>
     </p:extLst>
   </p:cSld>
@@ -10890,7 +10897,7 @@
         </p:nvSpPr>
         <p:spPr>
           <a:xfrm>
-            <a:off x="563614" y="312564"/>
+            <a:off x="563614" y="339197"/>
             <a:ext cx="10436079" cy="430887"/>
           </a:xfrm>
           <a:prstGeom prst="rect">
@@ -10912,11 +10919,14 @@
               </a:spcAft>
             </a:pPr>
             <a:r>
-              <a:rPr lang="en-US" sz="1600" b="1" dirty="0">
+              <a:rPr lang="en-US" sz="1600" b="1" dirty="0" err="1">
                 <a:latin typeface="Trebuchet MS" panose="020B0603020202020204" pitchFamily="34" charset="0"/>
               </a:rPr>
-              <a:t>Detail Kelas</a:t>
-            </a:r>
+              <a:t>Materi</a:t>
+            </a:r>
+            <a:endParaRPr lang="en-US" sz="1600" b="1" dirty="0">
+              <a:latin typeface="Trebuchet MS" panose="020B0603020202020204" pitchFamily="34" charset="0"/>
+            </a:endParaRPr>
           </a:p>
         </p:txBody>
       </p:sp>
@@ -11289,7 +11299,7 @@
           <p:cNvPr id="3" name="Picture 2">
             <a:extLst>
               <a:ext uri="{FF2B5EF4-FFF2-40B4-BE49-F238E27FC236}">
-                <a16:creationId xmlns:a16="http://schemas.microsoft.com/office/drawing/2014/main" id="{40B76567-1CF2-4026-85D6-1EC357855527}"/>
+                <a16:creationId xmlns:a16="http://schemas.microsoft.com/office/drawing/2014/main" id="{C8F2C09E-6C09-4105-94AB-B0A98BEA0E78}"/>
               </a:ext>
             </a:extLst>
           </p:cNvPr>
@@ -11306,8 +11316,8 @@
         </p:blipFill>
         <p:spPr>
           <a:xfrm>
-            <a:off x="1046681" y="1290938"/>
-            <a:ext cx="2548318" cy="4515822"/>
+            <a:off x="850738" y="966486"/>
+            <a:ext cx="2788201" cy="4925027"/>
           </a:xfrm>
           <a:prstGeom prst="rect">
             <a:avLst/>
@@ -11319,7 +11329,7 @@
           <p:cNvPr id="5" name="Picture 4">
             <a:extLst>
               <a:ext uri="{FF2B5EF4-FFF2-40B4-BE49-F238E27FC236}">
-                <a16:creationId xmlns:a16="http://schemas.microsoft.com/office/drawing/2014/main" id="{C80D681D-BD7C-43F9-8AA2-BFFD62468EC0}"/>
+                <a16:creationId xmlns:a16="http://schemas.microsoft.com/office/drawing/2014/main" id="{23E92809-9576-4DE7-882B-B1CD9A0E690A}"/>
               </a:ext>
             </a:extLst>
           </p:cNvPr>
@@ -11336,8 +11346,8 @@
         </p:blipFill>
         <p:spPr>
           <a:xfrm>
-            <a:off x="4496882" y="1290938"/>
-            <a:ext cx="2578388" cy="4515822"/>
+            <a:off x="4387552" y="970424"/>
+            <a:ext cx="2788201" cy="4899042"/>
           </a:xfrm>
           <a:prstGeom prst="rect">
             <a:avLst/>
@@ -11349,7 +11359,7 @@
           <p:cNvPr id="7" name="Picture 6">
             <a:extLst>
               <a:ext uri="{FF2B5EF4-FFF2-40B4-BE49-F238E27FC236}">
-                <a16:creationId xmlns:a16="http://schemas.microsoft.com/office/drawing/2014/main" id="{6EDD692A-E079-4F8A-9845-4417EB1B8CDA}"/>
+                <a16:creationId xmlns:a16="http://schemas.microsoft.com/office/drawing/2014/main" id="{E5B21EF5-BC0B-43EC-8E13-3F76949BDC65}"/>
               </a:ext>
             </a:extLst>
           </p:cNvPr>
@@ -11366,8 +11376,8 @@
         </p:blipFill>
         <p:spPr>
           <a:xfrm>
-            <a:off x="7977154" y="1264305"/>
-            <a:ext cx="2604601" cy="4569088"/>
+            <a:off x="7938738" y="966486"/>
+            <a:ext cx="2788201" cy="4906919"/>
           </a:xfrm>
           <a:prstGeom prst="rect">
             <a:avLst/>
@@ -11377,7 +11387,7 @@
     </p:spTree>
     <p:extLst>
       <p:ext uri="{BB962C8B-B14F-4D97-AF65-F5344CB8AC3E}">
-        <p14:creationId xmlns:p14="http://schemas.microsoft.com/office/powerpoint/2010/main" val="1831109741"/>
+        <p14:creationId xmlns:p14="http://schemas.microsoft.com/office/powerpoint/2010/main" val="1004130720"/>
       </p:ext>
     </p:extLst>
   </p:cSld>
@@ -11433,16 +11443,17 @@
           <a:lstStyle/>
           <a:p>
             <a:r>
-              <a:rPr lang="en-US" sz="4800" b="1" dirty="0"/>
-              <a:t>Cari Data</a:t>
-            </a:r>
+              <a:rPr lang="en-US" sz="4800" b="1" dirty="0" err="1"/>
+              <a:t>Peserta</a:t>
+            </a:r>
+            <a:endParaRPr lang="en-US" sz="4800" b="1" dirty="0"/>
           </a:p>
         </p:txBody>
       </p:sp>
     </p:spTree>
     <p:extLst>
       <p:ext uri="{BB962C8B-B14F-4D97-AF65-F5344CB8AC3E}">
-        <p14:creationId xmlns:p14="http://schemas.microsoft.com/office/powerpoint/2010/main" val="1667859859"/>
+        <p14:creationId xmlns:p14="http://schemas.microsoft.com/office/powerpoint/2010/main" val="502033136"/>
       </p:ext>
     </p:extLst>
   </p:cSld>
@@ -11499,11 +11510,14 @@
               </a:spcAft>
             </a:pPr>
             <a:r>
-              <a:rPr lang="en-US" sz="1600" b="1" dirty="0">
+              <a:rPr lang="en-US" sz="1600" b="1" dirty="0" err="1">
                 <a:latin typeface="Trebuchet MS" panose="020B0603020202020204" pitchFamily="34" charset="0"/>
               </a:rPr>
-              <a:t>Cari Data</a:t>
-            </a:r>
+              <a:t>Peserta</a:t>
+            </a:r>
+            <a:endParaRPr lang="en-US" sz="1600" b="1" dirty="0">
+              <a:latin typeface="Trebuchet MS" panose="020B0603020202020204" pitchFamily="34" charset="0"/>
+            </a:endParaRPr>
           </a:p>
         </p:txBody>
       </p:sp>
@@ -11876,7 +11890,7 @@
           <p:cNvPr id="3" name="Picture 2">
             <a:extLst>
               <a:ext uri="{FF2B5EF4-FFF2-40B4-BE49-F238E27FC236}">
-                <a16:creationId xmlns:a16="http://schemas.microsoft.com/office/drawing/2014/main" id="{2C77C372-106A-4D9B-B48A-37598CD88CA9}"/>
+                <a16:creationId xmlns:a16="http://schemas.microsoft.com/office/drawing/2014/main" id="{0485D992-9362-4B90-AB89-0B7AC63E27FF}"/>
               </a:ext>
             </a:extLst>
           </p:cNvPr>
@@ -11893,8 +11907,8 @@
         </p:blipFill>
         <p:spPr>
           <a:xfrm>
-            <a:off x="1192308" y="1229702"/>
-            <a:ext cx="2630115" cy="4638294"/>
+            <a:off x="967079" y="1150979"/>
+            <a:ext cx="2729408" cy="4795740"/>
           </a:xfrm>
           <a:prstGeom prst="rect">
             <a:avLst/>
@@ -11906,7 +11920,7 @@
           <p:cNvPr id="5" name="Picture 4">
             <a:extLst>
               <a:ext uri="{FF2B5EF4-FFF2-40B4-BE49-F238E27FC236}">
-                <a16:creationId xmlns:a16="http://schemas.microsoft.com/office/drawing/2014/main" id="{4589F89F-149D-40C9-AF2D-47B12600E47F}"/>
+                <a16:creationId xmlns:a16="http://schemas.microsoft.com/office/drawing/2014/main" id="{963BA03D-0607-44D5-B4D6-FE01791A4CC3}"/>
               </a:ext>
             </a:extLst>
           </p:cNvPr>
@@ -11923,8 +11937,8 @@
         </p:blipFill>
         <p:spPr>
           <a:xfrm>
-            <a:off x="4399330" y="1225955"/>
-            <a:ext cx="2630115" cy="4638294"/>
+            <a:off x="4416949" y="1150979"/>
+            <a:ext cx="2729408" cy="4828953"/>
           </a:xfrm>
           <a:prstGeom prst="rect">
             <a:avLst/>
@@ -11936,7 +11950,7 @@
           <p:cNvPr id="7" name="Picture 6">
             <a:extLst>
               <a:ext uri="{FF2B5EF4-FFF2-40B4-BE49-F238E27FC236}">
-                <a16:creationId xmlns:a16="http://schemas.microsoft.com/office/drawing/2014/main" id="{F1E297AA-13A1-4C36-A254-0D818D0E9334}"/>
+                <a16:creationId xmlns:a16="http://schemas.microsoft.com/office/drawing/2014/main" id="{2F996D23-0405-4977-B911-22FC29B453F5}"/>
               </a:ext>
             </a:extLst>
           </p:cNvPr>
@@ -11953,8 +11967,8 @@
         </p:blipFill>
         <p:spPr>
           <a:xfrm>
-            <a:off x="7650616" y="1233448"/>
-            <a:ext cx="2637608" cy="4630801"/>
+            <a:off x="7864169" y="1137355"/>
+            <a:ext cx="2729408" cy="4822987"/>
           </a:xfrm>
           <a:prstGeom prst="rect">
             <a:avLst/>
@@ -11964,7 +11978,7 @@
     </p:spTree>
     <p:extLst>
       <p:ext uri="{BB962C8B-B14F-4D97-AF65-F5344CB8AC3E}">
-        <p14:creationId xmlns:p14="http://schemas.microsoft.com/office/powerpoint/2010/main" val="1375907440"/>
+        <p14:creationId xmlns:p14="http://schemas.microsoft.com/office/powerpoint/2010/main" val="1370146067"/>
       </p:ext>
     </p:extLst>
   </p:cSld>
@@ -12021,20 +12035,15 @@
           <a:p>
             <a:r>
               <a:rPr lang="en-US" sz="4800" b="1" dirty="0"/>
-              <a:t>Demo </a:t>
-            </a:r>
-            <a:r>
-              <a:rPr lang="en-US" sz="4800" b="1" dirty="0" err="1"/>
-              <a:t>Aplikasi</a:t>
-            </a:r>
-            <a:endParaRPr lang="en-US" sz="4800" b="1" dirty="0"/>
+              <a:t>Kelas</a:t>
+            </a:r>
           </a:p>
         </p:txBody>
       </p:sp>
     </p:spTree>
     <p:extLst>
       <p:ext uri="{BB962C8B-B14F-4D97-AF65-F5344CB8AC3E}">
-        <p14:creationId xmlns:p14="http://schemas.microsoft.com/office/powerpoint/2010/main" val="567727359"/>
+        <p14:creationId xmlns:p14="http://schemas.microsoft.com/office/powerpoint/2010/main" val="1315025918"/>
       </p:ext>
     </p:extLst>
   </p:cSld>
@@ -12063,214 +12072,500 @@
       </p:grpSpPr>
       <p:sp>
         <p:nvSpPr>
-          <p:cNvPr id="4" name="Text Placeholder 1">
-            <a:extLst>
-              <a:ext uri="{FF2B5EF4-FFF2-40B4-BE49-F238E27FC236}">
-                <a16:creationId xmlns:a16="http://schemas.microsoft.com/office/drawing/2014/main" id="{1D3F3A73-81D0-469F-A600-2B191AED6FF2}"/>
-              </a:ext>
-            </a:extLst>
-          </p:cNvPr>
-          <p:cNvSpPr txBox="1">
-            <a:spLocks/>
-          </p:cNvSpPr>
+          <p:cNvPr id="9" name="TextBox 8"/>
+          <p:cNvSpPr txBox="1"/>
           <p:nvPr/>
         </p:nvSpPr>
         <p:spPr>
           <a:xfrm>
-            <a:off x="3885811" y="2503438"/>
-            <a:ext cx="6135688" cy="1389063"/>
+            <a:off x="563614" y="312564"/>
+            <a:ext cx="10436079" cy="430887"/>
           </a:xfrm>
           <a:prstGeom prst="rect">
             <a:avLst/>
           </a:prstGeom>
-        </p:spPr>
-        <p:txBody>
-          <a:bodyPr>
-            <a:normAutofit/>
+          <a:solidFill>
+            <a:srgbClr val="FFC000"/>
+          </a:solidFill>
+        </p:spPr>
+        <p:txBody>
+          <a:bodyPr wrap="square" tIns="91440" bIns="91440" rtlCol="0">
+            <a:spAutoFit/>
           </a:bodyPr>
-          <a:lstStyle>
-            <a:lvl1pPr marL="228600" indent="-228600" algn="l" defTabSz="914400" rtl="0" eaLnBrk="1" latinLnBrk="0" hangingPunct="1">
-              <a:lnSpc>
-                <a:spcPct val="90000"/>
-              </a:lnSpc>
-              <a:spcBef>
-                <a:spcPts val="1000"/>
-              </a:spcBef>
-              <a:buFont typeface="Arial" panose="020B0604020202020204" pitchFamily="34" charset="0"/>
-              <a:buChar char="•"/>
-              <a:defRPr sz="2800" kern="1200">
-                <a:solidFill>
-                  <a:schemeClr val="tx1"/>
-                </a:solidFill>
-                <a:latin typeface="+mn-lt"/>
-                <a:ea typeface="+mn-ea"/>
-                <a:cs typeface="+mn-cs"/>
-              </a:defRPr>
-            </a:lvl1pPr>
-            <a:lvl2pPr marL="685800" indent="-228600" algn="l" defTabSz="914400" rtl="0" eaLnBrk="1" latinLnBrk="0" hangingPunct="1">
-              <a:lnSpc>
-                <a:spcPct val="90000"/>
-              </a:lnSpc>
-              <a:spcBef>
-                <a:spcPts val="500"/>
-              </a:spcBef>
-              <a:buFont typeface="Arial" panose="020B0604020202020204" pitchFamily="34" charset="0"/>
-              <a:buChar char="•"/>
-              <a:defRPr sz="2800" kern="1200">
-                <a:solidFill>
-                  <a:schemeClr val="tx1"/>
-                </a:solidFill>
-                <a:latin typeface="+mn-lt"/>
-                <a:ea typeface="+mn-ea"/>
-                <a:cs typeface="+mn-cs"/>
-              </a:defRPr>
-            </a:lvl2pPr>
-            <a:lvl3pPr marL="1143000" indent="-228600" algn="l" defTabSz="914400" rtl="0" eaLnBrk="1" latinLnBrk="0" hangingPunct="1">
-              <a:lnSpc>
-                <a:spcPct val="90000"/>
-              </a:lnSpc>
-              <a:spcBef>
-                <a:spcPts val="500"/>
-              </a:spcBef>
-              <a:buFont typeface="Arial" panose="020B0604020202020204" pitchFamily="34" charset="0"/>
-              <a:buChar char="•"/>
-              <a:defRPr sz="2800" kern="1200">
-                <a:solidFill>
-                  <a:schemeClr val="tx1"/>
-                </a:solidFill>
-                <a:latin typeface="+mn-lt"/>
-                <a:ea typeface="+mn-ea"/>
-                <a:cs typeface="+mn-cs"/>
-              </a:defRPr>
-            </a:lvl3pPr>
-            <a:lvl4pPr marL="1600200" indent="-228600" algn="l" defTabSz="914400" rtl="0" eaLnBrk="1" latinLnBrk="0" hangingPunct="1">
-              <a:lnSpc>
-                <a:spcPct val="90000"/>
-              </a:lnSpc>
-              <a:spcBef>
-                <a:spcPts val="500"/>
-              </a:spcBef>
-              <a:buFont typeface="Arial" panose="020B0604020202020204" pitchFamily="34" charset="0"/>
-              <a:buChar char="•"/>
-              <a:defRPr sz="2800" kern="1200">
-                <a:solidFill>
-                  <a:schemeClr val="tx1"/>
-                </a:solidFill>
-                <a:latin typeface="+mn-lt"/>
-                <a:ea typeface="+mn-ea"/>
-                <a:cs typeface="+mn-cs"/>
-              </a:defRPr>
-            </a:lvl4pPr>
-            <a:lvl5pPr marL="2057400" indent="-228600" algn="l" defTabSz="914400" rtl="0" eaLnBrk="1" latinLnBrk="0" hangingPunct="1">
-              <a:lnSpc>
-                <a:spcPct val="90000"/>
-              </a:lnSpc>
-              <a:spcBef>
-                <a:spcPts val="500"/>
-              </a:spcBef>
-              <a:buFont typeface="Arial" panose="020B0604020202020204" pitchFamily="34" charset="0"/>
-              <a:buChar char="•"/>
-              <a:defRPr sz="2800" kern="1200">
-                <a:solidFill>
-                  <a:schemeClr val="tx1"/>
-                </a:solidFill>
-                <a:latin typeface="+mn-lt"/>
-                <a:ea typeface="+mn-ea"/>
-                <a:cs typeface="+mn-cs"/>
-              </a:defRPr>
-            </a:lvl5pPr>
-            <a:lvl6pPr marL="2514600" indent="-228600" algn="l" defTabSz="914400" rtl="0" eaLnBrk="1" latinLnBrk="0" hangingPunct="1">
-              <a:lnSpc>
-                <a:spcPct val="90000"/>
-              </a:lnSpc>
-              <a:spcBef>
-                <a:spcPts val="500"/>
-              </a:spcBef>
-              <a:buFont typeface="Arial" panose="020B0604020202020204" pitchFamily="34" charset="0"/>
-              <a:buChar char="•"/>
-              <a:defRPr sz="1800" kern="1200">
-                <a:solidFill>
-                  <a:schemeClr val="tx1"/>
-                </a:solidFill>
-                <a:latin typeface="+mn-lt"/>
-                <a:ea typeface="+mn-ea"/>
-                <a:cs typeface="+mn-cs"/>
-              </a:defRPr>
-            </a:lvl6pPr>
-            <a:lvl7pPr marL="2971800" indent="-228600" algn="l" defTabSz="914400" rtl="0" eaLnBrk="1" latinLnBrk="0" hangingPunct="1">
-              <a:lnSpc>
-                <a:spcPct val="90000"/>
-              </a:lnSpc>
-              <a:spcBef>
-                <a:spcPts val="500"/>
-              </a:spcBef>
-              <a:buFont typeface="Arial" panose="020B0604020202020204" pitchFamily="34" charset="0"/>
-              <a:buChar char="•"/>
-              <a:defRPr sz="1800" kern="1200">
-                <a:solidFill>
-                  <a:schemeClr val="tx1"/>
-                </a:solidFill>
-                <a:latin typeface="+mn-lt"/>
-                <a:ea typeface="+mn-ea"/>
-                <a:cs typeface="+mn-cs"/>
-              </a:defRPr>
-            </a:lvl7pPr>
-            <a:lvl8pPr marL="3429000" indent="-228600" algn="l" defTabSz="914400" rtl="0" eaLnBrk="1" latinLnBrk="0" hangingPunct="1">
-              <a:lnSpc>
-                <a:spcPct val="90000"/>
-              </a:lnSpc>
-              <a:spcBef>
-                <a:spcPts val="500"/>
-              </a:spcBef>
-              <a:buFont typeface="Arial" panose="020B0604020202020204" pitchFamily="34" charset="0"/>
-              <a:buChar char="•"/>
-              <a:defRPr sz="1800" kern="1200">
-                <a:solidFill>
-                  <a:schemeClr val="tx1"/>
-                </a:solidFill>
-                <a:latin typeface="+mn-lt"/>
-                <a:ea typeface="+mn-ea"/>
-                <a:cs typeface="+mn-cs"/>
-              </a:defRPr>
-            </a:lvl8pPr>
-            <a:lvl9pPr marL="3886200" indent="-228600" algn="l" defTabSz="914400" rtl="0" eaLnBrk="1" latinLnBrk="0" hangingPunct="1">
-              <a:lnSpc>
-                <a:spcPct val="90000"/>
-              </a:lnSpc>
-              <a:spcBef>
-                <a:spcPts val="500"/>
-              </a:spcBef>
-              <a:buFont typeface="Arial" panose="020B0604020202020204" pitchFamily="34" charset="0"/>
-              <a:buChar char="•"/>
-              <a:defRPr sz="1800" kern="1200">
-                <a:solidFill>
-                  <a:schemeClr val="tx1"/>
-                </a:solidFill>
-                <a:latin typeface="+mn-lt"/>
-                <a:ea typeface="+mn-ea"/>
-                <a:cs typeface="+mn-cs"/>
-              </a:defRPr>
-            </a:lvl9pPr>
-          </a:lstStyle>
-          <a:p>
-            <a:pPr marL="0" indent="0">
-              <a:buNone/>
+          <a:lstStyle/>
+          <a:p>
+            <a:pPr algn="just">
+              <a:spcAft>
+                <a:spcPts val="600"/>
+              </a:spcAft>
             </a:pPr>
             <a:r>
-              <a:rPr lang="en-US" sz="4800" b="1" dirty="0" err="1"/>
-              <a:t>Terima</a:t>
-            </a:r>
-            <a:r>
-              <a:rPr lang="en-US" sz="4800" b="1" dirty="0"/>
-              <a:t> Kasih</a:t>
-            </a:r>
-          </a:p>
-        </p:txBody>
-      </p:sp>
+              <a:rPr lang="en-US" sz="1600" b="1" dirty="0">
+                <a:latin typeface="Trebuchet MS" panose="020B0603020202020204" pitchFamily="34" charset="0"/>
+              </a:rPr>
+              <a:t>Kelas</a:t>
+            </a:r>
+          </a:p>
+        </p:txBody>
+      </p:sp>
+      <p:sp>
+        <p:nvSpPr>
+          <p:cNvPr id="11" name="TextBox 10"/>
+          <p:cNvSpPr txBox="1"/>
+          <p:nvPr/>
+        </p:nvSpPr>
+        <p:spPr>
+          <a:xfrm>
+            <a:off x="563614" y="796717"/>
+            <a:ext cx="10436078" cy="5504264"/>
+          </a:xfrm>
+          <a:prstGeom prst="rect">
+            <a:avLst/>
+          </a:prstGeom>
+          <a:noFill/>
+          <a:ln w="19050">
+            <a:solidFill>
+              <a:srgbClr val="FFC000"/>
+            </a:solidFill>
+          </a:ln>
+        </p:spPr>
+        <p:txBody>
+          <a:bodyPr wrap="square">
+            <a:spAutoFit/>
+          </a:bodyPr>
+          <a:lstStyle/>
+          <a:p>
+            <a:pPr algn="just">
+              <a:lnSpc>
+                <a:spcPct val="120000"/>
+              </a:lnSpc>
+              <a:spcBef>
+                <a:spcPts val="0"/>
+              </a:spcBef>
+              <a:spcAft>
+                <a:spcPts val="0"/>
+              </a:spcAft>
+            </a:pPr>
+            <a:endParaRPr lang="sv-SE" sz="1400" dirty="0">
+              <a:latin typeface="Calibri" pitchFamily="34" charset="0"/>
+            </a:endParaRPr>
+          </a:p>
+          <a:p>
+            <a:pPr algn="just">
+              <a:lnSpc>
+                <a:spcPct val="120000"/>
+              </a:lnSpc>
+              <a:spcBef>
+                <a:spcPts val="0"/>
+              </a:spcBef>
+              <a:spcAft>
+                <a:spcPts val="0"/>
+              </a:spcAft>
+            </a:pPr>
+            <a:endParaRPr lang="sv-SE" sz="1400" dirty="0">
+              <a:latin typeface="Calibri" pitchFamily="34" charset="0"/>
+            </a:endParaRPr>
+          </a:p>
+          <a:p>
+            <a:pPr algn="just">
+              <a:lnSpc>
+                <a:spcPct val="120000"/>
+              </a:lnSpc>
+              <a:spcBef>
+                <a:spcPts val="0"/>
+              </a:spcBef>
+              <a:spcAft>
+                <a:spcPts val="0"/>
+              </a:spcAft>
+            </a:pPr>
+            <a:endParaRPr lang="sv-SE" sz="1400" dirty="0">
+              <a:latin typeface="Calibri" pitchFamily="34" charset="0"/>
+            </a:endParaRPr>
+          </a:p>
+          <a:p>
+            <a:pPr algn="just">
+              <a:lnSpc>
+                <a:spcPct val="120000"/>
+              </a:lnSpc>
+              <a:spcBef>
+                <a:spcPts val="0"/>
+              </a:spcBef>
+              <a:spcAft>
+                <a:spcPts val="0"/>
+              </a:spcAft>
+            </a:pPr>
+            <a:endParaRPr lang="sv-SE" sz="1400" dirty="0">
+              <a:latin typeface="Calibri" pitchFamily="34" charset="0"/>
+            </a:endParaRPr>
+          </a:p>
+          <a:p>
+            <a:pPr algn="just">
+              <a:lnSpc>
+                <a:spcPct val="120000"/>
+              </a:lnSpc>
+              <a:spcBef>
+                <a:spcPts val="0"/>
+              </a:spcBef>
+              <a:spcAft>
+                <a:spcPts val="0"/>
+              </a:spcAft>
+            </a:pPr>
+            <a:endParaRPr lang="sv-SE" sz="1400" dirty="0">
+              <a:latin typeface="Calibri" pitchFamily="34" charset="0"/>
+            </a:endParaRPr>
+          </a:p>
+          <a:p>
+            <a:pPr algn="just">
+              <a:lnSpc>
+                <a:spcPct val="120000"/>
+              </a:lnSpc>
+              <a:spcBef>
+                <a:spcPts val="0"/>
+              </a:spcBef>
+              <a:spcAft>
+                <a:spcPts val="0"/>
+              </a:spcAft>
+            </a:pPr>
+            <a:endParaRPr lang="sv-SE" sz="1400" dirty="0">
+              <a:latin typeface="Calibri" pitchFamily="34" charset="0"/>
+            </a:endParaRPr>
+          </a:p>
+          <a:p>
+            <a:pPr algn="just">
+              <a:lnSpc>
+                <a:spcPct val="120000"/>
+              </a:lnSpc>
+              <a:spcBef>
+                <a:spcPts val="0"/>
+              </a:spcBef>
+              <a:spcAft>
+                <a:spcPts val="0"/>
+              </a:spcAft>
+            </a:pPr>
+            <a:endParaRPr lang="sv-SE" sz="1400" dirty="0">
+              <a:latin typeface="Calibri" pitchFamily="34" charset="0"/>
+            </a:endParaRPr>
+          </a:p>
+          <a:p>
+            <a:pPr algn="just">
+              <a:lnSpc>
+                <a:spcPct val="120000"/>
+              </a:lnSpc>
+              <a:spcBef>
+                <a:spcPts val="0"/>
+              </a:spcBef>
+              <a:spcAft>
+                <a:spcPts val="0"/>
+              </a:spcAft>
+            </a:pPr>
+            <a:endParaRPr lang="sv-SE" sz="1400" dirty="0">
+              <a:latin typeface="Calibri" pitchFamily="34" charset="0"/>
+            </a:endParaRPr>
+          </a:p>
+          <a:p>
+            <a:pPr algn="just">
+              <a:lnSpc>
+                <a:spcPct val="120000"/>
+              </a:lnSpc>
+              <a:spcBef>
+                <a:spcPts val="0"/>
+              </a:spcBef>
+              <a:spcAft>
+                <a:spcPts val="0"/>
+              </a:spcAft>
+            </a:pPr>
+            <a:endParaRPr lang="sv-SE" sz="1400" dirty="0">
+              <a:latin typeface="Calibri" pitchFamily="34" charset="0"/>
+            </a:endParaRPr>
+          </a:p>
+          <a:p>
+            <a:pPr algn="just">
+              <a:lnSpc>
+                <a:spcPct val="120000"/>
+              </a:lnSpc>
+              <a:spcBef>
+                <a:spcPts val="0"/>
+              </a:spcBef>
+              <a:spcAft>
+                <a:spcPts val="0"/>
+              </a:spcAft>
+            </a:pPr>
+            <a:endParaRPr lang="sv-SE" sz="1400" dirty="0">
+              <a:latin typeface="Calibri" pitchFamily="34" charset="0"/>
+            </a:endParaRPr>
+          </a:p>
+          <a:p>
+            <a:pPr algn="just">
+              <a:lnSpc>
+                <a:spcPct val="120000"/>
+              </a:lnSpc>
+              <a:spcBef>
+                <a:spcPts val="0"/>
+              </a:spcBef>
+              <a:spcAft>
+                <a:spcPts val="0"/>
+              </a:spcAft>
+            </a:pPr>
+            <a:endParaRPr lang="sv-SE" sz="1400" dirty="0">
+              <a:latin typeface="Calibri" pitchFamily="34" charset="0"/>
+            </a:endParaRPr>
+          </a:p>
+          <a:p>
+            <a:pPr algn="just">
+              <a:lnSpc>
+                <a:spcPct val="120000"/>
+              </a:lnSpc>
+              <a:spcBef>
+                <a:spcPts val="0"/>
+              </a:spcBef>
+              <a:spcAft>
+                <a:spcPts val="0"/>
+              </a:spcAft>
+            </a:pPr>
+            <a:endParaRPr lang="sv-SE" sz="1400" dirty="0">
+              <a:latin typeface="Calibri" pitchFamily="34" charset="0"/>
+            </a:endParaRPr>
+          </a:p>
+          <a:p>
+            <a:pPr algn="just">
+              <a:lnSpc>
+                <a:spcPct val="120000"/>
+              </a:lnSpc>
+              <a:spcBef>
+                <a:spcPts val="0"/>
+              </a:spcBef>
+              <a:spcAft>
+                <a:spcPts val="0"/>
+              </a:spcAft>
+            </a:pPr>
+            <a:endParaRPr lang="sv-SE" sz="1400" dirty="0">
+              <a:latin typeface="Calibri" pitchFamily="34" charset="0"/>
+            </a:endParaRPr>
+          </a:p>
+          <a:p>
+            <a:pPr algn="just">
+              <a:lnSpc>
+                <a:spcPct val="120000"/>
+              </a:lnSpc>
+              <a:spcBef>
+                <a:spcPts val="0"/>
+              </a:spcBef>
+              <a:spcAft>
+                <a:spcPts val="0"/>
+              </a:spcAft>
+            </a:pPr>
+            <a:endParaRPr lang="sv-SE" sz="1400" dirty="0">
+              <a:latin typeface="Calibri" pitchFamily="34" charset="0"/>
+            </a:endParaRPr>
+          </a:p>
+          <a:p>
+            <a:pPr algn="just">
+              <a:lnSpc>
+                <a:spcPct val="120000"/>
+              </a:lnSpc>
+              <a:spcBef>
+                <a:spcPts val="0"/>
+              </a:spcBef>
+              <a:spcAft>
+                <a:spcPts val="0"/>
+              </a:spcAft>
+            </a:pPr>
+            <a:endParaRPr lang="sv-SE" sz="1400" dirty="0">
+              <a:latin typeface="Calibri" pitchFamily="34" charset="0"/>
+            </a:endParaRPr>
+          </a:p>
+          <a:p>
+            <a:pPr algn="just">
+              <a:lnSpc>
+                <a:spcPct val="120000"/>
+              </a:lnSpc>
+              <a:spcBef>
+                <a:spcPts val="0"/>
+              </a:spcBef>
+              <a:spcAft>
+                <a:spcPts val="0"/>
+              </a:spcAft>
+            </a:pPr>
+            <a:endParaRPr lang="sv-SE" sz="1400" dirty="0">
+              <a:latin typeface="Calibri" pitchFamily="34" charset="0"/>
+            </a:endParaRPr>
+          </a:p>
+          <a:p>
+            <a:pPr algn="just">
+              <a:lnSpc>
+                <a:spcPct val="120000"/>
+              </a:lnSpc>
+              <a:spcBef>
+                <a:spcPts val="0"/>
+              </a:spcBef>
+              <a:spcAft>
+                <a:spcPts val="0"/>
+              </a:spcAft>
+            </a:pPr>
+            <a:endParaRPr lang="sv-SE" sz="1400" dirty="0">
+              <a:latin typeface="Calibri" pitchFamily="34" charset="0"/>
+            </a:endParaRPr>
+          </a:p>
+          <a:p>
+            <a:pPr algn="just">
+              <a:lnSpc>
+                <a:spcPct val="120000"/>
+              </a:lnSpc>
+              <a:spcBef>
+                <a:spcPts val="0"/>
+              </a:spcBef>
+              <a:spcAft>
+                <a:spcPts val="0"/>
+              </a:spcAft>
+            </a:pPr>
+            <a:endParaRPr lang="sv-SE" sz="1400" dirty="0">
+              <a:latin typeface="Calibri" pitchFamily="34" charset="0"/>
+            </a:endParaRPr>
+          </a:p>
+          <a:p>
+            <a:pPr algn="just">
+              <a:lnSpc>
+                <a:spcPct val="120000"/>
+              </a:lnSpc>
+              <a:spcBef>
+                <a:spcPts val="0"/>
+              </a:spcBef>
+              <a:spcAft>
+                <a:spcPts val="0"/>
+              </a:spcAft>
+            </a:pPr>
+            <a:endParaRPr lang="sv-SE" sz="1400" dirty="0">
+              <a:latin typeface="Calibri" pitchFamily="34" charset="0"/>
+            </a:endParaRPr>
+          </a:p>
+          <a:p>
+            <a:pPr algn="just">
+              <a:lnSpc>
+                <a:spcPct val="120000"/>
+              </a:lnSpc>
+              <a:spcBef>
+                <a:spcPts val="0"/>
+              </a:spcBef>
+              <a:spcAft>
+                <a:spcPts val="0"/>
+              </a:spcAft>
+            </a:pPr>
+            <a:endParaRPr lang="sv-SE" sz="1400" dirty="0">
+              <a:latin typeface="Calibri" pitchFamily="34" charset="0"/>
+            </a:endParaRPr>
+          </a:p>
+          <a:p>
+            <a:pPr algn="just">
+              <a:lnSpc>
+                <a:spcPct val="120000"/>
+              </a:lnSpc>
+              <a:spcBef>
+                <a:spcPts val="0"/>
+              </a:spcBef>
+              <a:spcAft>
+                <a:spcPts val="0"/>
+              </a:spcAft>
+            </a:pPr>
+            <a:endParaRPr lang="sv-SE" sz="1400" dirty="0">
+              <a:latin typeface="Calibri" pitchFamily="34" charset="0"/>
+            </a:endParaRPr>
+          </a:p>
+        </p:txBody>
+      </p:sp>
+      <p:pic>
+        <p:nvPicPr>
+          <p:cNvPr id="3" name="Picture 2">
+            <a:extLst>
+              <a:ext uri="{FF2B5EF4-FFF2-40B4-BE49-F238E27FC236}">
+                <a16:creationId xmlns:a16="http://schemas.microsoft.com/office/drawing/2014/main" id="{1DD3F027-E9AE-4168-A2C0-F45357799518}"/>
+              </a:ext>
+            </a:extLst>
+          </p:cNvPr>
+          <p:cNvPicPr>
+            <a:picLocks noChangeAspect="1"/>
+          </p:cNvPicPr>
+          <p:nvPr/>
+        </p:nvPicPr>
+        <p:blipFill>
+          <a:blip r:embed="rId2"/>
+          <a:stretch>
+            <a:fillRect/>
+          </a:stretch>
+        </p:blipFill>
+        <p:spPr>
+          <a:xfrm>
+            <a:off x="1069911" y="1126817"/>
+            <a:ext cx="2609882" cy="4604365"/>
+          </a:xfrm>
+          <a:prstGeom prst="rect">
+            <a:avLst/>
+          </a:prstGeom>
+        </p:spPr>
+      </p:pic>
+      <p:pic>
+        <p:nvPicPr>
+          <p:cNvPr id="5" name="Picture 4">
+            <a:extLst>
+              <a:ext uri="{FF2B5EF4-FFF2-40B4-BE49-F238E27FC236}">
+                <a16:creationId xmlns:a16="http://schemas.microsoft.com/office/drawing/2014/main" id="{55C4A8D5-8126-47CD-A2D1-562D02767897}"/>
+              </a:ext>
+            </a:extLst>
+          </p:cNvPr>
+          <p:cNvPicPr>
+            <a:picLocks noChangeAspect="1"/>
+          </p:cNvPicPr>
+          <p:nvPr/>
+        </p:nvPicPr>
+        <p:blipFill>
+          <a:blip r:embed="rId3"/>
+          <a:stretch>
+            <a:fillRect/>
+          </a:stretch>
+        </p:blipFill>
+        <p:spPr>
+          <a:xfrm>
+            <a:off x="4476215" y="1126816"/>
+            <a:ext cx="2610876" cy="4604365"/>
+          </a:xfrm>
+          <a:prstGeom prst="rect">
+            <a:avLst/>
+          </a:prstGeom>
+        </p:spPr>
+      </p:pic>
+      <p:pic>
+        <p:nvPicPr>
+          <p:cNvPr id="7" name="Picture 6">
+            <a:extLst>
+              <a:ext uri="{FF2B5EF4-FFF2-40B4-BE49-F238E27FC236}">
+                <a16:creationId xmlns:a16="http://schemas.microsoft.com/office/drawing/2014/main" id="{1FBFDA19-A115-4F31-A3B2-86F959822411}"/>
+              </a:ext>
+            </a:extLst>
+          </p:cNvPr>
+          <p:cNvPicPr>
+            <a:picLocks noChangeAspect="1"/>
+          </p:cNvPicPr>
+          <p:nvPr/>
+        </p:nvPicPr>
+        <p:blipFill>
+          <a:blip r:embed="rId4"/>
+          <a:stretch>
+            <a:fillRect/>
+          </a:stretch>
+        </p:blipFill>
+        <p:spPr>
+          <a:xfrm>
+            <a:off x="7883513" y="1139489"/>
+            <a:ext cx="2632275" cy="4591693"/>
+          </a:xfrm>
+          <a:prstGeom prst="rect">
+            <a:avLst/>
+          </a:prstGeom>
+        </p:spPr>
+      </p:pic>
     </p:spTree>
     <p:extLst>
       <p:ext uri="{BB962C8B-B14F-4D97-AF65-F5344CB8AC3E}">
-        <p14:creationId xmlns:p14="http://schemas.microsoft.com/office/powerpoint/2010/main" val="3586234836"/>
+        <p14:creationId xmlns:p14="http://schemas.microsoft.com/office/powerpoint/2010/main" val="1721281920"/>
       </p:ext>
     </p:extLst>
   </p:cSld>
@@ -12336,6 +12631,1486 @@
     <p:extLst>
       <p:ext uri="{BB962C8B-B14F-4D97-AF65-F5344CB8AC3E}">
         <p14:creationId xmlns:p14="http://schemas.microsoft.com/office/powerpoint/2010/main" val="3708385493"/>
+      </p:ext>
+    </p:extLst>
+  </p:cSld>
+  <p:clrMapOvr>
+    <a:masterClrMapping/>
+  </p:clrMapOvr>
+</p:sld>
+</file>
+
+<file path=ppt/slides/slide20.xml><?xml version="1.0" encoding="utf-8"?>
+<p:sld xmlns:a="http://schemas.openxmlformats.org/drawingml/2006/main" xmlns:r="http://schemas.openxmlformats.org/officeDocument/2006/relationships" xmlns:p="http://schemas.openxmlformats.org/presentationml/2006/main">
+  <p:cSld>
+    <p:spTree>
+      <p:nvGrpSpPr>
+        <p:cNvPr id="1" name=""/>
+        <p:cNvGrpSpPr/>
+        <p:nvPr/>
+      </p:nvGrpSpPr>
+      <p:grpSpPr>
+        <a:xfrm>
+          <a:off x="0" y="0"/>
+          <a:ext cx="0" cy="0"/>
+          <a:chOff x="0" y="0"/>
+          <a:chExt cx="0" cy="0"/>
+        </a:xfrm>
+      </p:grpSpPr>
+      <p:sp>
+        <p:nvSpPr>
+          <p:cNvPr id="2" name="Text Placeholder 1">
+            <a:extLst>
+              <a:ext uri="{FF2B5EF4-FFF2-40B4-BE49-F238E27FC236}">
+                <a16:creationId xmlns:a16="http://schemas.microsoft.com/office/drawing/2014/main" id="{A87E29FF-8BBE-4440-B2F3-AD0FB0AAA249}"/>
+              </a:ext>
+            </a:extLst>
+          </p:cNvPr>
+          <p:cNvSpPr>
+            <a:spLocks noGrp="1"/>
+          </p:cNvSpPr>
+          <p:nvPr>
+            <p:ph type="body" sz="quarter" idx="13"/>
+          </p:nvPr>
+        </p:nvSpPr>
+        <p:spPr>
+          <a:xfrm>
+            <a:off x="4781550" y="3072606"/>
+            <a:ext cx="6135688" cy="1389063"/>
+          </a:xfrm>
+        </p:spPr>
+        <p:txBody>
+          <a:bodyPr>
+            <a:normAutofit/>
+          </a:bodyPr>
+          <a:lstStyle/>
+          <a:p>
+            <a:r>
+              <a:rPr lang="en-US" sz="4800" b="1" dirty="0"/>
+              <a:t>Detail Kelas</a:t>
+            </a:r>
+          </a:p>
+        </p:txBody>
+      </p:sp>
+    </p:spTree>
+    <p:extLst>
+      <p:ext uri="{BB962C8B-B14F-4D97-AF65-F5344CB8AC3E}">
+        <p14:creationId xmlns:p14="http://schemas.microsoft.com/office/powerpoint/2010/main" val="1344809133"/>
+      </p:ext>
+    </p:extLst>
+  </p:cSld>
+  <p:clrMapOvr>
+    <a:masterClrMapping/>
+  </p:clrMapOvr>
+</p:sld>
+</file>
+
+<file path=ppt/slides/slide21.xml><?xml version="1.0" encoding="utf-8"?>
+<p:sld xmlns:a="http://schemas.openxmlformats.org/drawingml/2006/main" xmlns:r="http://schemas.openxmlformats.org/officeDocument/2006/relationships" xmlns:p="http://schemas.openxmlformats.org/presentationml/2006/main">
+  <p:cSld>
+    <p:spTree>
+      <p:nvGrpSpPr>
+        <p:cNvPr id="1" name=""/>
+        <p:cNvGrpSpPr/>
+        <p:nvPr/>
+      </p:nvGrpSpPr>
+      <p:grpSpPr>
+        <a:xfrm>
+          <a:off x="0" y="0"/>
+          <a:ext cx="0" cy="0"/>
+          <a:chOff x="0" y="0"/>
+          <a:chExt cx="0" cy="0"/>
+        </a:xfrm>
+      </p:grpSpPr>
+      <p:sp>
+        <p:nvSpPr>
+          <p:cNvPr id="9" name="TextBox 8"/>
+          <p:cNvSpPr txBox="1"/>
+          <p:nvPr/>
+        </p:nvSpPr>
+        <p:spPr>
+          <a:xfrm>
+            <a:off x="563614" y="312564"/>
+            <a:ext cx="10436079" cy="430887"/>
+          </a:xfrm>
+          <a:prstGeom prst="rect">
+            <a:avLst/>
+          </a:prstGeom>
+          <a:solidFill>
+            <a:srgbClr val="FFC000"/>
+          </a:solidFill>
+        </p:spPr>
+        <p:txBody>
+          <a:bodyPr wrap="square" tIns="91440" bIns="91440" rtlCol="0">
+            <a:spAutoFit/>
+          </a:bodyPr>
+          <a:lstStyle/>
+          <a:p>
+            <a:pPr algn="just">
+              <a:spcAft>
+                <a:spcPts val="600"/>
+              </a:spcAft>
+            </a:pPr>
+            <a:r>
+              <a:rPr lang="en-US" sz="1600" b="1" dirty="0">
+                <a:latin typeface="Trebuchet MS" panose="020B0603020202020204" pitchFamily="34" charset="0"/>
+              </a:rPr>
+              <a:t>Detail Kelas</a:t>
+            </a:r>
+          </a:p>
+        </p:txBody>
+      </p:sp>
+      <p:sp>
+        <p:nvSpPr>
+          <p:cNvPr id="11" name="TextBox 10"/>
+          <p:cNvSpPr txBox="1"/>
+          <p:nvPr/>
+        </p:nvSpPr>
+        <p:spPr>
+          <a:xfrm>
+            <a:off x="563614" y="796717"/>
+            <a:ext cx="10436078" cy="5504264"/>
+          </a:xfrm>
+          <a:prstGeom prst="rect">
+            <a:avLst/>
+          </a:prstGeom>
+          <a:noFill/>
+          <a:ln w="19050">
+            <a:solidFill>
+              <a:srgbClr val="FFC000"/>
+            </a:solidFill>
+          </a:ln>
+        </p:spPr>
+        <p:txBody>
+          <a:bodyPr wrap="square">
+            <a:spAutoFit/>
+          </a:bodyPr>
+          <a:lstStyle/>
+          <a:p>
+            <a:pPr algn="just">
+              <a:lnSpc>
+                <a:spcPct val="120000"/>
+              </a:lnSpc>
+              <a:spcBef>
+                <a:spcPts val="0"/>
+              </a:spcBef>
+              <a:spcAft>
+                <a:spcPts val="0"/>
+              </a:spcAft>
+            </a:pPr>
+            <a:endParaRPr lang="sv-SE" sz="1400" dirty="0">
+              <a:latin typeface="Calibri" pitchFamily="34" charset="0"/>
+            </a:endParaRPr>
+          </a:p>
+          <a:p>
+            <a:pPr algn="just">
+              <a:lnSpc>
+                <a:spcPct val="120000"/>
+              </a:lnSpc>
+              <a:spcBef>
+                <a:spcPts val="0"/>
+              </a:spcBef>
+              <a:spcAft>
+                <a:spcPts val="0"/>
+              </a:spcAft>
+            </a:pPr>
+            <a:endParaRPr lang="sv-SE" sz="1400" dirty="0">
+              <a:latin typeface="Calibri" pitchFamily="34" charset="0"/>
+            </a:endParaRPr>
+          </a:p>
+          <a:p>
+            <a:pPr algn="just">
+              <a:lnSpc>
+                <a:spcPct val="120000"/>
+              </a:lnSpc>
+              <a:spcBef>
+                <a:spcPts val="0"/>
+              </a:spcBef>
+              <a:spcAft>
+                <a:spcPts val="0"/>
+              </a:spcAft>
+            </a:pPr>
+            <a:endParaRPr lang="sv-SE" sz="1400" dirty="0">
+              <a:latin typeface="Calibri" pitchFamily="34" charset="0"/>
+            </a:endParaRPr>
+          </a:p>
+          <a:p>
+            <a:pPr algn="just">
+              <a:lnSpc>
+                <a:spcPct val="120000"/>
+              </a:lnSpc>
+              <a:spcBef>
+                <a:spcPts val="0"/>
+              </a:spcBef>
+              <a:spcAft>
+                <a:spcPts val="0"/>
+              </a:spcAft>
+            </a:pPr>
+            <a:endParaRPr lang="sv-SE" sz="1400" dirty="0">
+              <a:latin typeface="Calibri" pitchFamily="34" charset="0"/>
+            </a:endParaRPr>
+          </a:p>
+          <a:p>
+            <a:pPr algn="just">
+              <a:lnSpc>
+                <a:spcPct val="120000"/>
+              </a:lnSpc>
+              <a:spcBef>
+                <a:spcPts val="0"/>
+              </a:spcBef>
+              <a:spcAft>
+                <a:spcPts val="0"/>
+              </a:spcAft>
+            </a:pPr>
+            <a:endParaRPr lang="sv-SE" sz="1400" dirty="0">
+              <a:latin typeface="Calibri" pitchFamily="34" charset="0"/>
+            </a:endParaRPr>
+          </a:p>
+          <a:p>
+            <a:pPr algn="just">
+              <a:lnSpc>
+                <a:spcPct val="120000"/>
+              </a:lnSpc>
+              <a:spcBef>
+                <a:spcPts val="0"/>
+              </a:spcBef>
+              <a:spcAft>
+                <a:spcPts val="0"/>
+              </a:spcAft>
+            </a:pPr>
+            <a:endParaRPr lang="sv-SE" sz="1400" dirty="0">
+              <a:latin typeface="Calibri" pitchFamily="34" charset="0"/>
+            </a:endParaRPr>
+          </a:p>
+          <a:p>
+            <a:pPr algn="just">
+              <a:lnSpc>
+                <a:spcPct val="120000"/>
+              </a:lnSpc>
+              <a:spcBef>
+                <a:spcPts val="0"/>
+              </a:spcBef>
+              <a:spcAft>
+                <a:spcPts val="0"/>
+              </a:spcAft>
+            </a:pPr>
+            <a:endParaRPr lang="sv-SE" sz="1400" dirty="0">
+              <a:latin typeface="Calibri" pitchFamily="34" charset="0"/>
+            </a:endParaRPr>
+          </a:p>
+          <a:p>
+            <a:pPr algn="just">
+              <a:lnSpc>
+                <a:spcPct val="120000"/>
+              </a:lnSpc>
+              <a:spcBef>
+                <a:spcPts val="0"/>
+              </a:spcBef>
+              <a:spcAft>
+                <a:spcPts val="0"/>
+              </a:spcAft>
+            </a:pPr>
+            <a:endParaRPr lang="sv-SE" sz="1400" dirty="0">
+              <a:latin typeface="Calibri" pitchFamily="34" charset="0"/>
+            </a:endParaRPr>
+          </a:p>
+          <a:p>
+            <a:pPr algn="just">
+              <a:lnSpc>
+                <a:spcPct val="120000"/>
+              </a:lnSpc>
+              <a:spcBef>
+                <a:spcPts val="0"/>
+              </a:spcBef>
+              <a:spcAft>
+                <a:spcPts val="0"/>
+              </a:spcAft>
+            </a:pPr>
+            <a:endParaRPr lang="sv-SE" sz="1400" dirty="0">
+              <a:latin typeface="Calibri" pitchFamily="34" charset="0"/>
+            </a:endParaRPr>
+          </a:p>
+          <a:p>
+            <a:pPr algn="just">
+              <a:lnSpc>
+                <a:spcPct val="120000"/>
+              </a:lnSpc>
+              <a:spcBef>
+                <a:spcPts val="0"/>
+              </a:spcBef>
+              <a:spcAft>
+                <a:spcPts val="0"/>
+              </a:spcAft>
+            </a:pPr>
+            <a:endParaRPr lang="sv-SE" sz="1400" dirty="0">
+              <a:latin typeface="Calibri" pitchFamily="34" charset="0"/>
+            </a:endParaRPr>
+          </a:p>
+          <a:p>
+            <a:pPr algn="just">
+              <a:lnSpc>
+                <a:spcPct val="120000"/>
+              </a:lnSpc>
+              <a:spcBef>
+                <a:spcPts val="0"/>
+              </a:spcBef>
+              <a:spcAft>
+                <a:spcPts val="0"/>
+              </a:spcAft>
+            </a:pPr>
+            <a:endParaRPr lang="sv-SE" sz="1400" dirty="0">
+              <a:latin typeface="Calibri" pitchFamily="34" charset="0"/>
+            </a:endParaRPr>
+          </a:p>
+          <a:p>
+            <a:pPr algn="just">
+              <a:lnSpc>
+                <a:spcPct val="120000"/>
+              </a:lnSpc>
+              <a:spcBef>
+                <a:spcPts val="0"/>
+              </a:spcBef>
+              <a:spcAft>
+                <a:spcPts val="0"/>
+              </a:spcAft>
+            </a:pPr>
+            <a:endParaRPr lang="sv-SE" sz="1400" dirty="0">
+              <a:latin typeface="Calibri" pitchFamily="34" charset="0"/>
+            </a:endParaRPr>
+          </a:p>
+          <a:p>
+            <a:pPr algn="just">
+              <a:lnSpc>
+                <a:spcPct val="120000"/>
+              </a:lnSpc>
+              <a:spcBef>
+                <a:spcPts val="0"/>
+              </a:spcBef>
+              <a:spcAft>
+                <a:spcPts val="0"/>
+              </a:spcAft>
+            </a:pPr>
+            <a:endParaRPr lang="sv-SE" sz="1400" dirty="0">
+              <a:latin typeface="Calibri" pitchFamily="34" charset="0"/>
+            </a:endParaRPr>
+          </a:p>
+          <a:p>
+            <a:pPr algn="just">
+              <a:lnSpc>
+                <a:spcPct val="120000"/>
+              </a:lnSpc>
+              <a:spcBef>
+                <a:spcPts val="0"/>
+              </a:spcBef>
+              <a:spcAft>
+                <a:spcPts val="0"/>
+              </a:spcAft>
+            </a:pPr>
+            <a:endParaRPr lang="sv-SE" sz="1400" dirty="0">
+              <a:latin typeface="Calibri" pitchFamily="34" charset="0"/>
+            </a:endParaRPr>
+          </a:p>
+          <a:p>
+            <a:pPr algn="just">
+              <a:lnSpc>
+                <a:spcPct val="120000"/>
+              </a:lnSpc>
+              <a:spcBef>
+                <a:spcPts val="0"/>
+              </a:spcBef>
+              <a:spcAft>
+                <a:spcPts val="0"/>
+              </a:spcAft>
+            </a:pPr>
+            <a:endParaRPr lang="sv-SE" sz="1400" dirty="0">
+              <a:latin typeface="Calibri" pitchFamily="34" charset="0"/>
+            </a:endParaRPr>
+          </a:p>
+          <a:p>
+            <a:pPr algn="just">
+              <a:lnSpc>
+                <a:spcPct val="120000"/>
+              </a:lnSpc>
+              <a:spcBef>
+                <a:spcPts val="0"/>
+              </a:spcBef>
+              <a:spcAft>
+                <a:spcPts val="0"/>
+              </a:spcAft>
+            </a:pPr>
+            <a:endParaRPr lang="sv-SE" sz="1400" dirty="0">
+              <a:latin typeface="Calibri" pitchFamily="34" charset="0"/>
+            </a:endParaRPr>
+          </a:p>
+          <a:p>
+            <a:pPr algn="just">
+              <a:lnSpc>
+                <a:spcPct val="120000"/>
+              </a:lnSpc>
+              <a:spcBef>
+                <a:spcPts val="0"/>
+              </a:spcBef>
+              <a:spcAft>
+                <a:spcPts val="0"/>
+              </a:spcAft>
+            </a:pPr>
+            <a:endParaRPr lang="sv-SE" sz="1400" dirty="0">
+              <a:latin typeface="Calibri" pitchFamily="34" charset="0"/>
+            </a:endParaRPr>
+          </a:p>
+          <a:p>
+            <a:pPr algn="just">
+              <a:lnSpc>
+                <a:spcPct val="120000"/>
+              </a:lnSpc>
+              <a:spcBef>
+                <a:spcPts val="0"/>
+              </a:spcBef>
+              <a:spcAft>
+                <a:spcPts val="0"/>
+              </a:spcAft>
+            </a:pPr>
+            <a:endParaRPr lang="sv-SE" sz="1400" dirty="0">
+              <a:latin typeface="Calibri" pitchFamily="34" charset="0"/>
+            </a:endParaRPr>
+          </a:p>
+          <a:p>
+            <a:pPr algn="just">
+              <a:lnSpc>
+                <a:spcPct val="120000"/>
+              </a:lnSpc>
+              <a:spcBef>
+                <a:spcPts val="0"/>
+              </a:spcBef>
+              <a:spcAft>
+                <a:spcPts val="0"/>
+              </a:spcAft>
+            </a:pPr>
+            <a:endParaRPr lang="sv-SE" sz="1400" dirty="0">
+              <a:latin typeface="Calibri" pitchFamily="34" charset="0"/>
+            </a:endParaRPr>
+          </a:p>
+          <a:p>
+            <a:pPr algn="just">
+              <a:lnSpc>
+                <a:spcPct val="120000"/>
+              </a:lnSpc>
+              <a:spcBef>
+                <a:spcPts val="0"/>
+              </a:spcBef>
+              <a:spcAft>
+                <a:spcPts val="0"/>
+              </a:spcAft>
+            </a:pPr>
+            <a:endParaRPr lang="sv-SE" sz="1400" dirty="0">
+              <a:latin typeface="Calibri" pitchFamily="34" charset="0"/>
+            </a:endParaRPr>
+          </a:p>
+          <a:p>
+            <a:pPr algn="just">
+              <a:lnSpc>
+                <a:spcPct val="120000"/>
+              </a:lnSpc>
+              <a:spcBef>
+                <a:spcPts val="0"/>
+              </a:spcBef>
+              <a:spcAft>
+                <a:spcPts val="0"/>
+              </a:spcAft>
+            </a:pPr>
+            <a:endParaRPr lang="sv-SE" sz="1400" dirty="0">
+              <a:latin typeface="Calibri" pitchFamily="34" charset="0"/>
+            </a:endParaRPr>
+          </a:p>
+        </p:txBody>
+      </p:sp>
+      <p:pic>
+        <p:nvPicPr>
+          <p:cNvPr id="3" name="Picture 2">
+            <a:extLst>
+              <a:ext uri="{FF2B5EF4-FFF2-40B4-BE49-F238E27FC236}">
+                <a16:creationId xmlns:a16="http://schemas.microsoft.com/office/drawing/2014/main" id="{40B76567-1CF2-4026-85D6-1EC357855527}"/>
+              </a:ext>
+            </a:extLst>
+          </p:cNvPr>
+          <p:cNvPicPr>
+            <a:picLocks noChangeAspect="1"/>
+          </p:cNvPicPr>
+          <p:nvPr/>
+        </p:nvPicPr>
+        <p:blipFill>
+          <a:blip r:embed="rId2"/>
+          <a:stretch>
+            <a:fillRect/>
+          </a:stretch>
+        </p:blipFill>
+        <p:spPr>
+          <a:xfrm>
+            <a:off x="1046681" y="1290938"/>
+            <a:ext cx="2548318" cy="4515822"/>
+          </a:xfrm>
+          <a:prstGeom prst="rect">
+            <a:avLst/>
+          </a:prstGeom>
+        </p:spPr>
+      </p:pic>
+      <p:pic>
+        <p:nvPicPr>
+          <p:cNvPr id="5" name="Picture 4">
+            <a:extLst>
+              <a:ext uri="{FF2B5EF4-FFF2-40B4-BE49-F238E27FC236}">
+                <a16:creationId xmlns:a16="http://schemas.microsoft.com/office/drawing/2014/main" id="{C80D681D-BD7C-43F9-8AA2-BFFD62468EC0}"/>
+              </a:ext>
+            </a:extLst>
+          </p:cNvPr>
+          <p:cNvPicPr>
+            <a:picLocks noChangeAspect="1"/>
+          </p:cNvPicPr>
+          <p:nvPr/>
+        </p:nvPicPr>
+        <p:blipFill>
+          <a:blip r:embed="rId3"/>
+          <a:stretch>
+            <a:fillRect/>
+          </a:stretch>
+        </p:blipFill>
+        <p:spPr>
+          <a:xfrm>
+            <a:off x="4496882" y="1290938"/>
+            <a:ext cx="2578388" cy="4515822"/>
+          </a:xfrm>
+          <a:prstGeom prst="rect">
+            <a:avLst/>
+          </a:prstGeom>
+        </p:spPr>
+      </p:pic>
+      <p:pic>
+        <p:nvPicPr>
+          <p:cNvPr id="7" name="Picture 6">
+            <a:extLst>
+              <a:ext uri="{FF2B5EF4-FFF2-40B4-BE49-F238E27FC236}">
+                <a16:creationId xmlns:a16="http://schemas.microsoft.com/office/drawing/2014/main" id="{6EDD692A-E079-4F8A-9845-4417EB1B8CDA}"/>
+              </a:ext>
+            </a:extLst>
+          </p:cNvPr>
+          <p:cNvPicPr>
+            <a:picLocks noChangeAspect="1"/>
+          </p:cNvPicPr>
+          <p:nvPr/>
+        </p:nvPicPr>
+        <p:blipFill>
+          <a:blip r:embed="rId4"/>
+          <a:stretch>
+            <a:fillRect/>
+          </a:stretch>
+        </p:blipFill>
+        <p:spPr>
+          <a:xfrm>
+            <a:off x="7977154" y="1264305"/>
+            <a:ext cx="2604601" cy="4569088"/>
+          </a:xfrm>
+          <a:prstGeom prst="rect">
+            <a:avLst/>
+          </a:prstGeom>
+        </p:spPr>
+      </p:pic>
+    </p:spTree>
+    <p:extLst>
+      <p:ext uri="{BB962C8B-B14F-4D97-AF65-F5344CB8AC3E}">
+        <p14:creationId xmlns:p14="http://schemas.microsoft.com/office/powerpoint/2010/main" val="1831109741"/>
+      </p:ext>
+    </p:extLst>
+  </p:cSld>
+  <p:clrMapOvr>
+    <a:masterClrMapping/>
+  </p:clrMapOvr>
+</p:sld>
+</file>
+
+<file path=ppt/slides/slide22.xml><?xml version="1.0" encoding="utf-8"?>
+<p:sld xmlns:a="http://schemas.openxmlformats.org/drawingml/2006/main" xmlns:r="http://schemas.openxmlformats.org/officeDocument/2006/relationships" xmlns:p="http://schemas.openxmlformats.org/presentationml/2006/main">
+  <p:cSld>
+    <p:spTree>
+      <p:nvGrpSpPr>
+        <p:cNvPr id="1" name=""/>
+        <p:cNvGrpSpPr/>
+        <p:nvPr/>
+      </p:nvGrpSpPr>
+      <p:grpSpPr>
+        <a:xfrm>
+          <a:off x="0" y="0"/>
+          <a:ext cx="0" cy="0"/>
+          <a:chOff x="0" y="0"/>
+          <a:chExt cx="0" cy="0"/>
+        </a:xfrm>
+      </p:grpSpPr>
+      <p:sp>
+        <p:nvSpPr>
+          <p:cNvPr id="2" name="Text Placeholder 1">
+            <a:extLst>
+              <a:ext uri="{FF2B5EF4-FFF2-40B4-BE49-F238E27FC236}">
+                <a16:creationId xmlns:a16="http://schemas.microsoft.com/office/drawing/2014/main" id="{A87E29FF-8BBE-4440-B2F3-AD0FB0AAA249}"/>
+              </a:ext>
+            </a:extLst>
+          </p:cNvPr>
+          <p:cNvSpPr>
+            <a:spLocks noGrp="1"/>
+          </p:cNvSpPr>
+          <p:nvPr>
+            <p:ph type="body" sz="quarter" idx="13"/>
+          </p:nvPr>
+        </p:nvSpPr>
+        <p:spPr>
+          <a:xfrm>
+            <a:off x="4781550" y="3072606"/>
+            <a:ext cx="6135688" cy="1389063"/>
+          </a:xfrm>
+        </p:spPr>
+        <p:txBody>
+          <a:bodyPr>
+            <a:normAutofit/>
+          </a:bodyPr>
+          <a:lstStyle/>
+          <a:p>
+            <a:r>
+              <a:rPr lang="en-US" sz="4800" b="1" dirty="0"/>
+              <a:t>Cari Data</a:t>
+            </a:r>
+          </a:p>
+        </p:txBody>
+      </p:sp>
+    </p:spTree>
+    <p:extLst>
+      <p:ext uri="{BB962C8B-B14F-4D97-AF65-F5344CB8AC3E}">
+        <p14:creationId xmlns:p14="http://schemas.microsoft.com/office/powerpoint/2010/main" val="1667859859"/>
+      </p:ext>
+    </p:extLst>
+  </p:cSld>
+  <p:clrMapOvr>
+    <a:masterClrMapping/>
+  </p:clrMapOvr>
+</p:sld>
+</file>
+
+<file path=ppt/slides/slide23.xml><?xml version="1.0" encoding="utf-8"?>
+<p:sld xmlns:a="http://schemas.openxmlformats.org/drawingml/2006/main" xmlns:r="http://schemas.openxmlformats.org/officeDocument/2006/relationships" xmlns:p="http://schemas.openxmlformats.org/presentationml/2006/main">
+  <p:cSld>
+    <p:spTree>
+      <p:nvGrpSpPr>
+        <p:cNvPr id="1" name=""/>
+        <p:cNvGrpSpPr/>
+        <p:nvPr/>
+      </p:nvGrpSpPr>
+      <p:grpSpPr>
+        <a:xfrm>
+          <a:off x="0" y="0"/>
+          <a:ext cx="0" cy="0"/>
+          <a:chOff x="0" y="0"/>
+          <a:chExt cx="0" cy="0"/>
+        </a:xfrm>
+      </p:grpSpPr>
+      <p:sp>
+        <p:nvSpPr>
+          <p:cNvPr id="9" name="TextBox 8"/>
+          <p:cNvSpPr txBox="1"/>
+          <p:nvPr/>
+        </p:nvSpPr>
+        <p:spPr>
+          <a:xfrm>
+            <a:off x="563614" y="312564"/>
+            <a:ext cx="10436079" cy="430887"/>
+          </a:xfrm>
+          <a:prstGeom prst="rect">
+            <a:avLst/>
+          </a:prstGeom>
+          <a:solidFill>
+            <a:srgbClr val="FFC000"/>
+          </a:solidFill>
+        </p:spPr>
+        <p:txBody>
+          <a:bodyPr wrap="square" tIns="91440" bIns="91440" rtlCol="0">
+            <a:spAutoFit/>
+          </a:bodyPr>
+          <a:lstStyle/>
+          <a:p>
+            <a:pPr algn="just">
+              <a:spcAft>
+                <a:spcPts val="600"/>
+              </a:spcAft>
+            </a:pPr>
+            <a:r>
+              <a:rPr lang="en-US" sz="1600" b="1" dirty="0">
+                <a:latin typeface="Trebuchet MS" panose="020B0603020202020204" pitchFamily="34" charset="0"/>
+              </a:rPr>
+              <a:t>Cari Data</a:t>
+            </a:r>
+          </a:p>
+        </p:txBody>
+      </p:sp>
+      <p:sp>
+        <p:nvSpPr>
+          <p:cNvPr id="11" name="TextBox 10"/>
+          <p:cNvSpPr txBox="1"/>
+          <p:nvPr/>
+        </p:nvSpPr>
+        <p:spPr>
+          <a:xfrm>
+            <a:off x="563614" y="796717"/>
+            <a:ext cx="10436078" cy="5504264"/>
+          </a:xfrm>
+          <a:prstGeom prst="rect">
+            <a:avLst/>
+          </a:prstGeom>
+          <a:noFill/>
+          <a:ln w="19050">
+            <a:solidFill>
+              <a:srgbClr val="FFC000"/>
+            </a:solidFill>
+          </a:ln>
+        </p:spPr>
+        <p:txBody>
+          <a:bodyPr wrap="square">
+            <a:spAutoFit/>
+          </a:bodyPr>
+          <a:lstStyle/>
+          <a:p>
+            <a:pPr algn="just">
+              <a:lnSpc>
+                <a:spcPct val="120000"/>
+              </a:lnSpc>
+              <a:spcBef>
+                <a:spcPts val="0"/>
+              </a:spcBef>
+              <a:spcAft>
+                <a:spcPts val="0"/>
+              </a:spcAft>
+            </a:pPr>
+            <a:endParaRPr lang="sv-SE" sz="1400" dirty="0">
+              <a:latin typeface="Calibri" pitchFamily="34" charset="0"/>
+            </a:endParaRPr>
+          </a:p>
+          <a:p>
+            <a:pPr algn="just">
+              <a:lnSpc>
+                <a:spcPct val="120000"/>
+              </a:lnSpc>
+              <a:spcBef>
+                <a:spcPts val="0"/>
+              </a:spcBef>
+              <a:spcAft>
+                <a:spcPts val="0"/>
+              </a:spcAft>
+            </a:pPr>
+            <a:endParaRPr lang="sv-SE" sz="1400" dirty="0">
+              <a:latin typeface="Calibri" pitchFamily="34" charset="0"/>
+            </a:endParaRPr>
+          </a:p>
+          <a:p>
+            <a:pPr algn="just">
+              <a:lnSpc>
+                <a:spcPct val="120000"/>
+              </a:lnSpc>
+              <a:spcBef>
+                <a:spcPts val="0"/>
+              </a:spcBef>
+              <a:spcAft>
+                <a:spcPts val="0"/>
+              </a:spcAft>
+            </a:pPr>
+            <a:endParaRPr lang="sv-SE" sz="1400" dirty="0">
+              <a:latin typeface="Calibri" pitchFamily="34" charset="0"/>
+            </a:endParaRPr>
+          </a:p>
+          <a:p>
+            <a:pPr algn="just">
+              <a:lnSpc>
+                <a:spcPct val="120000"/>
+              </a:lnSpc>
+              <a:spcBef>
+                <a:spcPts val="0"/>
+              </a:spcBef>
+              <a:spcAft>
+                <a:spcPts val="0"/>
+              </a:spcAft>
+            </a:pPr>
+            <a:endParaRPr lang="sv-SE" sz="1400" dirty="0">
+              <a:latin typeface="Calibri" pitchFamily="34" charset="0"/>
+            </a:endParaRPr>
+          </a:p>
+          <a:p>
+            <a:pPr algn="just">
+              <a:lnSpc>
+                <a:spcPct val="120000"/>
+              </a:lnSpc>
+              <a:spcBef>
+                <a:spcPts val="0"/>
+              </a:spcBef>
+              <a:spcAft>
+                <a:spcPts val="0"/>
+              </a:spcAft>
+            </a:pPr>
+            <a:endParaRPr lang="sv-SE" sz="1400" dirty="0">
+              <a:latin typeface="Calibri" pitchFamily="34" charset="0"/>
+            </a:endParaRPr>
+          </a:p>
+          <a:p>
+            <a:pPr algn="just">
+              <a:lnSpc>
+                <a:spcPct val="120000"/>
+              </a:lnSpc>
+              <a:spcBef>
+                <a:spcPts val="0"/>
+              </a:spcBef>
+              <a:spcAft>
+                <a:spcPts val="0"/>
+              </a:spcAft>
+            </a:pPr>
+            <a:endParaRPr lang="sv-SE" sz="1400" dirty="0">
+              <a:latin typeface="Calibri" pitchFamily="34" charset="0"/>
+            </a:endParaRPr>
+          </a:p>
+          <a:p>
+            <a:pPr algn="just">
+              <a:lnSpc>
+                <a:spcPct val="120000"/>
+              </a:lnSpc>
+              <a:spcBef>
+                <a:spcPts val="0"/>
+              </a:spcBef>
+              <a:spcAft>
+                <a:spcPts val="0"/>
+              </a:spcAft>
+            </a:pPr>
+            <a:endParaRPr lang="sv-SE" sz="1400" dirty="0">
+              <a:latin typeface="Calibri" pitchFamily="34" charset="0"/>
+            </a:endParaRPr>
+          </a:p>
+          <a:p>
+            <a:pPr algn="just">
+              <a:lnSpc>
+                <a:spcPct val="120000"/>
+              </a:lnSpc>
+              <a:spcBef>
+                <a:spcPts val="0"/>
+              </a:spcBef>
+              <a:spcAft>
+                <a:spcPts val="0"/>
+              </a:spcAft>
+            </a:pPr>
+            <a:endParaRPr lang="sv-SE" sz="1400" dirty="0">
+              <a:latin typeface="Calibri" pitchFamily="34" charset="0"/>
+            </a:endParaRPr>
+          </a:p>
+          <a:p>
+            <a:pPr algn="just">
+              <a:lnSpc>
+                <a:spcPct val="120000"/>
+              </a:lnSpc>
+              <a:spcBef>
+                <a:spcPts val="0"/>
+              </a:spcBef>
+              <a:spcAft>
+                <a:spcPts val="0"/>
+              </a:spcAft>
+            </a:pPr>
+            <a:endParaRPr lang="sv-SE" sz="1400" dirty="0">
+              <a:latin typeface="Calibri" pitchFamily="34" charset="0"/>
+            </a:endParaRPr>
+          </a:p>
+          <a:p>
+            <a:pPr algn="just">
+              <a:lnSpc>
+                <a:spcPct val="120000"/>
+              </a:lnSpc>
+              <a:spcBef>
+                <a:spcPts val="0"/>
+              </a:spcBef>
+              <a:spcAft>
+                <a:spcPts val="0"/>
+              </a:spcAft>
+            </a:pPr>
+            <a:endParaRPr lang="sv-SE" sz="1400" dirty="0">
+              <a:latin typeface="Calibri" pitchFamily="34" charset="0"/>
+            </a:endParaRPr>
+          </a:p>
+          <a:p>
+            <a:pPr algn="just">
+              <a:lnSpc>
+                <a:spcPct val="120000"/>
+              </a:lnSpc>
+              <a:spcBef>
+                <a:spcPts val="0"/>
+              </a:spcBef>
+              <a:spcAft>
+                <a:spcPts val="0"/>
+              </a:spcAft>
+            </a:pPr>
+            <a:endParaRPr lang="sv-SE" sz="1400" dirty="0">
+              <a:latin typeface="Calibri" pitchFamily="34" charset="0"/>
+            </a:endParaRPr>
+          </a:p>
+          <a:p>
+            <a:pPr algn="just">
+              <a:lnSpc>
+                <a:spcPct val="120000"/>
+              </a:lnSpc>
+              <a:spcBef>
+                <a:spcPts val="0"/>
+              </a:spcBef>
+              <a:spcAft>
+                <a:spcPts val="0"/>
+              </a:spcAft>
+            </a:pPr>
+            <a:endParaRPr lang="sv-SE" sz="1400" dirty="0">
+              <a:latin typeface="Calibri" pitchFamily="34" charset="0"/>
+            </a:endParaRPr>
+          </a:p>
+          <a:p>
+            <a:pPr algn="just">
+              <a:lnSpc>
+                <a:spcPct val="120000"/>
+              </a:lnSpc>
+              <a:spcBef>
+                <a:spcPts val="0"/>
+              </a:spcBef>
+              <a:spcAft>
+                <a:spcPts val="0"/>
+              </a:spcAft>
+            </a:pPr>
+            <a:endParaRPr lang="sv-SE" sz="1400" dirty="0">
+              <a:latin typeface="Calibri" pitchFamily="34" charset="0"/>
+            </a:endParaRPr>
+          </a:p>
+          <a:p>
+            <a:pPr algn="just">
+              <a:lnSpc>
+                <a:spcPct val="120000"/>
+              </a:lnSpc>
+              <a:spcBef>
+                <a:spcPts val="0"/>
+              </a:spcBef>
+              <a:spcAft>
+                <a:spcPts val="0"/>
+              </a:spcAft>
+            </a:pPr>
+            <a:endParaRPr lang="sv-SE" sz="1400" dirty="0">
+              <a:latin typeface="Calibri" pitchFamily="34" charset="0"/>
+            </a:endParaRPr>
+          </a:p>
+          <a:p>
+            <a:pPr algn="just">
+              <a:lnSpc>
+                <a:spcPct val="120000"/>
+              </a:lnSpc>
+              <a:spcBef>
+                <a:spcPts val="0"/>
+              </a:spcBef>
+              <a:spcAft>
+                <a:spcPts val="0"/>
+              </a:spcAft>
+            </a:pPr>
+            <a:endParaRPr lang="sv-SE" sz="1400" dirty="0">
+              <a:latin typeface="Calibri" pitchFamily="34" charset="0"/>
+            </a:endParaRPr>
+          </a:p>
+          <a:p>
+            <a:pPr algn="just">
+              <a:lnSpc>
+                <a:spcPct val="120000"/>
+              </a:lnSpc>
+              <a:spcBef>
+                <a:spcPts val="0"/>
+              </a:spcBef>
+              <a:spcAft>
+                <a:spcPts val="0"/>
+              </a:spcAft>
+            </a:pPr>
+            <a:endParaRPr lang="sv-SE" sz="1400" dirty="0">
+              <a:latin typeface="Calibri" pitchFamily="34" charset="0"/>
+            </a:endParaRPr>
+          </a:p>
+          <a:p>
+            <a:pPr algn="just">
+              <a:lnSpc>
+                <a:spcPct val="120000"/>
+              </a:lnSpc>
+              <a:spcBef>
+                <a:spcPts val="0"/>
+              </a:spcBef>
+              <a:spcAft>
+                <a:spcPts val="0"/>
+              </a:spcAft>
+            </a:pPr>
+            <a:endParaRPr lang="sv-SE" sz="1400" dirty="0">
+              <a:latin typeface="Calibri" pitchFamily="34" charset="0"/>
+            </a:endParaRPr>
+          </a:p>
+          <a:p>
+            <a:pPr algn="just">
+              <a:lnSpc>
+                <a:spcPct val="120000"/>
+              </a:lnSpc>
+              <a:spcBef>
+                <a:spcPts val="0"/>
+              </a:spcBef>
+              <a:spcAft>
+                <a:spcPts val="0"/>
+              </a:spcAft>
+            </a:pPr>
+            <a:endParaRPr lang="sv-SE" sz="1400" dirty="0">
+              <a:latin typeface="Calibri" pitchFamily="34" charset="0"/>
+            </a:endParaRPr>
+          </a:p>
+          <a:p>
+            <a:pPr algn="just">
+              <a:lnSpc>
+                <a:spcPct val="120000"/>
+              </a:lnSpc>
+              <a:spcBef>
+                <a:spcPts val="0"/>
+              </a:spcBef>
+              <a:spcAft>
+                <a:spcPts val="0"/>
+              </a:spcAft>
+            </a:pPr>
+            <a:endParaRPr lang="sv-SE" sz="1400" dirty="0">
+              <a:latin typeface="Calibri" pitchFamily="34" charset="0"/>
+            </a:endParaRPr>
+          </a:p>
+          <a:p>
+            <a:pPr algn="just">
+              <a:lnSpc>
+                <a:spcPct val="120000"/>
+              </a:lnSpc>
+              <a:spcBef>
+                <a:spcPts val="0"/>
+              </a:spcBef>
+              <a:spcAft>
+                <a:spcPts val="0"/>
+              </a:spcAft>
+            </a:pPr>
+            <a:endParaRPr lang="sv-SE" sz="1400" dirty="0">
+              <a:latin typeface="Calibri" pitchFamily="34" charset="0"/>
+            </a:endParaRPr>
+          </a:p>
+          <a:p>
+            <a:pPr algn="just">
+              <a:lnSpc>
+                <a:spcPct val="120000"/>
+              </a:lnSpc>
+              <a:spcBef>
+                <a:spcPts val="0"/>
+              </a:spcBef>
+              <a:spcAft>
+                <a:spcPts val="0"/>
+              </a:spcAft>
+            </a:pPr>
+            <a:endParaRPr lang="sv-SE" sz="1400" dirty="0">
+              <a:latin typeface="Calibri" pitchFamily="34" charset="0"/>
+            </a:endParaRPr>
+          </a:p>
+        </p:txBody>
+      </p:sp>
+      <p:pic>
+        <p:nvPicPr>
+          <p:cNvPr id="3" name="Picture 2">
+            <a:extLst>
+              <a:ext uri="{FF2B5EF4-FFF2-40B4-BE49-F238E27FC236}">
+                <a16:creationId xmlns:a16="http://schemas.microsoft.com/office/drawing/2014/main" id="{2C77C372-106A-4D9B-B48A-37598CD88CA9}"/>
+              </a:ext>
+            </a:extLst>
+          </p:cNvPr>
+          <p:cNvPicPr>
+            <a:picLocks noChangeAspect="1"/>
+          </p:cNvPicPr>
+          <p:nvPr/>
+        </p:nvPicPr>
+        <p:blipFill>
+          <a:blip r:embed="rId2"/>
+          <a:stretch>
+            <a:fillRect/>
+          </a:stretch>
+        </p:blipFill>
+        <p:spPr>
+          <a:xfrm>
+            <a:off x="1192308" y="1229702"/>
+            <a:ext cx="2630115" cy="4638294"/>
+          </a:xfrm>
+          <a:prstGeom prst="rect">
+            <a:avLst/>
+          </a:prstGeom>
+        </p:spPr>
+      </p:pic>
+      <p:pic>
+        <p:nvPicPr>
+          <p:cNvPr id="5" name="Picture 4">
+            <a:extLst>
+              <a:ext uri="{FF2B5EF4-FFF2-40B4-BE49-F238E27FC236}">
+                <a16:creationId xmlns:a16="http://schemas.microsoft.com/office/drawing/2014/main" id="{4589F89F-149D-40C9-AF2D-47B12600E47F}"/>
+              </a:ext>
+            </a:extLst>
+          </p:cNvPr>
+          <p:cNvPicPr>
+            <a:picLocks noChangeAspect="1"/>
+          </p:cNvPicPr>
+          <p:nvPr/>
+        </p:nvPicPr>
+        <p:blipFill>
+          <a:blip r:embed="rId3"/>
+          <a:stretch>
+            <a:fillRect/>
+          </a:stretch>
+        </p:blipFill>
+        <p:spPr>
+          <a:xfrm>
+            <a:off x="4399330" y="1225955"/>
+            <a:ext cx="2630115" cy="4638294"/>
+          </a:xfrm>
+          <a:prstGeom prst="rect">
+            <a:avLst/>
+          </a:prstGeom>
+        </p:spPr>
+      </p:pic>
+      <p:pic>
+        <p:nvPicPr>
+          <p:cNvPr id="7" name="Picture 6">
+            <a:extLst>
+              <a:ext uri="{FF2B5EF4-FFF2-40B4-BE49-F238E27FC236}">
+                <a16:creationId xmlns:a16="http://schemas.microsoft.com/office/drawing/2014/main" id="{F1E297AA-13A1-4C36-A254-0D818D0E9334}"/>
+              </a:ext>
+            </a:extLst>
+          </p:cNvPr>
+          <p:cNvPicPr>
+            <a:picLocks noChangeAspect="1"/>
+          </p:cNvPicPr>
+          <p:nvPr/>
+        </p:nvPicPr>
+        <p:blipFill>
+          <a:blip r:embed="rId4"/>
+          <a:stretch>
+            <a:fillRect/>
+          </a:stretch>
+        </p:blipFill>
+        <p:spPr>
+          <a:xfrm>
+            <a:off x="7650616" y="1233448"/>
+            <a:ext cx="2637608" cy="4630801"/>
+          </a:xfrm>
+          <a:prstGeom prst="rect">
+            <a:avLst/>
+          </a:prstGeom>
+        </p:spPr>
+      </p:pic>
+    </p:spTree>
+    <p:extLst>
+      <p:ext uri="{BB962C8B-B14F-4D97-AF65-F5344CB8AC3E}">
+        <p14:creationId xmlns:p14="http://schemas.microsoft.com/office/powerpoint/2010/main" val="1375907440"/>
+      </p:ext>
+    </p:extLst>
+  </p:cSld>
+  <p:clrMapOvr>
+    <a:masterClrMapping/>
+  </p:clrMapOvr>
+</p:sld>
+</file>
+
+<file path=ppt/slides/slide24.xml><?xml version="1.0" encoding="utf-8"?>
+<p:sld xmlns:a="http://schemas.openxmlformats.org/drawingml/2006/main" xmlns:r="http://schemas.openxmlformats.org/officeDocument/2006/relationships" xmlns:p="http://schemas.openxmlformats.org/presentationml/2006/main">
+  <p:cSld>
+    <p:spTree>
+      <p:nvGrpSpPr>
+        <p:cNvPr id="1" name=""/>
+        <p:cNvGrpSpPr/>
+        <p:nvPr/>
+      </p:nvGrpSpPr>
+      <p:grpSpPr>
+        <a:xfrm>
+          <a:off x="0" y="0"/>
+          <a:ext cx="0" cy="0"/>
+          <a:chOff x="0" y="0"/>
+          <a:chExt cx="0" cy="0"/>
+        </a:xfrm>
+      </p:grpSpPr>
+      <p:sp>
+        <p:nvSpPr>
+          <p:cNvPr id="2" name="Text Placeholder 1">
+            <a:extLst>
+              <a:ext uri="{FF2B5EF4-FFF2-40B4-BE49-F238E27FC236}">
+                <a16:creationId xmlns:a16="http://schemas.microsoft.com/office/drawing/2014/main" id="{A87E29FF-8BBE-4440-B2F3-AD0FB0AAA249}"/>
+              </a:ext>
+            </a:extLst>
+          </p:cNvPr>
+          <p:cNvSpPr>
+            <a:spLocks noGrp="1"/>
+          </p:cNvSpPr>
+          <p:nvPr>
+            <p:ph type="body" sz="quarter" idx="13"/>
+          </p:nvPr>
+        </p:nvSpPr>
+        <p:spPr>
+          <a:xfrm>
+            <a:off x="4781550" y="3072606"/>
+            <a:ext cx="6135688" cy="1389063"/>
+          </a:xfrm>
+        </p:spPr>
+        <p:txBody>
+          <a:bodyPr>
+            <a:normAutofit/>
+          </a:bodyPr>
+          <a:lstStyle/>
+          <a:p>
+            <a:r>
+              <a:rPr lang="en-US" sz="4800" b="1" dirty="0"/>
+              <a:t>Demo </a:t>
+            </a:r>
+            <a:r>
+              <a:rPr lang="en-US" sz="4800" b="1" dirty="0" err="1"/>
+              <a:t>Aplikasi</a:t>
+            </a:r>
+            <a:endParaRPr lang="en-US" sz="4800" b="1" dirty="0"/>
+          </a:p>
+        </p:txBody>
+      </p:sp>
+    </p:spTree>
+    <p:extLst>
+      <p:ext uri="{BB962C8B-B14F-4D97-AF65-F5344CB8AC3E}">
+        <p14:creationId xmlns:p14="http://schemas.microsoft.com/office/powerpoint/2010/main" val="567727359"/>
+      </p:ext>
+    </p:extLst>
+  </p:cSld>
+  <p:clrMapOvr>
+    <a:masterClrMapping/>
+  </p:clrMapOvr>
+</p:sld>
+</file>
+
+<file path=ppt/slides/slide25.xml><?xml version="1.0" encoding="utf-8"?>
+<p:sld xmlns:a="http://schemas.openxmlformats.org/drawingml/2006/main" xmlns:r="http://schemas.openxmlformats.org/officeDocument/2006/relationships" xmlns:p="http://schemas.openxmlformats.org/presentationml/2006/main">
+  <p:cSld>
+    <p:spTree>
+      <p:nvGrpSpPr>
+        <p:cNvPr id="1" name=""/>
+        <p:cNvGrpSpPr/>
+        <p:nvPr/>
+      </p:nvGrpSpPr>
+      <p:grpSpPr>
+        <a:xfrm>
+          <a:off x="0" y="0"/>
+          <a:ext cx="0" cy="0"/>
+          <a:chOff x="0" y="0"/>
+          <a:chExt cx="0" cy="0"/>
+        </a:xfrm>
+      </p:grpSpPr>
+      <p:sp>
+        <p:nvSpPr>
+          <p:cNvPr id="4" name="Text Placeholder 1">
+            <a:extLst>
+              <a:ext uri="{FF2B5EF4-FFF2-40B4-BE49-F238E27FC236}">
+                <a16:creationId xmlns:a16="http://schemas.microsoft.com/office/drawing/2014/main" id="{1D3F3A73-81D0-469F-A600-2B191AED6FF2}"/>
+              </a:ext>
+            </a:extLst>
+          </p:cNvPr>
+          <p:cNvSpPr txBox="1">
+            <a:spLocks/>
+          </p:cNvSpPr>
+          <p:nvPr/>
+        </p:nvSpPr>
+        <p:spPr>
+          <a:xfrm>
+            <a:off x="3885811" y="2503438"/>
+            <a:ext cx="6135688" cy="1389063"/>
+          </a:xfrm>
+          <a:prstGeom prst="rect">
+            <a:avLst/>
+          </a:prstGeom>
+        </p:spPr>
+        <p:txBody>
+          <a:bodyPr>
+            <a:normAutofit/>
+          </a:bodyPr>
+          <a:lstStyle>
+            <a:lvl1pPr marL="228600" indent="-228600" algn="l" defTabSz="914400" rtl="0" eaLnBrk="1" latinLnBrk="0" hangingPunct="1">
+              <a:lnSpc>
+                <a:spcPct val="90000"/>
+              </a:lnSpc>
+              <a:spcBef>
+                <a:spcPts val="1000"/>
+              </a:spcBef>
+              <a:buFont typeface="Arial" panose="020B0604020202020204" pitchFamily="34" charset="0"/>
+              <a:buChar char="•"/>
+              <a:defRPr sz="2800" kern="1200">
+                <a:solidFill>
+                  <a:schemeClr val="tx1"/>
+                </a:solidFill>
+                <a:latin typeface="+mn-lt"/>
+                <a:ea typeface="+mn-ea"/>
+                <a:cs typeface="+mn-cs"/>
+              </a:defRPr>
+            </a:lvl1pPr>
+            <a:lvl2pPr marL="685800" indent="-228600" algn="l" defTabSz="914400" rtl="0" eaLnBrk="1" latinLnBrk="0" hangingPunct="1">
+              <a:lnSpc>
+                <a:spcPct val="90000"/>
+              </a:lnSpc>
+              <a:spcBef>
+                <a:spcPts val="500"/>
+              </a:spcBef>
+              <a:buFont typeface="Arial" panose="020B0604020202020204" pitchFamily="34" charset="0"/>
+              <a:buChar char="•"/>
+              <a:defRPr sz="2800" kern="1200">
+                <a:solidFill>
+                  <a:schemeClr val="tx1"/>
+                </a:solidFill>
+                <a:latin typeface="+mn-lt"/>
+                <a:ea typeface="+mn-ea"/>
+                <a:cs typeface="+mn-cs"/>
+              </a:defRPr>
+            </a:lvl2pPr>
+            <a:lvl3pPr marL="1143000" indent="-228600" algn="l" defTabSz="914400" rtl="0" eaLnBrk="1" latinLnBrk="0" hangingPunct="1">
+              <a:lnSpc>
+                <a:spcPct val="90000"/>
+              </a:lnSpc>
+              <a:spcBef>
+                <a:spcPts val="500"/>
+              </a:spcBef>
+              <a:buFont typeface="Arial" panose="020B0604020202020204" pitchFamily="34" charset="0"/>
+              <a:buChar char="•"/>
+              <a:defRPr sz="2800" kern="1200">
+                <a:solidFill>
+                  <a:schemeClr val="tx1"/>
+                </a:solidFill>
+                <a:latin typeface="+mn-lt"/>
+                <a:ea typeface="+mn-ea"/>
+                <a:cs typeface="+mn-cs"/>
+              </a:defRPr>
+            </a:lvl3pPr>
+            <a:lvl4pPr marL="1600200" indent="-228600" algn="l" defTabSz="914400" rtl="0" eaLnBrk="1" latinLnBrk="0" hangingPunct="1">
+              <a:lnSpc>
+                <a:spcPct val="90000"/>
+              </a:lnSpc>
+              <a:spcBef>
+                <a:spcPts val="500"/>
+              </a:spcBef>
+              <a:buFont typeface="Arial" panose="020B0604020202020204" pitchFamily="34" charset="0"/>
+              <a:buChar char="•"/>
+              <a:defRPr sz="2800" kern="1200">
+                <a:solidFill>
+                  <a:schemeClr val="tx1"/>
+                </a:solidFill>
+                <a:latin typeface="+mn-lt"/>
+                <a:ea typeface="+mn-ea"/>
+                <a:cs typeface="+mn-cs"/>
+              </a:defRPr>
+            </a:lvl4pPr>
+            <a:lvl5pPr marL="2057400" indent="-228600" algn="l" defTabSz="914400" rtl="0" eaLnBrk="1" latinLnBrk="0" hangingPunct="1">
+              <a:lnSpc>
+                <a:spcPct val="90000"/>
+              </a:lnSpc>
+              <a:spcBef>
+                <a:spcPts val="500"/>
+              </a:spcBef>
+              <a:buFont typeface="Arial" panose="020B0604020202020204" pitchFamily="34" charset="0"/>
+              <a:buChar char="•"/>
+              <a:defRPr sz="2800" kern="1200">
+                <a:solidFill>
+                  <a:schemeClr val="tx1"/>
+                </a:solidFill>
+                <a:latin typeface="+mn-lt"/>
+                <a:ea typeface="+mn-ea"/>
+                <a:cs typeface="+mn-cs"/>
+              </a:defRPr>
+            </a:lvl5pPr>
+            <a:lvl6pPr marL="2514600" indent="-228600" algn="l" defTabSz="914400" rtl="0" eaLnBrk="1" latinLnBrk="0" hangingPunct="1">
+              <a:lnSpc>
+                <a:spcPct val="90000"/>
+              </a:lnSpc>
+              <a:spcBef>
+                <a:spcPts val="500"/>
+              </a:spcBef>
+              <a:buFont typeface="Arial" panose="020B0604020202020204" pitchFamily="34" charset="0"/>
+              <a:buChar char="•"/>
+              <a:defRPr sz="1800" kern="1200">
+                <a:solidFill>
+                  <a:schemeClr val="tx1"/>
+                </a:solidFill>
+                <a:latin typeface="+mn-lt"/>
+                <a:ea typeface="+mn-ea"/>
+                <a:cs typeface="+mn-cs"/>
+              </a:defRPr>
+            </a:lvl6pPr>
+            <a:lvl7pPr marL="2971800" indent="-228600" algn="l" defTabSz="914400" rtl="0" eaLnBrk="1" latinLnBrk="0" hangingPunct="1">
+              <a:lnSpc>
+                <a:spcPct val="90000"/>
+              </a:lnSpc>
+              <a:spcBef>
+                <a:spcPts val="500"/>
+              </a:spcBef>
+              <a:buFont typeface="Arial" panose="020B0604020202020204" pitchFamily="34" charset="0"/>
+              <a:buChar char="•"/>
+              <a:defRPr sz="1800" kern="1200">
+                <a:solidFill>
+                  <a:schemeClr val="tx1"/>
+                </a:solidFill>
+                <a:latin typeface="+mn-lt"/>
+                <a:ea typeface="+mn-ea"/>
+                <a:cs typeface="+mn-cs"/>
+              </a:defRPr>
+            </a:lvl7pPr>
+            <a:lvl8pPr marL="3429000" indent="-228600" algn="l" defTabSz="914400" rtl="0" eaLnBrk="1" latinLnBrk="0" hangingPunct="1">
+              <a:lnSpc>
+                <a:spcPct val="90000"/>
+              </a:lnSpc>
+              <a:spcBef>
+                <a:spcPts val="500"/>
+              </a:spcBef>
+              <a:buFont typeface="Arial" panose="020B0604020202020204" pitchFamily="34" charset="0"/>
+              <a:buChar char="•"/>
+              <a:defRPr sz="1800" kern="1200">
+                <a:solidFill>
+                  <a:schemeClr val="tx1"/>
+                </a:solidFill>
+                <a:latin typeface="+mn-lt"/>
+                <a:ea typeface="+mn-ea"/>
+                <a:cs typeface="+mn-cs"/>
+              </a:defRPr>
+            </a:lvl8pPr>
+            <a:lvl9pPr marL="3886200" indent="-228600" algn="l" defTabSz="914400" rtl="0" eaLnBrk="1" latinLnBrk="0" hangingPunct="1">
+              <a:lnSpc>
+                <a:spcPct val="90000"/>
+              </a:lnSpc>
+              <a:spcBef>
+                <a:spcPts val="500"/>
+              </a:spcBef>
+              <a:buFont typeface="Arial" panose="020B0604020202020204" pitchFamily="34" charset="0"/>
+              <a:buChar char="•"/>
+              <a:defRPr sz="1800" kern="1200">
+                <a:solidFill>
+                  <a:schemeClr val="tx1"/>
+                </a:solidFill>
+                <a:latin typeface="+mn-lt"/>
+                <a:ea typeface="+mn-ea"/>
+                <a:cs typeface="+mn-cs"/>
+              </a:defRPr>
+            </a:lvl9pPr>
+          </a:lstStyle>
+          <a:p>
+            <a:pPr marL="0" indent="0">
+              <a:buNone/>
+            </a:pPr>
+            <a:r>
+              <a:rPr lang="en-US" sz="4800" b="1" dirty="0" err="1"/>
+              <a:t>Terima</a:t>
+            </a:r>
+            <a:r>
+              <a:rPr lang="en-US" sz="4800" b="1" dirty="0"/>
+              <a:t> Kasih</a:t>
+            </a:r>
+          </a:p>
+        </p:txBody>
+      </p:sp>
+    </p:spTree>
+    <p:extLst>
+      <p:ext uri="{BB962C8B-B14F-4D97-AF65-F5344CB8AC3E}">
+        <p14:creationId xmlns:p14="http://schemas.microsoft.com/office/powerpoint/2010/main" val="3586234836"/>
       </p:ext>
     </p:extLst>
   </p:cSld>
@@ -12683,10 +14458,10 @@
       </p:grpSpPr>
       <p:sp>
         <p:nvSpPr>
-          <p:cNvPr id="2" name="Text Placeholder 1">
-            <a:extLst>
-              <a:ext uri="{FF2B5EF4-FFF2-40B4-BE49-F238E27FC236}">
-                <a16:creationId xmlns:a16="http://schemas.microsoft.com/office/drawing/2014/main" id="{A87E29FF-8BBE-4440-B2F3-AD0FB0AAA249}"/>
+          <p:cNvPr id="4" name="Title 3">
+            <a:extLst>
+              <a:ext uri="{FF2B5EF4-FFF2-40B4-BE49-F238E27FC236}">
+                <a16:creationId xmlns:a16="http://schemas.microsoft.com/office/drawing/2014/main" id="{90A95B4C-4D97-43EC-B0F1-67B592F03438}"/>
               </a:ext>
             </a:extLst>
           </p:cNvPr>
@@ -12694,32 +14469,85 @@
             <a:spLocks noGrp="1"/>
           </p:cNvSpPr>
           <p:nvPr>
-            <p:ph type="body" sz="quarter" idx="13"/>
+            <p:ph type="title"/>
           </p:nvPr>
         </p:nvSpPr>
+        <p:spPr/>
+        <p:txBody>
+          <a:bodyPr/>
+          <a:lstStyle/>
+          <a:p>
+            <a:r>
+              <a:rPr lang="en-US" dirty="0"/>
+              <a:t>ERD</a:t>
+            </a:r>
+          </a:p>
+        </p:txBody>
+      </p:sp>
+      <p:sp>
+        <p:nvSpPr>
+          <p:cNvPr id="5" name="Slide Number Placeholder 4">
+            <a:extLst>
+              <a:ext uri="{FF2B5EF4-FFF2-40B4-BE49-F238E27FC236}">
+                <a16:creationId xmlns:a16="http://schemas.microsoft.com/office/drawing/2014/main" id="{38082739-3EAE-4137-9BF8-609FA403F158}"/>
+              </a:ext>
+            </a:extLst>
+          </p:cNvPr>
+          <p:cNvSpPr>
+            <a:spLocks noGrp="1"/>
+          </p:cNvSpPr>
+          <p:nvPr>
+            <p:ph type="sldNum" sz="quarter" idx="12"/>
+          </p:nvPr>
+        </p:nvSpPr>
+        <p:spPr/>
+        <p:txBody>
+          <a:bodyPr/>
+          <a:lstStyle/>
+          <a:p>
+            <a:fld id="{7C03E8FC-7EBD-BF42-9ED4-90D4B1E23A24}" type="slidenum">
+              <a:rPr lang="en-US" smtClean="0"/>
+              <a:pPr/>
+              <a:t>3</a:t>
+            </a:fld>
+            <a:endParaRPr lang="en-US"/>
+          </a:p>
+        </p:txBody>
+      </p:sp>
+      <p:pic>
+        <p:nvPicPr>
+          <p:cNvPr id="23" name="Picture 22">
+            <a:extLst>
+              <a:ext uri="{FF2B5EF4-FFF2-40B4-BE49-F238E27FC236}">
+                <a16:creationId xmlns:a16="http://schemas.microsoft.com/office/drawing/2014/main" id="{4BBAA2C7-FAC1-4DAA-BD20-097FE49FE1A5}"/>
+              </a:ext>
+            </a:extLst>
+          </p:cNvPr>
+          <p:cNvPicPr>
+            <a:picLocks noChangeAspect="1"/>
+          </p:cNvPicPr>
+          <p:nvPr/>
+        </p:nvPicPr>
+        <p:blipFill>
+          <a:blip r:embed="rId2"/>
+          <a:stretch>
+            <a:fillRect/>
+          </a:stretch>
+        </p:blipFill>
         <p:spPr>
           <a:xfrm>
-            <a:off x="4781550" y="3072606"/>
-            <a:ext cx="6135688" cy="1389063"/>
-          </a:xfrm>
-        </p:spPr>
-        <p:txBody>
-          <a:bodyPr>
-            <a:normAutofit/>
-          </a:bodyPr>
-          <a:lstStyle/>
-          <a:p>
-            <a:r>
-              <a:rPr lang="en-US" sz="4800" b="1" dirty="0"/>
-              <a:t>Home</a:t>
-            </a:r>
-          </a:p>
-        </p:txBody>
-      </p:sp>
+            <a:off x="371475" y="1671637"/>
+            <a:ext cx="11449050" cy="3514725"/>
+          </a:xfrm>
+          <a:prstGeom prst="rect">
+            <a:avLst/>
+          </a:prstGeom>
+        </p:spPr>
+      </p:pic>
     </p:spTree>
     <p:extLst>
       <p:ext uri="{BB962C8B-B14F-4D97-AF65-F5344CB8AC3E}">
-        <p14:creationId xmlns:p14="http://schemas.microsoft.com/office/powerpoint/2010/main" val="283822803"/>
+        <p14:creationId xmlns:p14="http://schemas.microsoft.com/office/powerpoint/2010/main" val="3058624254"/>
       </p:ext>
     </p:extLst>
   </p:cSld>
@@ -12748,403 +14576,68 @@
       </p:grpSpPr>
       <p:sp>
         <p:nvSpPr>
-          <p:cNvPr id="9" name="TextBox 8"/>
-          <p:cNvSpPr txBox="1"/>
-          <p:nvPr/>
-        </p:nvSpPr>
-        <p:spPr>
-          <a:xfrm>
-            <a:off x="563614" y="339197"/>
-            <a:ext cx="10436079" cy="430887"/>
-          </a:xfrm>
-          <a:prstGeom prst="rect">
-            <a:avLst/>
-          </a:prstGeom>
-          <a:solidFill>
-            <a:srgbClr val="FFC000"/>
-          </a:solidFill>
-        </p:spPr>
-        <p:txBody>
-          <a:bodyPr wrap="square" tIns="91440" bIns="91440" rtlCol="0">
-            <a:spAutoFit/>
-          </a:bodyPr>
+          <p:cNvPr id="4" name="Title 3">
+            <a:extLst>
+              <a:ext uri="{FF2B5EF4-FFF2-40B4-BE49-F238E27FC236}">
+                <a16:creationId xmlns:a16="http://schemas.microsoft.com/office/drawing/2014/main" id="{90A95B4C-4D97-43EC-B0F1-67B592F03438}"/>
+              </a:ext>
+            </a:extLst>
+          </p:cNvPr>
+          <p:cNvSpPr>
+            <a:spLocks noGrp="1"/>
+          </p:cNvSpPr>
+          <p:nvPr>
+            <p:ph type="title"/>
+          </p:nvPr>
+        </p:nvSpPr>
+        <p:spPr/>
+        <p:txBody>
+          <a:bodyPr/>
           <a:lstStyle/>
           <a:p>
-            <a:pPr algn="just">
-              <a:spcAft>
-                <a:spcPts val="600"/>
-              </a:spcAft>
-            </a:pPr>
-            <a:r>
-              <a:rPr lang="en-US" sz="1600" b="1" dirty="0">
-                <a:latin typeface="Trebuchet MS" panose="020B0603020202020204" pitchFamily="34" charset="0"/>
-              </a:rPr>
-              <a:t>Home</a:t>
-            </a:r>
-          </a:p>
-        </p:txBody>
-      </p:sp>
-      <p:sp>
-        <p:nvSpPr>
-          <p:cNvPr id="11" name="TextBox 10"/>
-          <p:cNvSpPr txBox="1"/>
-          <p:nvPr/>
-        </p:nvSpPr>
-        <p:spPr>
-          <a:xfrm>
-            <a:off x="563614" y="796717"/>
-            <a:ext cx="10436078" cy="5504264"/>
-          </a:xfrm>
-          <a:prstGeom prst="rect">
-            <a:avLst/>
-          </a:prstGeom>
-          <a:noFill/>
-          <a:ln w="19050">
-            <a:solidFill>
-              <a:srgbClr val="FFC000"/>
-            </a:solidFill>
-          </a:ln>
-        </p:spPr>
-        <p:txBody>
-          <a:bodyPr wrap="square">
-            <a:spAutoFit/>
-          </a:bodyPr>
+            <a:r>
+              <a:rPr lang="en-US" dirty="0" err="1"/>
+              <a:t>Tabel</a:t>
+            </a:r>
+            <a:r>
+              <a:rPr lang="en-US" dirty="0"/>
+              <a:t> </a:t>
+            </a:r>
+            <a:r>
+              <a:rPr lang="en-US" dirty="0" err="1"/>
+              <a:t>Instruktur</a:t>
+            </a:r>
+            <a:endParaRPr lang="en-US" dirty="0"/>
+          </a:p>
+        </p:txBody>
+      </p:sp>
+      <p:sp>
+        <p:nvSpPr>
+          <p:cNvPr id="5" name="Slide Number Placeholder 4">
+            <a:extLst>
+              <a:ext uri="{FF2B5EF4-FFF2-40B4-BE49-F238E27FC236}">
+                <a16:creationId xmlns:a16="http://schemas.microsoft.com/office/drawing/2014/main" id="{38082739-3EAE-4137-9BF8-609FA403F158}"/>
+              </a:ext>
+            </a:extLst>
+          </p:cNvPr>
+          <p:cNvSpPr>
+            <a:spLocks noGrp="1"/>
+          </p:cNvSpPr>
+          <p:nvPr>
+            <p:ph type="sldNum" sz="quarter" idx="12"/>
+          </p:nvPr>
+        </p:nvSpPr>
+        <p:spPr/>
+        <p:txBody>
+          <a:bodyPr/>
           <a:lstStyle/>
           <a:p>
-            <a:pPr algn="just">
-              <a:lnSpc>
-                <a:spcPct val="120000"/>
-              </a:lnSpc>
-              <a:spcBef>
-                <a:spcPts val="0"/>
-              </a:spcBef>
-              <a:spcAft>
-                <a:spcPts val="0"/>
-              </a:spcAft>
-            </a:pPr>
-            <a:endParaRPr lang="sv-SE" sz="1400" dirty="0">
-              <a:latin typeface="Calibri" pitchFamily="34" charset="0"/>
-            </a:endParaRPr>
-          </a:p>
-          <a:p>
-            <a:pPr algn="just">
-              <a:lnSpc>
-                <a:spcPct val="120000"/>
-              </a:lnSpc>
-              <a:spcBef>
-                <a:spcPts val="0"/>
-              </a:spcBef>
-              <a:spcAft>
-                <a:spcPts val="0"/>
-              </a:spcAft>
-            </a:pPr>
-            <a:endParaRPr lang="sv-SE" sz="1400" dirty="0">
-              <a:latin typeface="Calibri" pitchFamily="34" charset="0"/>
-            </a:endParaRPr>
-          </a:p>
-          <a:p>
-            <a:pPr algn="just">
-              <a:lnSpc>
-                <a:spcPct val="120000"/>
-              </a:lnSpc>
-              <a:spcBef>
-                <a:spcPts val="0"/>
-              </a:spcBef>
-              <a:spcAft>
-                <a:spcPts val="0"/>
-              </a:spcAft>
-            </a:pPr>
-            <a:endParaRPr lang="sv-SE" sz="1400" dirty="0">
-              <a:latin typeface="Calibri" pitchFamily="34" charset="0"/>
-            </a:endParaRPr>
-          </a:p>
-          <a:p>
-            <a:pPr algn="just">
-              <a:lnSpc>
-                <a:spcPct val="120000"/>
-              </a:lnSpc>
-              <a:spcBef>
-                <a:spcPts val="0"/>
-              </a:spcBef>
-              <a:spcAft>
-                <a:spcPts val="0"/>
-              </a:spcAft>
-            </a:pPr>
-            <a:endParaRPr lang="sv-SE" sz="1400" dirty="0">
-              <a:latin typeface="Calibri" pitchFamily="34" charset="0"/>
-            </a:endParaRPr>
-          </a:p>
-          <a:p>
-            <a:pPr algn="just">
-              <a:lnSpc>
-                <a:spcPct val="120000"/>
-              </a:lnSpc>
-              <a:spcBef>
-                <a:spcPts val="0"/>
-              </a:spcBef>
-              <a:spcAft>
-                <a:spcPts val="0"/>
-              </a:spcAft>
-            </a:pPr>
-            <a:endParaRPr lang="sv-SE" sz="1400" dirty="0">
-              <a:latin typeface="Calibri" pitchFamily="34" charset="0"/>
-            </a:endParaRPr>
-          </a:p>
-          <a:p>
-            <a:pPr algn="just">
-              <a:lnSpc>
-                <a:spcPct val="120000"/>
-              </a:lnSpc>
-              <a:spcBef>
-                <a:spcPts val="0"/>
-              </a:spcBef>
-              <a:spcAft>
-                <a:spcPts val="0"/>
-              </a:spcAft>
-            </a:pPr>
-            <a:endParaRPr lang="sv-SE" sz="1400" dirty="0">
-              <a:latin typeface="Calibri" pitchFamily="34" charset="0"/>
-            </a:endParaRPr>
-          </a:p>
-          <a:p>
-            <a:pPr algn="just">
-              <a:lnSpc>
-                <a:spcPct val="120000"/>
-              </a:lnSpc>
-              <a:spcBef>
-                <a:spcPts val="0"/>
-              </a:spcBef>
-              <a:spcAft>
-                <a:spcPts val="0"/>
-              </a:spcAft>
-            </a:pPr>
-            <a:endParaRPr lang="sv-SE" sz="1400" dirty="0">
-              <a:latin typeface="Calibri" pitchFamily="34" charset="0"/>
-            </a:endParaRPr>
-          </a:p>
-          <a:p>
-            <a:pPr algn="just">
-              <a:lnSpc>
-                <a:spcPct val="120000"/>
-              </a:lnSpc>
-              <a:spcBef>
-                <a:spcPts val="0"/>
-              </a:spcBef>
-              <a:spcAft>
-                <a:spcPts val="0"/>
-              </a:spcAft>
-            </a:pPr>
-            <a:endParaRPr lang="sv-SE" sz="1400" dirty="0">
-              <a:latin typeface="Calibri" pitchFamily="34" charset="0"/>
-            </a:endParaRPr>
-          </a:p>
-          <a:p>
-            <a:pPr algn="just">
-              <a:lnSpc>
-                <a:spcPct val="120000"/>
-              </a:lnSpc>
-              <a:spcBef>
-                <a:spcPts val="0"/>
-              </a:spcBef>
-              <a:spcAft>
-                <a:spcPts val="0"/>
-              </a:spcAft>
-            </a:pPr>
-            <a:endParaRPr lang="sv-SE" sz="1400" dirty="0">
-              <a:latin typeface="Calibri" pitchFamily="34" charset="0"/>
-            </a:endParaRPr>
-          </a:p>
-          <a:p>
-            <a:pPr algn="just">
-              <a:lnSpc>
-                <a:spcPct val="120000"/>
-              </a:lnSpc>
-              <a:spcBef>
-                <a:spcPts val="0"/>
-              </a:spcBef>
-              <a:spcAft>
-                <a:spcPts val="0"/>
-              </a:spcAft>
-            </a:pPr>
-            <a:endParaRPr lang="sv-SE" sz="1400" dirty="0">
-              <a:latin typeface="Calibri" pitchFamily="34" charset="0"/>
-            </a:endParaRPr>
-          </a:p>
-          <a:p>
-            <a:pPr algn="just">
-              <a:lnSpc>
-                <a:spcPct val="120000"/>
-              </a:lnSpc>
-              <a:spcBef>
-                <a:spcPts val="0"/>
-              </a:spcBef>
-              <a:spcAft>
-                <a:spcPts val="0"/>
-              </a:spcAft>
-            </a:pPr>
-            <a:endParaRPr lang="sv-SE" sz="1400" dirty="0">
-              <a:latin typeface="Calibri" pitchFamily="34" charset="0"/>
-            </a:endParaRPr>
-          </a:p>
-          <a:p>
-            <a:pPr algn="just">
-              <a:lnSpc>
-                <a:spcPct val="120000"/>
-              </a:lnSpc>
-              <a:spcBef>
-                <a:spcPts val="0"/>
-              </a:spcBef>
-              <a:spcAft>
-                <a:spcPts val="0"/>
-              </a:spcAft>
-            </a:pPr>
-            <a:endParaRPr lang="sv-SE" sz="1400" dirty="0">
-              <a:latin typeface="Calibri" pitchFamily="34" charset="0"/>
-            </a:endParaRPr>
-          </a:p>
-          <a:p>
-            <a:pPr algn="just">
-              <a:lnSpc>
-                <a:spcPct val="120000"/>
-              </a:lnSpc>
-              <a:spcBef>
-                <a:spcPts val="0"/>
-              </a:spcBef>
-              <a:spcAft>
-                <a:spcPts val="0"/>
-              </a:spcAft>
-            </a:pPr>
-            <a:endParaRPr lang="sv-SE" sz="1400" dirty="0">
-              <a:latin typeface="Calibri" pitchFamily="34" charset="0"/>
-            </a:endParaRPr>
-          </a:p>
-          <a:p>
-            <a:pPr algn="just">
-              <a:lnSpc>
-                <a:spcPct val="120000"/>
-              </a:lnSpc>
-              <a:spcBef>
-                <a:spcPts val="0"/>
-              </a:spcBef>
-              <a:spcAft>
-                <a:spcPts val="0"/>
-              </a:spcAft>
-            </a:pPr>
-            <a:endParaRPr lang="sv-SE" sz="1400" dirty="0">
-              <a:latin typeface="Calibri" pitchFamily="34" charset="0"/>
-            </a:endParaRPr>
-          </a:p>
-          <a:p>
-            <a:pPr algn="just">
-              <a:lnSpc>
-                <a:spcPct val="120000"/>
-              </a:lnSpc>
-              <a:spcBef>
-                <a:spcPts val="0"/>
-              </a:spcBef>
-              <a:spcAft>
-                <a:spcPts val="0"/>
-              </a:spcAft>
-            </a:pPr>
-            <a:endParaRPr lang="sv-SE" sz="1400" dirty="0">
-              <a:latin typeface="Calibri" pitchFamily="34" charset="0"/>
-            </a:endParaRPr>
-          </a:p>
-          <a:p>
-            <a:pPr algn="just">
-              <a:lnSpc>
-                <a:spcPct val="120000"/>
-              </a:lnSpc>
-              <a:spcBef>
-                <a:spcPts val="0"/>
-              </a:spcBef>
-              <a:spcAft>
-                <a:spcPts val="0"/>
-              </a:spcAft>
-            </a:pPr>
-            <a:endParaRPr lang="sv-SE" sz="1400" dirty="0">
-              <a:latin typeface="Calibri" pitchFamily="34" charset="0"/>
-            </a:endParaRPr>
-          </a:p>
-          <a:p>
-            <a:pPr algn="just">
-              <a:lnSpc>
-                <a:spcPct val="120000"/>
-              </a:lnSpc>
-              <a:spcBef>
-                <a:spcPts val="0"/>
-              </a:spcBef>
-              <a:spcAft>
-                <a:spcPts val="0"/>
-              </a:spcAft>
-            </a:pPr>
-            <a:endParaRPr lang="sv-SE" sz="1400" dirty="0">
-              <a:latin typeface="Calibri" pitchFamily="34" charset="0"/>
-            </a:endParaRPr>
-          </a:p>
-          <a:p>
-            <a:pPr algn="just">
-              <a:lnSpc>
-                <a:spcPct val="120000"/>
-              </a:lnSpc>
-              <a:spcBef>
-                <a:spcPts val="0"/>
-              </a:spcBef>
-              <a:spcAft>
-                <a:spcPts val="0"/>
-              </a:spcAft>
-            </a:pPr>
-            <a:endParaRPr lang="sv-SE" sz="1400" dirty="0">
-              <a:latin typeface="Calibri" pitchFamily="34" charset="0"/>
-            </a:endParaRPr>
-          </a:p>
-          <a:p>
-            <a:pPr algn="just">
-              <a:lnSpc>
-                <a:spcPct val="120000"/>
-              </a:lnSpc>
-              <a:spcBef>
-                <a:spcPts val="0"/>
-              </a:spcBef>
-              <a:spcAft>
-                <a:spcPts val="0"/>
-              </a:spcAft>
-            </a:pPr>
-            <a:endParaRPr lang="sv-SE" sz="1400" dirty="0">
-              <a:latin typeface="Calibri" pitchFamily="34" charset="0"/>
-            </a:endParaRPr>
-          </a:p>
-          <a:p>
-            <a:pPr algn="just">
-              <a:lnSpc>
-                <a:spcPct val="120000"/>
-              </a:lnSpc>
-              <a:spcBef>
-                <a:spcPts val="0"/>
-              </a:spcBef>
-              <a:spcAft>
-                <a:spcPts val="0"/>
-              </a:spcAft>
-            </a:pPr>
-            <a:endParaRPr lang="sv-SE" sz="1400" dirty="0">
-              <a:latin typeface="Calibri" pitchFamily="34" charset="0"/>
-            </a:endParaRPr>
-          </a:p>
-          <a:p>
-            <a:pPr algn="just">
-              <a:lnSpc>
-                <a:spcPct val="120000"/>
-              </a:lnSpc>
-              <a:spcBef>
-                <a:spcPts val="0"/>
-              </a:spcBef>
-              <a:spcAft>
-                <a:spcPts val="0"/>
-              </a:spcAft>
-            </a:pPr>
-            <a:endParaRPr lang="sv-SE" sz="1400" dirty="0">
-              <a:latin typeface="Calibri" pitchFamily="34" charset="0"/>
-            </a:endParaRPr>
+            <a:fld id="{7C03E8FC-7EBD-BF42-9ED4-90D4B1E23A24}" type="slidenum">
+              <a:rPr lang="en-US" smtClean="0"/>
+              <a:pPr/>
+              <a:t>4</a:t>
+            </a:fld>
+            <a:endParaRPr lang="en-US"/>
           </a:p>
         </p:txBody>
       </p:sp>
@@ -13153,7 +14646,7 @@
           <p:cNvPr id="3" name="Picture 2">
             <a:extLst>
               <a:ext uri="{FF2B5EF4-FFF2-40B4-BE49-F238E27FC236}">
-                <a16:creationId xmlns:a16="http://schemas.microsoft.com/office/drawing/2014/main" id="{FC4BE248-FA49-473E-B673-760095D200A1}"/>
+                <a16:creationId xmlns:a16="http://schemas.microsoft.com/office/drawing/2014/main" id="{3DAEDC54-DB3F-4270-A61F-5947AFE80EFA}"/>
               </a:ext>
             </a:extLst>
           </p:cNvPr>
@@ -13170,68 +14663,8 @@
         </p:blipFill>
         <p:spPr>
           <a:xfrm>
-            <a:off x="1192308" y="1143898"/>
-            <a:ext cx="2559892" cy="4570203"/>
-          </a:xfrm>
-          <a:prstGeom prst="rect">
-            <a:avLst/>
-          </a:prstGeom>
-        </p:spPr>
-      </p:pic>
-      <p:pic>
-        <p:nvPicPr>
-          <p:cNvPr id="5" name="Picture 4">
-            <a:extLst>
-              <a:ext uri="{FF2B5EF4-FFF2-40B4-BE49-F238E27FC236}">
-                <a16:creationId xmlns:a16="http://schemas.microsoft.com/office/drawing/2014/main" id="{9BEAD115-B08E-43DD-9D95-F49EDDFEDB54}"/>
-              </a:ext>
-            </a:extLst>
-          </p:cNvPr>
-          <p:cNvPicPr>
-            <a:picLocks noChangeAspect="1"/>
-          </p:cNvPicPr>
-          <p:nvPr/>
-        </p:nvPicPr>
-        <p:blipFill>
-          <a:blip r:embed="rId3"/>
-          <a:stretch>
-            <a:fillRect/>
-          </a:stretch>
-        </p:blipFill>
-        <p:spPr>
-          <a:xfrm>
-            <a:off x="4380894" y="1143898"/>
-            <a:ext cx="2579592" cy="4570203"/>
-          </a:xfrm>
-          <a:prstGeom prst="rect">
-            <a:avLst/>
-          </a:prstGeom>
-        </p:spPr>
-      </p:pic>
-      <p:pic>
-        <p:nvPicPr>
-          <p:cNvPr id="10" name="Picture 9">
-            <a:extLst>
-              <a:ext uri="{FF2B5EF4-FFF2-40B4-BE49-F238E27FC236}">
-                <a16:creationId xmlns:a16="http://schemas.microsoft.com/office/drawing/2014/main" id="{664A0051-891A-483C-A0E9-9B81A2DA1876}"/>
-              </a:ext>
-            </a:extLst>
-          </p:cNvPr>
-          <p:cNvPicPr>
-            <a:picLocks noChangeAspect="1"/>
-          </p:cNvPicPr>
-          <p:nvPr/>
-        </p:nvPicPr>
-        <p:blipFill>
-          <a:blip r:embed="rId4"/>
-          <a:stretch>
-            <a:fillRect/>
-          </a:stretch>
-        </p:blipFill>
-        <p:spPr>
-          <a:xfrm>
-            <a:off x="7681150" y="1143897"/>
-            <a:ext cx="2597877" cy="4570203"/>
+            <a:off x="2214562" y="2628900"/>
+            <a:ext cx="7762875" cy="1600200"/>
           </a:xfrm>
           <a:prstGeom prst="rect">
             <a:avLst/>
@@ -13241,7 +14674,7 @@
     </p:spTree>
     <p:extLst>
       <p:ext uri="{BB962C8B-B14F-4D97-AF65-F5344CB8AC3E}">
-        <p14:creationId xmlns:p14="http://schemas.microsoft.com/office/powerpoint/2010/main" val="101422534"/>
+        <p14:creationId xmlns:p14="http://schemas.microsoft.com/office/powerpoint/2010/main" val="3316791898"/>
       </p:ext>
     </p:extLst>
   </p:cSld>
@@ -13270,10 +14703,10 @@
       </p:grpSpPr>
       <p:sp>
         <p:nvSpPr>
-          <p:cNvPr id="2" name="Text Placeholder 1">
-            <a:extLst>
-              <a:ext uri="{FF2B5EF4-FFF2-40B4-BE49-F238E27FC236}">
-                <a16:creationId xmlns:a16="http://schemas.microsoft.com/office/drawing/2014/main" id="{A87E29FF-8BBE-4440-B2F3-AD0FB0AAA249}"/>
+          <p:cNvPr id="4" name="Title 3">
+            <a:extLst>
+              <a:ext uri="{FF2B5EF4-FFF2-40B4-BE49-F238E27FC236}">
+                <a16:creationId xmlns:a16="http://schemas.microsoft.com/office/drawing/2014/main" id="{90A95B4C-4D97-43EC-B0F1-67B592F03438}"/>
               </a:ext>
             </a:extLst>
           </p:cNvPr>
@@ -13281,33 +14714,94 @@
             <a:spLocks noGrp="1"/>
           </p:cNvSpPr>
           <p:nvPr>
-            <p:ph type="body" sz="quarter" idx="13"/>
+            <p:ph type="title"/>
           </p:nvPr>
         </p:nvSpPr>
+        <p:spPr/>
+        <p:txBody>
+          <a:bodyPr/>
+          <a:lstStyle/>
+          <a:p>
+            <a:r>
+              <a:rPr lang="en-US" dirty="0" err="1"/>
+              <a:t>Tabel</a:t>
+            </a:r>
+            <a:r>
+              <a:rPr lang="en-US" dirty="0"/>
+              <a:t> </a:t>
+            </a:r>
+            <a:r>
+              <a:rPr lang="en-US" dirty="0" err="1"/>
+              <a:t>Materi</a:t>
+            </a:r>
+            <a:endParaRPr lang="en-US" dirty="0"/>
+          </a:p>
+        </p:txBody>
+      </p:sp>
+      <p:sp>
+        <p:nvSpPr>
+          <p:cNvPr id="5" name="Slide Number Placeholder 4">
+            <a:extLst>
+              <a:ext uri="{FF2B5EF4-FFF2-40B4-BE49-F238E27FC236}">
+                <a16:creationId xmlns:a16="http://schemas.microsoft.com/office/drawing/2014/main" id="{38082739-3EAE-4137-9BF8-609FA403F158}"/>
+              </a:ext>
+            </a:extLst>
+          </p:cNvPr>
+          <p:cNvSpPr>
+            <a:spLocks noGrp="1"/>
+          </p:cNvSpPr>
+          <p:nvPr>
+            <p:ph type="sldNum" sz="quarter" idx="12"/>
+          </p:nvPr>
+        </p:nvSpPr>
+        <p:spPr/>
+        <p:txBody>
+          <a:bodyPr/>
+          <a:lstStyle/>
+          <a:p>
+            <a:fld id="{7C03E8FC-7EBD-BF42-9ED4-90D4B1E23A24}" type="slidenum">
+              <a:rPr lang="en-US" smtClean="0"/>
+              <a:pPr/>
+              <a:t>5</a:t>
+            </a:fld>
+            <a:endParaRPr lang="en-US"/>
+          </a:p>
+        </p:txBody>
+      </p:sp>
+      <p:pic>
+        <p:nvPicPr>
+          <p:cNvPr id="6" name="Picture 5">
+            <a:extLst>
+              <a:ext uri="{FF2B5EF4-FFF2-40B4-BE49-F238E27FC236}">
+                <a16:creationId xmlns:a16="http://schemas.microsoft.com/office/drawing/2014/main" id="{38F284AA-83B8-4188-AF73-783CF93B1872}"/>
+              </a:ext>
+            </a:extLst>
+          </p:cNvPr>
+          <p:cNvPicPr>
+            <a:picLocks noChangeAspect="1"/>
+          </p:cNvPicPr>
+          <p:nvPr/>
+        </p:nvPicPr>
+        <p:blipFill>
+          <a:blip r:embed="rId2"/>
+          <a:stretch>
+            <a:fillRect/>
+          </a:stretch>
+        </p:blipFill>
         <p:spPr>
           <a:xfrm>
-            <a:off x="4781550" y="3072606"/>
-            <a:ext cx="6135688" cy="1389063"/>
-          </a:xfrm>
-        </p:spPr>
-        <p:txBody>
-          <a:bodyPr>
-            <a:normAutofit/>
-          </a:bodyPr>
-          <a:lstStyle/>
-          <a:p>
-            <a:r>
-              <a:rPr lang="en-US" sz="4800" b="1" dirty="0" err="1"/>
-              <a:t>Instruktur</a:t>
-            </a:r>
-            <a:endParaRPr lang="en-US" sz="4800" b="1" dirty="0"/>
-          </a:p>
-        </p:txBody>
-      </p:sp>
+            <a:off x="1591540" y="2867025"/>
+            <a:ext cx="8239125" cy="1123950"/>
+          </a:xfrm>
+          <a:prstGeom prst="rect">
+            <a:avLst/>
+          </a:prstGeom>
+        </p:spPr>
+      </p:pic>
     </p:spTree>
     <p:extLst>
       <p:ext uri="{BB962C8B-B14F-4D97-AF65-F5344CB8AC3E}">
-        <p14:creationId xmlns:p14="http://schemas.microsoft.com/office/powerpoint/2010/main" val="4213343761"/>
+        <p14:creationId xmlns:p14="http://schemas.microsoft.com/office/powerpoint/2010/main" val="1002685010"/>
       </p:ext>
     </p:extLst>
   </p:cSld>
@@ -13336,415 +14830,77 @@
       </p:grpSpPr>
       <p:sp>
         <p:nvSpPr>
-          <p:cNvPr id="9" name="TextBox 8"/>
-          <p:cNvSpPr txBox="1"/>
-          <p:nvPr/>
-        </p:nvSpPr>
-        <p:spPr>
-          <a:xfrm>
-            <a:off x="563614" y="312564"/>
-            <a:ext cx="10436079" cy="430887"/>
-          </a:xfrm>
-          <a:prstGeom prst="rect">
-            <a:avLst/>
-          </a:prstGeom>
-          <a:solidFill>
-            <a:srgbClr val="FFC000"/>
-          </a:solidFill>
-        </p:spPr>
-        <p:txBody>
-          <a:bodyPr wrap="square" tIns="91440" bIns="91440" rtlCol="0">
-            <a:spAutoFit/>
-          </a:bodyPr>
+          <p:cNvPr id="4" name="Title 3">
+            <a:extLst>
+              <a:ext uri="{FF2B5EF4-FFF2-40B4-BE49-F238E27FC236}">
+                <a16:creationId xmlns:a16="http://schemas.microsoft.com/office/drawing/2014/main" id="{90A95B4C-4D97-43EC-B0F1-67B592F03438}"/>
+              </a:ext>
+            </a:extLst>
+          </p:cNvPr>
+          <p:cNvSpPr>
+            <a:spLocks noGrp="1"/>
+          </p:cNvSpPr>
+          <p:nvPr>
+            <p:ph type="title"/>
+          </p:nvPr>
+        </p:nvSpPr>
+        <p:spPr/>
+        <p:txBody>
+          <a:bodyPr/>
           <a:lstStyle/>
           <a:p>
-            <a:pPr algn="just">
-              <a:spcAft>
-                <a:spcPts val="600"/>
-              </a:spcAft>
-            </a:pPr>
-            <a:r>
-              <a:rPr lang="en-US" sz="1600" b="1" dirty="0" err="1">
-                <a:latin typeface="Trebuchet MS" panose="020B0603020202020204" pitchFamily="34" charset="0"/>
-              </a:rPr>
-              <a:t>Instruktur</a:t>
-            </a:r>
-            <a:endParaRPr lang="en-US" sz="1600" b="1" dirty="0">
-              <a:latin typeface="Trebuchet MS" panose="020B0603020202020204" pitchFamily="34" charset="0"/>
-            </a:endParaRPr>
-          </a:p>
-        </p:txBody>
-      </p:sp>
-      <p:sp>
-        <p:nvSpPr>
-          <p:cNvPr id="11" name="TextBox 10"/>
-          <p:cNvSpPr txBox="1"/>
-          <p:nvPr/>
-        </p:nvSpPr>
-        <p:spPr>
-          <a:xfrm>
-            <a:off x="563614" y="796717"/>
-            <a:ext cx="10436078" cy="5504264"/>
-          </a:xfrm>
-          <a:prstGeom prst="rect">
-            <a:avLst/>
-          </a:prstGeom>
-          <a:noFill/>
-          <a:ln w="19050">
-            <a:solidFill>
-              <a:srgbClr val="FFC000"/>
-            </a:solidFill>
-          </a:ln>
-        </p:spPr>
-        <p:txBody>
-          <a:bodyPr wrap="square">
-            <a:spAutoFit/>
-          </a:bodyPr>
+            <a:r>
+              <a:rPr lang="en-US" dirty="0" err="1"/>
+              <a:t>Tabel</a:t>
+            </a:r>
+            <a:r>
+              <a:rPr lang="en-US" dirty="0"/>
+              <a:t> </a:t>
+            </a:r>
+            <a:r>
+              <a:rPr lang="en-US" dirty="0" err="1"/>
+              <a:t>Peserta</a:t>
+            </a:r>
+            <a:endParaRPr lang="en-US" dirty="0"/>
+          </a:p>
+        </p:txBody>
+      </p:sp>
+      <p:sp>
+        <p:nvSpPr>
+          <p:cNvPr id="5" name="Slide Number Placeholder 4">
+            <a:extLst>
+              <a:ext uri="{FF2B5EF4-FFF2-40B4-BE49-F238E27FC236}">
+                <a16:creationId xmlns:a16="http://schemas.microsoft.com/office/drawing/2014/main" id="{38082739-3EAE-4137-9BF8-609FA403F158}"/>
+              </a:ext>
+            </a:extLst>
+          </p:cNvPr>
+          <p:cNvSpPr>
+            <a:spLocks noGrp="1"/>
+          </p:cNvSpPr>
+          <p:nvPr>
+            <p:ph type="sldNum" sz="quarter" idx="12"/>
+          </p:nvPr>
+        </p:nvSpPr>
+        <p:spPr/>
+        <p:txBody>
+          <a:bodyPr/>
           <a:lstStyle/>
           <a:p>
-            <a:pPr algn="just">
-              <a:lnSpc>
-                <a:spcPct val="120000"/>
-              </a:lnSpc>
-              <a:spcBef>
-                <a:spcPts val="0"/>
-              </a:spcBef>
-              <a:spcAft>
-                <a:spcPts val="0"/>
-              </a:spcAft>
-            </a:pPr>
-            <a:endParaRPr lang="sv-SE" sz="1400" dirty="0">
-              <a:latin typeface="Calibri" pitchFamily="34" charset="0"/>
-            </a:endParaRPr>
-          </a:p>
-          <a:p>
-            <a:pPr algn="just">
-              <a:lnSpc>
-                <a:spcPct val="120000"/>
-              </a:lnSpc>
-              <a:spcBef>
-                <a:spcPts val="0"/>
-              </a:spcBef>
-              <a:spcAft>
-                <a:spcPts val="0"/>
-              </a:spcAft>
-            </a:pPr>
-            <a:endParaRPr lang="sv-SE" sz="1400" dirty="0">
-              <a:latin typeface="Calibri" pitchFamily="34" charset="0"/>
-            </a:endParaRPr>
-          </a:p>
-          <a:p>
-            <a:pPr algn="just">
-              <a:lnSpc>
-                <a:spcPct val="120000"/>
-              </a:lnSpc>
-              <a:spcBef>
-                <a:spcPts val="0"/>
-              </a:spcBef>
-              <a:spcAft>
-                <a:spcPts val="0"/>
-              </a:spcAft>
-            </a:pPr>
-            <a:endParaRPr lang="sv-SE" sz="1400" dirty="0">
-              <a:latin typeface="Calibri" pitchFamily="34" charset="0"/>
-            </a:endParaRPr>
-          </a:p>
-          <a:p>
-            <a:pPr algn="just">
-              <a:lnSpc>
-                <a:spcPct val="120000"/>
-              </a:lnSpc>
-              <a:spcBef>
-                <a:spcPts val="0"/>
-              </a:spcBef>
-              <a:spcAft>
-                <a:spcPts val="0"/>
-              </a:spcAft>
-            </a:pPr>
-            <a:endParaRPr lang="sv-SE" sz="1400" dirty="0">
-              <a:latin typeface="Calibri" pitchFamily="34" charset="0"/>
-            </a:endParaRPr>
-          </a:p>
-          <a:p>
-            <a:pPr algn="just">
-              <a:lnSpc>
-                <a:spcPct val="120000"/>
-              </a:lnSpc>
-              <a:spcBef>
-                <a:spcPts val="0"/>
-              </a:spcBef>
-              <a:spcAft>
-                <a:spcPts val="0"/>
-              </a:spcAft>
-            </a:pPr>
-            <a:endParaRPr lang="sv-SE" sz="1400" dirty="0">
-              <a:latin typeface="Calibri" pitchFamily="34" charset="0"/>
-            </a:endParaRPr>
-          </a:p>
-          <a:p>
-            <a:pPr algn="just">
-              <a:lnSpc>
-                <a:spcPct val="120000"/>
-              </a:lnSpc>
-              <a:spcBef>
-                <a:spcPts val="0"/>
-              </a:spcBef>
-              <a:spcAft>
-                <a:spcPts val="0"/>
-              </a:spcAft>
-            </a:pPr>
-            <a:endParaRPr lang="sv-SE" sz="1400" dirty="0">
-              <a:latin typeface="Calibri" pitchFamily="34" charset="0"/>
-            </a:endParaRPr>
-          </a:p>
-          <a:p>
-            <a:pPr algn="just">
-              <a:lnSpc>
-                <a:spcPct val="120000"/>
-              </a:lnSpc>
-              <a:spcBef>
-                <a:spcPts val="0"/>
-              </a:spcBef>
-              <a:spcAft>
-                <a:spcPts val="0"/>
-              </a:spcAft>
-            </a:pPr>
-            <a:endParaRPr lang="sv-SE" sz="1400" dirty="0">
-              <a:latin typeface="Calibri" pitchFamily="34" charset="0"/>
-            </a:endParaRPr>
-          </a:p>
-          <a:p>
-            <a:pPr algn="just">
-              <a:lnSpc>
-                <a:spcPct val="120000"/>
-              </a:lnSpc>
-              <a:spcBef>
-                <a:spcPts val="0"/>
-              </a:spcBef>
-              <a:spcAft>
-                <a:spcPts val="0"/>
-              </a:spcAft>
-            </a:pPr>
-            <a:endParaRPr lang="sv-SE" sz="1400" dirty="0">
-              <a:latin typeface="Calibri" pitchFamily="34" charset="0"/>
-            </a:endParaRPr>
-          </a:p>
-          <a:p>
-            <a:pPr algn="just">
-              <a:lnSpc>
-                <a:spcPct val="120000"/>
-              </a:lnSpc>
-              <a:spcBef>
-                <a:spcPts val="0"/>
-              </a:spcBef>
-              <a:spcAft>
-                <a:spcPts val="0"/>
-              </a:spcAft>
-            </a:pPr>
-            <a:endParaRPr lang="sv-SE" sz="1400" dirty="0">
-              <a:latin typeface="Calibri" pitchFamily="34" charset="0"/>
-            </a:endParaRPr>
-          </a:p>
-          <a:p>
-            <a:pPr algn="just">
-              <a:lnSpc>
-                <a:spcPct val="120000"/>
-              </a:lnSpc>
-              <a:spcBef>
-                <a:spcPts val="0"/>
-              </a:spcBef>
-              <a:spcAft>
-                <a:spcPts val="0"/>
-              </a:spcAft>
-            </a:pPr>
-            <a:endParaRPr lang="sv-SE" sz="1400" dirty="0">
-              <a:latin typeface="Calibri" pitchFamily="34" charset="0"/>
-            </a:endParaRPr>
-          </a:p>
-          <a:p>
-            <a:pPr algn="just">
-              <a:lnSpc>
-                <a:spcPct val="120000"/>
-              </a:lnSpc>
-              <a:spcBef>
-                <a:spcPts val="0"/>
-              </a:spcBef>
-              <a:spcAft>
-                <a:spcPts val="0"/>
-              </a:spcAft>
-            </a:pPr>
-            <a:endParaRPr lang="sv-SE" sz="1400" dirty="0">
-              <a:latin typeface="Calibri" pitchFamily="34" charset="0"/>
-            </a:endParaRPr>
-          </a:p>
-          <a:p>
-            <a:pPr algn="just">
-              <a:lnSpc>
-                <a:spcPct val="120000"/>
-              </a:lnSpc>
-              <a:spcBef>
-                <a:spcPts val="0"/>
-              </a:spcBef>
-              <a:spcAft>
-                <a:spcPts val="0"/>
-              </a:spcAft>
-            </a:pPr>
-            <a:endParaRPr lang="sv-SE" sz="1400" dirty="0">
-              <a:latin typeface="Calibri" pitchFamily="34" charset="0"/>
-            </a:endParaRPr>
-          </a:p>
-          <a:p>
-            <a:pPr algn="just">
-              <a:lnSpc>
-                <a:spcPct val="120000"/>
-              </a:lnSpc>
-              <a:spcBef>
-                <a:spcPts val="0"/>
-              </a:spcBef>
-              <a:spcAft>
-                <a:spcPts val="0"/>
-              </a:spcAft>
-            </a:pPr>
-            <a:endParaRPr lang="sv-SE" sz="1400" dirty="0">
-              <a:latin typeface="Calibri" pitchFamily="34" charset="0"/>
-            </a:endParaRPr>
-          </a:p>
-          <a:p>
-            <a:pPr algn="just">
-              <a:lnSpc>
-                <a:spcPct val="120000"/>
-              </a:lnSpc>
-              <a:spcBef>
-                <a:spcPts val="0"/>
-              </a:spcBef>
-              <a:spcAft>
-                <a:spcPts val="0"/>
-              </a:spcAft>
-            </a:pPr>
-            <a:endParaRPr lang="sv-SE" sz="1400" dirty="0">
-              <a:latin typeface="Calibri" pitchFamily="34" charset="0"/>
-            </a:endParaRPr>
-          </a:p>
-          <a:p>
-            <a:pPr algn="just">
-              <a:lnSpc>
-                <a:spcPct val="120000"/>
-              </a:lnSpc>
-              <a:spcBef>
-                <a:spcPts val="0"/>
-              </a:spcBef>
-              <a:spcAft>
-                <a:spcPts val="0"/>
-              </a:spcAft>
-            </a:pPr>
-            <a:endParaRPr lang="sv-SE" sz="1400" dirty="0">
-              <a:latin typeface="Calibri" pitchFamily="34" charset="0"/>
-            </a:endParaRPr>
-          </a:p>
-          <a:p>
-            <a:pPr algn="just">
-              <a:lnSpc>
-                <a:spcPct val="120000"/>
-              </a:lnSpc>
-              <a:spcBef>
-                <a:spcPts val="0"/>
-              </a:spcBef>
-              <a:spcAft>
-                <a:spcPts val="0"/>
-              </a:spcAft>
-            </a:pPr>
-            <a:endParaRPr lang="sv-SE" sz="1400" dirty="0">
-              <a:latin typeface="Calibri" pitchFamily="34" charset="0"/>
-            </a:endParaRPr>
-          </a:p>
-          <a:p>
-            <a:pPr algn="just">
-              <a:lnSpc>
-                <a:spcPct val="120000"/>
-              </a:lnSpc>
-              <a:spcBef>
-                <a:spcPts val="0"/>
-              </a:spcBef>
-              <a:spcAft>
-                <a:spcPts val="0"/>
-              </a:spcAft>
-            </a:pPr>
-            <a:endParaRPr lang="sv-SE" sz="1400" dirty="0">
-              <a:latin typeface="Calibri" pitchFamily="34" charset="0"/>
-            </a:endParaRPr>
-          </a:p>
-          <a:p>
-            <a:pPr algn="just">
-              <a:lnSpc>
-                <a:spcPct val="120000"/>
-              </a:lnSpc>
-              <a:spcBef>
-                <a:spcPts val="0"/>
-              </a:spcBef>
-              <a:spcAft>
-                <a:spcPts val="0"/>
-              </a:spcAft>
-            </a:pPr>
-            <a:endParaRPr lang="sv-SE" sz="1400" dirty="0">
-              <a:latin typeface="Calibri" pitchFamily="34" charset="0"/>
-            </a:endParaRPr>
-          </a:p>
-          <a:p>
-            <a:pPr algn="just">
-              <a:lnSpc>
-                <a:spcPct val="120000"/>
-              </a:lnSpc>
-              <a:spcBef>
-                <a:spcPts val="0"/>
-              </a:spcBef>
-              <a:spcAft>
-                <a:spcPts val="0"/>
-              </a:spcAft>
-            </a:pPr>
-            <a:endParaRPr lang="sv-SE" sz="1400" dirty="0">
-              <a:latin typeface="Calibri" pitchFamily="34" charset="0"/>
-            </a:endParaRPr>
-          </a:p>
-          <a:p>
-            <a:pPr algn="just">
-              <a:lnSpc>
-                <a:spcPct val="120000"/>
-              </a:lnSpc>
-              <a:spcBef>
-                <a:spcPts val="0"/>
-              </a:spcBef>
-              <a:spcAft>
-                <a:spcPts val="0"/>
-              </a:spcAft>
-            </a:pPr>
-            <a:endParaRPr lang="sv-SE" sz="1400" dirty="0">
-              <a:latin typeface="Calibri" pitchFamily="34" charset="0"/>
-            </a:endParaRPr>
-          </a:p>
-          <a:p>
-            <a:pPr algn="just">
-              <a:lnSpc>
-                <a:spcPct val="120000"/>
-              </a:lnSpc>
-              <a:spcBef>
-                <a:spcPts val="0"/>
-              </a:spcBef>
-              <a:spcAft>
-                <a:spcPts val="0"/>
-              </a:spcAft>
-            </a:pPr>
-            <a:endParaRPr lang="sv-SE" sz="1400" dirty="0">
-              <a:latin typeface="Calibri" pitchFamily="34" charset="0"/>
-            </a:endParaRPr>
+            <a:fld id="{7C03E8FC-7EBD-BF42-9ED4-90D4B1E23A24}" type="slidenum">
+              <a:rPr lang="en-US" smtClean="0"/>
+              <a:pPr/>
+              <a:t>6</a:t>
+            </a:fld>
+            <a:endParaRPr lang="en-US"/>
           </a:p>
         </p:txBody>
       </p:sp>
       <p:pic>
         <p:nvPicPr>
-          <p:cNvPr id="3" name="Picture 2">
-            <a:extLst>
-              <a:ext uri="{FF2B5EF4-FFF2-40B4-BE49-F238E27FC236}">
-                <a16:creationId xmlns:a16="http://schemas.microsoft.com/office/drawing/2014/main" id="{7EE27497-4BC0-415D-A020-B3E60CE69111}"/>
+          <p:cNvPr id="6" name="Picture 5">
+            <a:extLst>
+              <a:ext uri="{FF2B5EF4-FFF2-40B4-BE49-F238E27FC236}">
+                <a16:creationId xmlns:a16="http://schemas.microsoft.com/office/drawing/2014/main" id="{C8CB6BF1-A828-4295-B7B1-EFAAA8998194}"/>
               </a:ext>
             </a:extLst>
           </p:cNvPr>
@@ -13761,68 +14917,8 @@
         </p:blipFill>
         <p:spPr>
           <a:xfrm>
-            <a:off x="895434" y="1048768"/>
-            <a:ext cx="2797337" cy="4969481"/>
-          </a:xfrm>
-          <a:prstGeom prst="rect">
-            <a:avLst/>
-          </a:prstGeom>
-        </p:spPr>
-      </p:pic>
-      <p:pic>
-        <p:nvPicPr>
-          <p:cNvPr id="5" name="Picture 4">
-            <a:extLst>
-              <a:ext uri="{FF2B5EF4-FFF2-40B4-BE49-F238E27FC236}">
-                <a16:creationId xmlns:a16="http://schemas.microsoft.com/office/drawing/2014/main" id="{26E7C080-7B0D-4C26-9552-CA615E9CA18F}"/>
-              </a:ext>
-            </a:extLst>
-          </p:cNvPr>
-          <p:cNvPicPr>
-            <a:picLocks noChangeAspect="1"/>
-          </p:cNvPicPr>
-          <p:nvPr/>
-        </p:nvPicPr>
-        <p:blipFill>
-          <a:blip r:embed="rId3"/>
-          <a:stretch>
-            <a:fillRect/>
-          </a:stretch>
-        </p:blipFill>
-        <p:spPr>
-          <a:xfrm>
-            <a:off x="4396450" y="1048767"/>
-            <a:ext cx="2805352" cy="4969481"/>
-          </a:xfrm>
-          <a:prstGeom prst="rect">
-            <a:avLst/>
-          </a:prstGeom>
-        </p:spPr>
-      </p:pic>
-      <p:pic>
-        <p:nvPicPr>
-          <p:cNvPr id="7" name="Picture 6">
-            <a:extLst>
-              <a:ext uri="{FF2B5EF4-FFF2-40B4-BE49-F238E27FC236}">
-                <a16:creationId xmlns:a16="http://schemas.microsoft.com/office/drawing/2014/main" id="{A6719413-BFD8-41A4-A192-D0C845052F4F}"/>
-              </a:ext>
-            </a:extLst>
-          </p:cNvPr>
-          <p:cNvPicPr>
-            <a:picLocks noChangeAspect="1"/>
-          </p:cNvPicPr>
-          <p:nvPr/>
-        </p:nvPicPr>
-        <p:blipFill>
-          <a:blip r:embed="rId4"/>
-          <a:stretch>
-            <a:fillRect/>
-          </a:stretch>
-        </p:blipFill>
-        <p:spPr>
-          <a:xfrm>
-            <a:off x="7905481" y="1079448"/>
-            <a:ext cx="2797337" cy="4938801"/>
+            <a:off x="1957387" y="2314575"/>
+            <a:ext cx="8277225" cy="2228850"/>
           </a:xfrm>
           <a:prstGeom prst="rect">
             <a:avLst/>
@@ -13832,7 +14928,7 @@
     </p:spTree>
     <p:extLst>
       <p:ext uri="{BB962C8B-B14F-4D97-AF65-F5344CB8AC3E}">
-        <p14:creationId xmlns:p14="http://schemas.microsoft.com/office/powerpoint/2010/main" val="2471429869"/>
+        <p14:creationId xmlns:p14="http://schemas.microsoft.com/office/powerpoint/2010/main" val="1126479536"/>
       </p:ext>
     </p:extLst>
   </p:cSld>
@@ -13861,10 +14957,10 @@
       </p:grpSpPr>
       <p:sp>
         <p:nvSpPr>
-          <p:cNvPr id="2" name="Text Placeholder 1">
-            <a:extLst>
-              <a:ext uri="{FF2B5EF4-FFF2-40B4-BE49-F238E27FC236}">
-                <a16:creationId xmlns:a16="http://schemas.microsoft.com/office/drawing/2014/main" id="{A87E29FF-8BBE-4440-B2F3-AD0FB0AAA249}"/>
+          <p:cNvPr id="4" name="Title 3">
+            <a:extLst>
+              <a:ext uri="{FF2B5EF4-FFF2-40B4-BE49-F238E27FC236}">
+                <a16:creationId xmlns:a16="http://schemas.microsoft.com/office/drawing/2014/main" id="{90A95B4C-4D97-43EC-B0F1-67B592F03438}"/>
               </a:ext>
             </a:extLst>
           </p:cNvPr>
@@ -13872,33 +14968,89 @@
             <a:spLocks noGrp="1"/>
           </p:cNvSpPr>
           <p:nvPr>
-            <p:ph type="body" sz="quarter" idx="13"/>
+            <p:ph type="title"/>
           </p:nvPr>
         </p:nvSpPr>
+        <p:spPr/>
+        <p:txBody>
+          <a:bodyPr/>
+          <a:lstStyle/>
+          <a:p>
+            <a:r>
+              <a:rPr lang="en-US" dirty="0" err="1"/>
+              <a:t>Tabel</a:t>
+            </a:r>
+            <a:r>
+              <a:rPr lang="en-US" dirty="0"/>
+              <a:t> Kelas</a:t>
+            </a:r>
+          </a:p>
+        </p:txBody>
+      </p:sp>
+      <p:sp>
+        <p:nvSpPr>
+          <p:cNvPr id="5" name="Slide Number Placeholder 4">
+            <a:extLst>
+              <a:ext uri="{FF2B5EF4-FFF2-40B4-BE49-F238E27FC236}">
+                <a16:creationId xmlns:a16="http://schemas.microsoft.com/office/drawing/2014/main" id="{38082739-3EAE-4137-9BF8-609FA403F158}"/>
+              </a:ext>
+            </a:extLst>
+          </p:cNvPr>
+          <p:cNvSpPr>
+            <a:spLocks noGrp="1"/>
+          </p:cNvSpPr>
+          <p:nvPr>
+            <p:ph type="sldNum" sz="quarter" idx="12"/>
+          </p:nvPr>
+        </p:nvSpPr>
+        <p:spPr/>
+        <p:txBody>
+          <a:bodyPr/>
+          <a:lstStyle/>
+          <a:p>
+            <a:fld id="{7C03E8FC-7EBD-BF42-9ED4-90D4B1E23A24}" type="slidenum">
+              <a:rPr lang="en-US" smtClean="0"/>
+              <a:pPr/>
+              <a:t>7</a:t>
+            </a:fld>
+            <a:endParaRPr lang="en-US"/>
+          </a:p>
+        </p:txBody>
+      </p:sp>
+      <p:pic>
+        <p:nvPicPr>
+          <p:cNvPr id="6" name="Picture 5">
+            <a:extLst>
+              <a:ext uri="{FF2B5EF4-FFF2-40B4-BE49-F238E27FC236}">
+                <a16:creationId xmlns:a16="http://schemas.microsoft.com/office/drawing/2014/main" id="{8D9129F8-EDFF-4A12-8484-EF08B4107AB0}"/>
+              </a:ext>
+            </a:extLst>
+          </p:cNvPr>
+          <p:cNvPicPr>
+            <a:picLocks noChangeAspect="1"/>
+          </p:cNvPicPr>
+          <p:nvPr/>
+        </p:nvPicPr>
+        <p:blipFill>
+          <a:blip r:embed="rId2"/>
+          <a:stretch>
+            <a:fillRect/>
+          </a:stretch>
+        </p:blipFill>
         <p:spPr>
           <a:xfrm>
-            <a:off x="4781550" y="3072606"/>
-            <a:ext cx="6135688" cy="1389063"/>
-          </a:xfrm>
-        </p:spPr>
-        <p:txBody>
-          <a:bodyPr>
-            <a:normAutofit/>
-          </a:bodyPr>
-          <a:lstStyle/>
-          <a:p>
-            <a:r>
-              <a:rPr lang="en-US" sz="4800" b="1" dirty="0" err="1"/>
-              <a:t>Materi</a:t>
-            </a:r>
-            <a:endParaRPr lang="en-US" sz="4800" b="1" dirty="0"/>
-          </a:p>
-        </p:txBody>
-      </p:sp>
+            <a:off x="2319337" y="2238375"/>
+            <a:ext cx="7553325" cy="2381250"/>
+          </a:xfrm>
+          <a:prstGeom prst="rect">
+            <a:avLst/>
+          </a:prstGeom>
+        </p:spPr>
+      </p:pic>
     </p:spTree>
     <p:extLst>
       <p:ext uri="{BB962C8B-B14F-4D97-AF65-F5344CB8AC3E}">
-        <p14:creationId xmlns:p14="http://schemas.microsoft.com/office/powerpoint/2010/main" val="1274640186"/>
+        <p14:creationId xmlns:p14="http://schemas.microsoft.com/office/powerpoint/2010/main" val="2435676984"/>
       </p:ext>
     </p:extLst>
   </p:cSld>
@@ -13927,415 +15079,72 @@
       </p:grpSpPr>
       <p:sp>
         <p:nvSpPr>
-          <p:cNvPr id="9" name="TextBox 8"/>
-          <p:cNvSpPr txBox="1"/>
-          <p:nvPr/>
-        </p:nvSpPr>
-        <p:spPr>
-          <a:xfrm>
-            <a:off x="563614" y="339197"/>
-            <a:ext cx="10436079" cy="430887"/>
-          </a:xfrm>
-          <a:prstGeom prst="rect">
-            <a:avLst/>
-          </a:prstGeom>
-          <a:solidFill>
-            <a:srgbClr val="FFC000"/>
-          </a:solidFill>
-        </p:spPr>
-        <p:txBody>
-          <a:bodyPr wrap="square" tIns="91440" bIns="91440" rtlCol="0">
-            <a:spAutoFit/>
-          </a:bodyPr>
+          <p:cNvPr id="4" name="Title 3">
+            <a:extLst>
+              <a:ext uri="{FF2B5EF4-FFF2-40B4-BE49-F238E27FC236}">
+                <a16:creationId xmlns:a16="http://schemas.microsoft.com/office/drawing/2014/main" id="{90A95B4C-4D97-43EC-B0F1-67B592F03438}"/>
+              </a:ext>
+            </a:extLst>
+          </p:cNvPr>
+          <p:cNvSpPr>
+            <a:spLocks noGrp="1"/>
+          </p:cNvSpPr>
+          <p:nvPr>
+            <p:ph type="title"/>
+          </p:nvPr>
+        </p:nvSpPr>
+        <p:spPr/>
+        <p:txBody>
+          <a:bodyPr/>
           <a:lstStyle/>
           <a:p>
-            <a:pPr algn="just">
-              <a:spcAft>
-                <a:spcPts val="600"/>
-              </a:spcAft>
-            </a:pPr>
-            <a:r>
-              <a:rPr lang="en-US" sz="1600" b="1" dirty="0" err="1">
-                <a:latin typeface="Trebuchet MS" panose="020B0603020202020204" pitchFamily="34" charset="0"/>
-              </a:rPr>
-              <a:t>Materi</a:t>
-            </a:r>
-            <a:endParaRPr lang="en-US" sz="1600" b="1" dirty="0">
-              <a:latin typeface="Trebuchet MS" panose="020B0603020202020204" pitchFamily="34" charset="0"/>
-            </a:endParaRPr>
-          </a:p>
-        </p:txBody>
-      </p:sp>
-      <p:sp>
-        <p:nvSpPr>
-          <p:cNvPr id="11" name="TextBox 10"/>
-          <p:cNvSpPr txBox="1"/>
-          <p:nvPr/>
-        </p:nvSpPr>
-        <p:spPr>
-          <a:xfrm>
-            <a:off x="563614" y="796717"/>
-            <a:ext cx="10436078" cy="5504264"/>
-          </a:xfrm>
-          <a:prstGeom prst="rect">
-            <a:avLst/>
-          </a:prstGeom>
-          <a:noFill/>
-          <a:ln w="19050">
-            <a:solidFill>
-              <a:srgbClr val="FFC000"/>
-            </a:solidFill>
-          </a:ln>
-        </p:spPr>
-        <p:txBody>
-          <a:bodyPr wrap="square">
-            <a:spAutoFit/>
-          </a:bodyPr>
+            <a:r>
+              <a:rPr lang="en-US" dirty="0" err="1"/>
+              <a:t>Tabel</a:t>
+            </a:r>
+            <a:r>
+              <a:rPr lang="en-US" dirty="0"/>
+              <a:t> Detail Kelas</a:t>
+            </a:r>
+          </a:p>
+        </p:txBody>
+      </p:sp>
+      <p:sp>
+        <p:nvSpPr>
+          <p:cNvPr id="5" name="Slide Number Placeholder 4">
+            <a:extLst>
+              <a:ext uri="{FF2B5EF4-FFF2-40B4-BE49-F238E27FC236}">
+                <a16:creationId xmlns:a16="http://schemas.microsoft.com/office/drawing/2014/main" id="{38082739-3EAE-4137-9BF8-609FA403F158}"/>
+              </a:ext>
+            </a:extLst>
+          </p:cNvPr>
+          <p:cNvSpPr>
+            <a:spLocks noGrp="1"/>
+          </p:cNvSpPr>
+          <p:nvPr>
+            <p:ph type="sldNum" sz="quarter" idx="12"/>
+          </p:nvPr>
+        </p:nvSpPr>
+        <p:spPr/>
+        <p:txBody>
+          <a:bodyPr/>
           <a:lstStyle/>
           <a:p>
-            <a:pPr algn="just">
-              <a:lnSpc>
-                <a:spcPct val="120000"/>
-              </a:lnSpc>
-              <a:spcBef>
-                <a:spcPts val="0"/>
-              </a:spcBef>
-              <a:spcAft>
-                <a:spcPts val="0"/>
-              </a:spcAft>
-            </a:pPr>
-            <a:endParaRPr lang="sv-SE" sz="1400" dirty="0">
-              <a:latin typeface="Calibri" pitchFamily="34" charset="0"/>
-            </a:endParaRPr>
-          </a:p>
-          <a:p>
-            <a:pPr algn="just">
-              <a:lnSpc>
-                <a:spcPct val="120000"/>
-              </a:lnSpc>
-              <a:spcBef>
-                <a:spcPts val="0"/>
-              </a:spcBef>
-              <a:spcAft>
-                <a:spcPts val="0"/>
-              </a:spcAft>
-            </a:pPr>
-            <a:endParaRPr lang="sv-SE" sz="1400" dirty="0">
-              <a:latin typeface="Calibri" pitchFamily="34" charset="0"/>
-            </a:endParaRPr>
-          </a:p>
-          <a:p>
-            <a:pPr algn="just">
-              <a:lnSpc>
-                <a:spcPct val="120000"/>
-              </a:lnSpc>
-              <a:spcBef>
-                <a:spcPts val="0"/>
-              </a:spcBef>
-              <a:spcAft>
-                <a:spcPts val="0"/>
-              </a:spcAft>
-            </a:pPr>
-            <a:endParaRPr lang="sv-SE" sz="1400" dirty="0">
-              <a:latin typeface="Calibri" pitchFamily="34" charset="0"/>
-            </a:endParaRPr>
-          </a:p>
-          <a:p>
-            <a:pPr algn="just">
-              <a:lnSpc>
-                <a:spcPct val="120000"/>
-              </a:lnSpc>
-              <a:spcBef>
-                <a:spcPts val="0"/>
-              </a:spcBef>
-              <a:spcAft>
-                <a:spcPts val="0"/>
-              </a:spcAft>
-            </a:pPr>
-            <a:endParaRPr lang="sv-SE" sz="1400" dirty="0">
-              <a:latin typeface="Calibri" pitchFamily="34" charset="0"/>
-            </a:endParaRPr>
-          </a:p>
-          <a:p>
-            <a:pPr algn="just">
-              <a:lnSpc>
-                <a:spcPct val="120000"/>
-              </a:lnSpc>
-              <a:spcBef>
-                <a:spcPts val="0"/>
-              </a:spcBef>
-              <a:spcAft>
-                <a:spcPts val="0"/>
-              </a:spcAft>
-            </a:pPr>
-            <a:endParaRPr lang="sv-SE" sz="1400" dirty="0">
-              <a:latin typeface="Calibri" pitchFamily="34" charset="0"/>
-            </a:endParaRPr>
-          </a:p>
-          <a:p>
-            <a:pPr algn="just">
-              <a:lnSpc>
-                <a:spcPct val="120000"/>
-              </a:lnSpc>
-              <a:spcBef>
-                <a:spcPts val="0"/>
-              </a:spcBef>
-              <a:spcAft>
-                <a:spcPts val="0"/>
-              </a:spcAft>
-            </a:pPr>
-            <a:endParaRPr lang="sv-SE" sz="1400" dirty="0">
-              <a:latin typeface="Calibri" pitchFamily="34" charset="0"/>
-            </a:endParaRPr>
-          </a:p>
-          <a:p>
-            <a:pPr algn="just">
-              <a:lnSpc>
-                <a:spcPct val="120000"/>
-              </a:lnSpc>
-              <a:spcBef>
-                <a:spcPts val="0"/>
-              </a:spcBef>
-              <a:spcAft>
-                <a:spcPts val="0"/>
-              </a:spcAft>
-            </a:pPr>
-            <a:endParaRPr lang="sv-SE" sz="1400" dirty="0">
-              <a:latin typeface="Calibri" pitchFamily="34" charset="0"/>
-            </a:endParaRPr>
-          </a:p>
-          <a:p>
-            <a:pPr algn="just">
-              <a:lnSpc>
-                <a:spcPct val="120000"/>
-              </a:lnSpc>
-              <a:spcBef>
-                <a:spcPts val="0"/>
-              </a:spcBef>
-              <a:spcAft>
-                <a:spcPts val="0"/>
-              </a:spcAft>
-            </a:pPr>
-            <a:endParaRPr lang="sv-SE" sz="1400" dirty="0">
-              <a:latin typeface="Calibri" pitchFamily="34" charset="0"/>
-            </a:endParaRPr>
-          </a:p>
-          <a:p>
-            <a:pPr algn="just">
-              <a:lnSpc>
-                <a:spcPct val="120000"/>
-              </a:lnSpc>
-              <a:spcBef>
-                <a:spcPts val="0"/>
-              </a:spcBef>
-              <a:spcAft>
-                <a:spcPts val="0"/>
-              </a:spcAft>
-            </a:pPr>
-            <a:endParaRPr lang="sv-SE" sz="1400" dirty="0">
-              <a:latin typeface="Calibri" pitchFamily="34" charset="0"/>
-            </a:endParaRPr>
-          </a:p>
-          <a:p>
-            <a:pPr algn="just">
-              <a:lnSpc>
-                <a:spcPct val="120000"/>
-              </a:lnSpc>
-              <a:spcBef>
-                <a:spcPts val="0"/>
-              </a:spcBef>
-              <a:spcAft>
-                <a:spcPts val="0"/>
-              </a:spcAft>
-            </a:pPr>
-            <a:endParaRPr lang="sv-SE" sz="1400" dirty="0">
-              <a:latin typeface="Calibri" pitchFamily="34" charset="0"/>
-            </a:endParaRPr>
-          </a:p>
-          <a:p>
-            <a:pPr algn="just">
-              <a:lnSpc>
-                <a:spcPct val="120000"/>
-              </a:lnSpc>
-              <a:spcBef>
-                <a:spcPts val="0"/>
-              </a:spcBef>
-              <a:spcAft>
-                <a:spcPts val="0"/>
-              </a:spcAft>
-            </a:pPr>
-            <a:endParaRPr lang="sv-SE" sz="1400" dirty="0">
-              <a:latin typeface="Calibri" pitchFamily="34" charset="0"/>
-            </a:endParaRPr>
-          </a:p>
-          <a:p>
-            <a:pPr algn="just">
-              <a:lnSpc>
-                <a:spcPct val="120000"/>
-              </a:lnSpc>
-              <a:spcBef>
-                <a:spcPts val="0"/>
-              </a:spcBef>
-              <a:spcAft>
-                <a:spcPts val="0"/>
-              </a:spcAft>
-            </a:pPr>
-            <a:endParaRPr lang="sv-SE" sz="1400" dirty="0">
-              <a:latin typeface="Calibri" pitchFamily="34" charset="0"/>
-            </a:endParaRPr>
-          </a:p>
-          <a:p>
-            <a:pPr algn="just">
-              <a:lnSpc>
-                <a:spcPct val="120000"/>
-              </a:lnSpc>
-              <a:spcBef>
-                <a:spcPts val="0"/>
-              </a:spcBef>
-              <a:spcAft>
-                <a:spcPts val="0"/>
-              </a:spcAft>
-            </a:pPr>
-            <a:endParaRPr lang="sv-SE" sz="1400" dirty="0">
-              <a:latin typeface="Calibri" pitchFamily="34" charset="0"/>
-            </a:endParaRPr>
-          </a:p>
-          <a:p>
-            <a:pPr algn="just">
-              <a:lnSpc>
-                <a:spcPct val="120000"/>
-              </a:lnSpc>
-              <a:spcBef>
-                <a:spcPts val="0"/>
-              </a:spcBef>
-              <a:spcAft>
-                <a:spcPts val="0"/>
-              </a:spcAft>
-            </a:pPr>
-            <a:endParaRPr lang="sv-SE" sz="1400" dirty="0">
-              <a:latin typeface="Calibri" pitchFamily="34" charset="0"/>
-            </a:endParaRPr>
-          </a:p>
-          <a:p>
-            <a:pPr algn="just">
-              <a:lnSpc>
-                <a:spcPct val="120000"/>
-              </a:lnSpc>
-              <a:spcBef>
-                <a:spcPts val="0"/>
-              </a:spcBef>
-              <a:spcAft>
-                <a:spcPts val="0"/>
-              </a:spcAft>
-            </a:pPr>
-            <a:endParaRPr lang="sv-SE" sz="1400" dirty="0">
-              <a:latin typeface="Calibri" pitchFamily="34" charset="0"/>
-            </a:endParaRPr>
-          </a:p>
-          <a:p>
-            <a:pPr algn="just">
-              <a:lnSpc>
-                <a:spcPct val="120000"/>
-              </a:lnSpc>
-              <a:spcBef>
-                <a:spcPts val="0"/>
-              </a:spcBef>
-              <a:spcAft>
-                <a:spcPts val="0"/>
-              </a:spcAft>
-            </a:pPr>
-            <a:endParaRPr lang="sv-SE" sz="1400" dirty="0">
-              <a:latin typeface="Calibri" pitchFamily="34" charset="0"/>
-            </a:endParaRPr>
-          </a:p>
-          <a:p>
-            <a:pPr algn="just">
-              <a:lnSpc>
-                <a:spcPct val="120000"/>
-              </a:lnSpc>
-              <a:spcBef>
-                <a:spcPts val="0"/>
-              </a:spcBef>
-              <a:spcAft>
-                <a:spcPts val="0"/>
-              </a:spcAft>
-            </a:pPr>
-            <a:endParaRPr lang="sv-SE" sz="1400" dirty="0">
-              <a:latin typeface="Calibri" pitchFamily="34" charset="0"/>
-            </a:endParaRPr>
-          </a:p>
-          <a:p>
-            <a:pPr algn="just">
-              <a:lnSpc>
-                <a:spcPct val="120000"/>
-              </a:lnSpc>
-              <a:spcBef>
-                <a:spcPts val="0"/>
-              </a:spcBef>
-              <a:spcAft>
-                <a:spcPts val="0"/>
-              </a:spcAft>
-            </a:pPr>
-            <a:endParaRPr lang="sv-SE" sz="1400" dirty="0">
-              <a:latin typeface="Calibri" pitchFamily="34" charset="0"/>
-            </a:endParaRPr>
-          </a:p>
-          <a:p>
-            <a:pPr algn="just">
-              <a:lnSpc>
-                <a:spcPct val="120000"/>
-              </a:lnSpc>
-              <a:spcBef>
-                <a:spcPts val="0"/>
-              </a:spcBef>
-              <a:spcAft>
-                <a:spcPts val="0"/>
-              </a:spcAft>
-            </a:pPr>
-            <a:endParaRPr lang="sv-SE" sz="1400" dirty="0">
-              <a:latin typeface="Calibri" pitchFamily="34" charset="0"/>
-            </a:endParaRPr>
-          </a:p>
-          <a:p>
-            <a:pPr algn="just">
-              <a:lnSpc>
-                <a:spcPct val="120000"/>
-              </a:lnSpc>
-              <a:spcBef>
-                <a:spcPts val="0"/>
-              </a:spcBef>
-              <a:spcAft>
-                <a:spcPts val="0"/>
-              </a:spcAft>
-            </a:pPr>
-            <a:endParaRPr lang="sv-SE" sz="1400" dirty="0">
-              <a:latin typeface="Calibri" pitchFamily="34" charset="0"/>
-            </a:endParaRPr>
-          </a:p>
-          <a:p>
-            <a:pPr algn="just">
-              <a:lnSpc>
-                <a:spcPct val="120000"/>
-              </a:lnSpc>
-              <a:spcBef>
-                <a:spcPts val="0"/>
-              </a:spcBef>
-              <a:spcAft>
-                <a:spcPts val="0"/>
-              </a:spcAft>
-            </a:pPr>
-            <a:endParaRPr lang="sv-SE" sz="1400" dirty="0">
-              <a:latin typeface="Calibri" pitchFamily="34" charset="0"/>
-            </a:endParaRPr>
+            <a:fld id="{7C03E8FC-7EBD-BF42-9ED4-90D4B1E23A24}" type="slidenum">
+              <a:rPr lang="en-US" smtClean="0"/>
+              <a:pPr/>
+              <a:t>8</a:t>
+            </a:fld>
+            <a:endParaRPr lang="en-US"/>
           </a:p>
         </p:txBody>
       </p:sp>
       <p:pic>
         <p:nvPicPr>
-          <p:cNvPr id="3" name="Picture 2">
-            <a:extLst>
-              <a:ext uri="{FF2B5EF4-FFF2-40B4-BE49-F238E27FC236}">
-                <a16:creationId xmlns:a16="http://schemas.microsoft.com/office/drawing/2014/main" id="{C8F2C09E-6C09-4105-94AB-B0A98BEA0E78}"/>
+          <p:cNvPr id="6" name="Picture 5">
+            <a:extLst>
+              <a:ext uri="{FF2B5EF4-FFF2-40B4-BE49-F238E27FC236}">
+                <a16:creationId xmlns:a16="http://schemas.microsoft.com/office/drawing/2014/main" id="{DEE53FFA-A4D7-49AB-9AFA-6EC93C8C9729}"/>
               </a:ext>
             </a:extLst>
           </p:cNvPr>
@@ -14352,68 +15161,8 @@
         </p:blipFill>
         <p:spPr>
           <a:xfrm>
-            <a:off x="850738" y="966486"/>
-            <a:ext cx="2788201" cy="4925027"/>
-          </a:xfrm>
-          <a:prstGeom prst="rect">
-            <a:avLst/>
-          </a:prstGeom>
-        </p:spPr>
-      </p:pic>
-      <p:pic>
-        <p:nvPicPr>
-          <p:cNvPr id="5" name="Picture 4">
-            <a:extLst>
-              <a:ext uri="{FF2B5EF4-FFF2-40B4-BE49-F238E27FC236}">
-                <a16:creationId xmlns:a16="http://schemas.microsoft.com/office/drawing/2014/main" id="{23E92809-9576-4DE7-882B-B1CD9A0E690A}"/>
-              </a:ext>
-            </a:extLst>
-          </p:cNvPr>
-          <p:cNvPicPr>
-            <a:picLocks noChangeAspect="1"/>
-          </p:cNvPicPr>
-          <p:nvPr/>
-        </p:nvPicPr>
-        <p:blipFill>
-          <a:blip r:embed="rId3"/>
-          <a:stretch>
-            <a:fillRect/>
-          </a:stretch>
-        </p:blipFill>
-        <p:spPr>
-          <a:xfrm>
-            <a:off x="4387552" y="970424"/>
-            <a:ext cx="2788201" cy="4899042"/>
-          </a:xfrm>
-          <a:prstGeom prst="rect">
-            <a:avLst/>
-          </a:prstGeom>
-        </p:spPr>
-      </p:pic>
-      <p:pic>
-        <p:nvPicPr>
-          <p:cNvPr id="7" name="Picture 6">
-            <a:extLst>
-              <a:ext uri="{FF2B5EF4-FFF2-40B4-BE49-F238E27FC236}">
-                <a16:creationId xmlns:a16="http://schemas.microsoft.com/office/drawing/2014/main" id="{E5B21EF5-BC0B-43EC-8E13-3F76949BDC65}"/>
-              </a:ext>
-            </a:extLst>
-          </p:cNvPr>
-          <p:cNvPicPr>
-            <a:picLocks noChangeAspect="1"/>
-          </p:cNvPicPr>
-          <p:nvPr/>
-        </p:nvPicPr>
-        <p:blipFill>
-          <a:blip r:embed="rId4"/>
-          <a:stretch>
-            <a:fillRect/>
-          </a:stretch>
-        </p:blipFill>
-        <p:spPr>
-          <a:xfrm>
-            <a:off x="7938738" y="966486"/>
-            <a:ext cx="2788201" cy="4906919"/>
+            <a:off x="2209800" y="2647950"/>
+            <a:ext cx="7772400" cy="1562100"/>
           </a:xfrm>
           <a:prstGeom prst="rect">
             <a:avLst/>
@@ -14423,7 +15172,7 @@
     </p:spTree>
     <p:extLst>
       <p:ext uri="{BB962C8B-B14F-4D97-AF65-F5344CB8AC3E}">
-        <p14:creationId xmlns:p14="http://schemas.microsoft.com/office/powerpoint/2010/main" val="1004130720"/>
+        <p14:creationId xmlns:p14="http://schemas.microsoft.com/office/powerpoint/2010/main" val="2308839098"/>
       </p:ext>
     </p:extLst>
   </p:cSld>
